--- a/PPT/第二部分 软件测试技术/5.5  白盒测试技术-对于循环的测试.pptx
+++ b/PPT/第二部分 软件测试技术/5.5  白盒测试技术-对于循环的测试.pptx
@@ -5,10 +5,10 @@
     <p:sldMasterId id="2147483776" r:id="rId1"/>
   </p:sldMasterIdLst>
   <p:notesMasterIdLst>
-    <p:notesMasterId r:id="rId22"/>
+    <p:notesMasterId r:id="rId24"/>
   </p:notesMasterIdLst>
   <p:handoutMasterIdLst>
-    <p:handoutMasterId r:id="rId23"/>
+    <p:handoutMasterId r:id="rId25"/>
   </p:handoutMasterIdLst>
   <p:sldIdLst>
     <p:sldId id="451" r:id="rId2"/>
@@ -20,17 +20,19 @@
     <p:sldId id="425" r:id="rId8"/>
     <p:sldId id="422" r:id="rId9"/>
     <p:sldId id="426" r:id="rId10"/>
-    <p:sldId id="421" r:id="rId11"/>
-    <p:sldId id="427" r:id="rId12"/>
-    <p:sldId id="420" r:id="rId13"/>
-    <p:sldId id="428" r:id="rId14"/>
-    <p:sldId id="303" r:id="rId15"/>
-    <p:sldId id="429" r:id="rId16"/>
-    <p:sldId id="430" r:id="rId17"/>
-    <p:sldId id="431" r:id="rId18"/>
-    <p:sldId id="432" r:id="rId19"/>
-    <p:sldId id="321" r:id="rId20"/>
-    <p:sldId id="316" r:id="rId21"/>
+    <p:sldId id="454" r:id="rId11"/>
+    <p:sldId id="455" r:id="rId12"/>
+    <p:sldId id="421" r:id="rId13"/>
+    <p:sldId id="427" r:id="rId14"/>
+    <p:sldId id="420" r:id="rId15"/>
+    <p:sldId id="428" r:id="rId16"/>
+    <p:sldId id="456" r:id="rId17"/>
+    <p:sldId id="460" r:id="rId18"/>
+    <p:sldId id="458" r:id="rId19"/>
+    <p:sldId id="457" r:id="rId20"/>
+    <p:sldId id="459" r:id="rId21"/>
+    <p:sldId id="321" r:id="rId22"/>
+    <p:sldId id="316" r:id="rId23"/>
   </p:sldIdLst>
   <p:sldSz cx="9144000" cy="6858000" type="screen4x3"/>
   <p:notesSz cx="6858000" cy="9144000"/>
@@ -528,7 +530,7 @@
         <p:nvSpPr>
           <p:cNvPr id="117764" name="Rectangle 4"/>
           <p:cNvSpPr>
-            <a:spLocks noRot="1" noChangeArrowheads="1" noTextEdit="1"/>
+            <a:spLocks noGrp="1" noRot="1" noChangeAspect="1" noChangeArrowheads="1" noTextEdit="1"/>
           </p:cNvSpPr>
           <p:nvPr>
             <p:ph type="sldImg" idx="2"/>
@@ -5105,7 +5107,7 @@
       </p:grpSpPr>
       <p:sp>
         <p:nvSpPr>
-          <p:cNvPr id="78850" name="灯片编号占位符 5"/>
+          <p:cNvPr id="77826" name="灯片编号占位符 5"/>
           <p:cNvSpPr>
             <a:spLocks noGrp="1"/>
           </p:cNvSpPr>
@@ -5247,7 +5249,7 @@
           </a:lstStyle>
           <a:p>
             <a:pPr eaLnBrk="1" hangingPunct="1"/>
-            <a:fld id="{21321FC8-0BD8-4A4B-9A2E-0F2B2FCB7EFA}" type="slidenum">
+            <a:fld id="{B5A258DF-0155-4CE4-B48F-BE912AE87A7A}" type="slidenum">
               <a:rPr lang="en-US" altLang="zh-CN" smtClean="0"/>
               <a:pPr eaLnBrk="1" hangingPunct="1"/>
               <a:t>10</a:t>
@@ -5258,7 +5260,7 @@
       </p:sp>
       <p:sp>
         <p:nvSpPr>
-          <p:cNvPr id="78851" name="Rectangle 2"/>
+          <p:cNvPr id="77827" name="Rectangle 2"/>
           <p:cNvSpPr>
             <a:spLocks noGrp="1" noChangeArrowheads="1"/>
           </p:cNvSpPr>
@@ -5291,7 +5293,7 @@
       </p:sp>
       <p:sp>
         <p:nvSpPr>
-          <p:cNvPr id="78852" name="Rectangle 3"/>
+          <p:cNvPr id="77828" name="Rectangle 3"/>
           <p:cNvSpPr>
             <a:spLocks noGrp="1" noChangeArrowheads="1"/>
           </p:cNvSpPr>
@@ -5307,68 +5309,133 @@
             <a:pPr eaLnBrk="1" hangingPunct="1"/>
             <a:r>
               <a:rPr lang="zh-CN" altLang="en-US" sz="3400" b="1" dirty="0" smtClean="0"/>
-              <a:t>测试用例设计</a:t>
+              <a:t>循环次数不固定时</a:t>
             </a:r>
             <a:endParaRPr lang="en-US" altLang="zh-CN" sz="3400" b="1" dirty="0" smtClean="0"/>
           </a:p>
           <a:p>
-            <a:pPr lvl="1" eaLnBrk="1" hangingPunct="1"/>
-            <a:r>
-              <a:rPr lang="zh-CN" altLang="en-US" sz="3100" b="1" dirty="0" smtClean="0"/>
-              <a:t>循环结构的分类</a:t>
-            </a:r>
-            <a:endParaRPr lang="en-US" altLang="zh-CN" sz="3100" b="1" dirty="0" smtClean="0"/>
-          </a:p>
-          <a:p>
-            <a:pPr lvl="1" eaLnBrk="1" hangingPunct="1"/>
-            <a:r>
-              <a:rPr lang="zh-CN" altLang="en-US" sz="3100" b="1" dirty="0" smtClean="0"/>
-              <a:t>测试难点</a:t>
-            </a:r>
-            <a:endParaRPr lang="en-US" altLang="zh-CN" sz="3100" b="1" dirty="0" smtClean="0"/>
-          </a:p>
-          <a:p>
-            <a:pPr lvl="1" eaLnBrk="1" hangingPunct="1"/>
-            <a:r>
-              <a:rPr lang="zh-CN" altLang="en-US" sz="3100" b="1" dirty="0" smtClean="0"/>
-              <a:t>针对单个循环节点循环次数的测试</a:t>
-            </a:r>
-            <a:endParaRPr lang="en-US" altLang="zh-CN" sz="3100" b="1" dirty="0" smtClean="0"/>
-          </a:p>
-          <a:p>
-            <a:pPr lvl="1" eaLnBrk="1" hangingPunct="1"/>
-            <a:r>
-              <a:rPr lang="zh-CN" altLang="en-US" sz="3100" b="1" dirty="0" smtClean="0">
-                <a:solidFill>
-                  <a:srgbClr val="0000FF"/>
-                </a:solidFill>
-              </a:rPr>
-              <a:t>针对单个</a:t>
-            </a:r>
-            <a:r>
-              <a:rPr lang="zh-CN" altLang="en-US" sz="3100" b="1" dirty="0" smtClean="0">
-                <a:solidFill>
-                  <a:srgbClr val="0000FF"/>
-                </a:solidFill>
-              </a:rPr>
-              <a:t>循环节点循环过程的测试</a:t>
-            </a:r>
-            <a:endParaRPr lang="en-US" altLang="zh-CN" sz="3100" b="1" dirty="0" smtClean="0">
-              <a:solidFill>
-                <a:srgbClr val="0000FF"/>
-              </a:solidFill>
-            </a:endParaRPr>
-          </a:p>
-          <a:p>
-            <a:pPr lvl="1" eaLnBrk="1" hangingPunct="1"/>
-            <a:r>
-              <a:rPr lang="zh-CN" altLang="en-US" sz="3100" b="1" dirty="0" smtClean="0"/>
-              <a:t>针对多个循环结构的测试</a:t>
+            <a:pPr marL="0" indent="0" eaLnBrk="1" hangingPunct="1">
+              <a:buNone/>
+            </a:pPr>
+            <a:r>
+              <a:rPr lang="en-US" altLang="zh-CN" sz="2800" b="1" dirty="0" smtClean="0"/>
+              <a:t>void SampleFunc4(</a:t>
+            </a:r>
+            <a:r>
+              <a:rPr lang="en-US" altLang="zh-CN" sz="2800" b="1" dirty="0" err="1" smtClean="0"/>
+              <a:t>int</a:t>
+            </a:r>
+            <a:r>
+              <a:rPr lang="en-US" altLang="zh-CN" sz="2800" b="1" dirty="0" smtClean="0"/>
+              <a:t> iteration)</a:t>
+            </a:r>
+          </a:p>
+          <a:p>
+            <a:pPr marL="0" indent="0" eaLnBrk="1" hangingPunct="1">
+              <a:buNone/>
+            </a:pPr>
+            <a:r>
+              <a:rPr lang="en-US" altLang="zh-CN" sz="2800" b="1" dirty="0" smtClean="0"/>
+              <a:t>{</a:t>
+            </a:r>
+          </a:p>
+          <a:p>
+            <a:pPr marL="0" indent="0" eaLnBrk="1" hangingPunct="1">
+              <a:buNone/>
+            </a:pPr>
+            <a:r>
+              <a:rPr lang="en-US" altLang="zh-CN" sz="2800" b="1" dirty="0" smtClean="0"/>
+              <a:t>//iteration</a:t>
+            </a:r>
+            <a:r>
+              <a:rPr lang="zh-CN" altLang="en-US" sz="2800" b="1" dirty="0" smtClean="0"/>
+              <a:t>决定循环次数</a:t>
+            </a:r>
+            <a:endParaRPr lang="en-US" altLang="zh-CN" sz="2800" b="1" dirty="0" smtClean="0"/>
+          </a:p>
+          <a:p>
+            <a:pPr marL="0" indent="0" eaLnBrk="1" hangingPunct="1">
+              <a:buNone/>
+            </a:pPr>
+            <a:r>
+              <a:rPr lang="en-US" altLang="zh-CN" sz="2800" b="1" dirty="0"/>
+              <a:t> </a:t>
+            </a:r>
+            <a:r>
+              <a:rPr lang="en-US" altLang="zh-CN" sz="2800" b="1" dirty="0" smtClean="0"/>
+              <a:t>for(</a:t>
+            </a:r>
+            <a:r>
+              <a:rPr lang="en-US" altLang="zh-CN" sz="2800" b="1" dirty="0" err="1" smtClean="0"/>
+              <a:t>int</a:t>
+            </a:r>
+            <a:r>
+              <a:rPr lang="en-US" altLang="zh-CN" sz="2800" b="1" dirty="0" smtClean="0"/>
+              <a:t> </a:t>
+            </a:r>
+            <a:r>
+              <a:rPr lang="en-US" altLang="zh-CN" sz="2800" b="1" dirty="0"/>
+              <a:t>i</a:t>
+            </a:r>
+            <a:r>
+              <a:rPr lang="en-US" altLang="zh-CN" sz="2800" b="1" dirty="0" smtClean="0"/>
+              <a:t> = 1;i &lt; </a:t>
+            </a:r>
+            <a:r>
+              <a:rPr lang="en-US" altLang="zh-CN" sz="2800" b="1" dirty="0" err="1" smtClean="0"/>
+              <a:t>iteration;i</a:t>
+            </a:r>
+            <a:r>
+              <a:rPr lang="en-US" altLang="zh-CN" sz="2800" b="1" dirty="0" smtClean="0"/>
+              <a:t>++ )</a:t>
+            </a:r>
+          </a:p>
+          <a:p>
+            <a:pPr marL="0" indent="0" eaLnBrk="1" hangingPunct="1">
+              <a:buNone/>
+            </a:pPr>
+            <a:r>
+              <a:rPr lang="en-US" altLang="zh-CN" sz="2800" b="1"/>
+              <a:t> </a:t>
+            </a:r>
+            <a:r>
+              <a:rPr lang="en-US" altLang="zh-CN" sz="2800" b="1" smtClean="0"/>
+              <a:t>	 </a:t>
+            </a:r>
+            <a:r>
+              <a:rPr lang="en-US" altLang="zh-CN" sz="2800" b="1" dirty="0" err="1" smtClean="0"/>
+              <a:t>printf</a:t>
+            </a:r>
+            <a:r>
+              <a:rPr lang="en-US" altLang="zh-CN" sz="2800" b="1" dirty="0" smtClean="0"/>
+              <a:t>(“i=%</a:t>
+            </a:r>
+            <a:r>
+              <a:rPr lang="en-US" altLang="zh-CN" sz="2800" b="1" dirty="0" err="1" smtClean="0"/>
+              <a:t>d”,i</a:t>
+            </a:r>
+            <a:r>
+              <a:rPr lang="en-US" altLang="zh-CN" sz="2800" b="1" dirty="0" smtClean="0"/>
+              <a:t>);</a:t>
+            </a:r>
+          </a:p>
+          <a:p>
+            <a:pPr marL="0" indent="0" eaLnBrk="1" hangingPunct="1">
+              <a:buNone/>
+            </a:pPr>
+            <a:r>
+              <a:rPr lang="en-US" altLang="zh-CN" sz="2800" b="1" dirty="0" smtClean="0"/>
+              <a:t>}</a:t>
             </a:r>
           </a:p>
         </p:txBody>
       </p:sp>
     </p:spTree>
+    <p:extLst>
+      <p:ext uri="{BB962C8B-B14F-4D97-AF65-F5344CB8AC3E}">
+        <p14:creationId xmlns:p14="http://schemas.microsoft.com/office/powerpoint/2010/main" val="3996325497"/>
+      </p:ext>
+    </p:extLst>
   </p:cSld>
   <p:clrMapOvr>
     <a:masterClrMapping/>
@@ -5396,7 +5463,7 @@
       </p:grpSpPr>
       <p:sp>
         <p:nvSpPr>
-          <p:cNvPr id="79874" name="灯片编号占位符 5"/>
+          <p:cNvPr id="77826" name="灯片编号占位符 5"/>
           <p:cNvSpPr>
             <a:spLocks noGrp="1"/>
           </p:cNvSpPr>
@@ -5538,7 +5605,7 @@
           </a:lstStyle>
           <a:p>
             <a:pPr eaLnBrk="1" hangingPunct="1"/>
-            <a:fld id="{F5EFF59D-7805-4CA9-ABDA-4A634D9EC291}" type="slidenum">
+            <a:fld id="{B5A258DF-0155-4CE4-B48F-BE912AE87A7A}" type="slidenum">
               <a:rPr lang="en-US" altLang="zh-CN" smtClean="0"/>
               <a:pPr eaLnBrk="1" hangingPunct="1"/>
               <a:t>11</a:t>
@@ -5549,7 +5616,7 @@
       </p:sp>
       <p:sp>
         <p:nvSpPr>
-          <p:cNvPr id="79875" name="Rectangle 2"/>
+          <p:cNvPr id="77827" name="Rectangle 2"/>
           <p:cNvSpPr>
             <a:spLocks noGrp="1" noChangeArrowheads="1"/>
           </p:cNvSpPr>
@@ -5582,7 +5649,7 @@
       </p:sp>
       <p:sp>
         <p:nvSpPr>
-          <p:cNvPr id="79876" name="Rectangle 3"/>
+          <p:cNvPr id="77828" name="Rectangle 3"/>
           <p:cNvSpPr>
             <a:spLocks noGrp="1" noChangeArrowheads="1"/>
           </p:cNvSpPr>
@@ -5598,40 +5665,1705 @@
             <a:pPr eaLnBrk="1" hangingPunct="1"/>
             <a:r>
               <a:rPr lang="zh-CN" altLang="en-US" sz="3400" b="1" dirty="0" smtClean="0"/>
-              <a:t>针对单个</a:t>
-            </a:r>
-            <a:r>
-              <a:rPr lang="zh-CN" altLang="en-US" sz="3400" b="1" dirty="0" smtClean="0"/>
-              <a:t>循环节点循环过程的测试</a:t>
+              <a:t>循环次数不固定时</a:t>
             </a:r>
             <a:endParaRPr lang="en-US" altLang="zh-CN" sz="3400" b="1" dirty="0" smtClean="0"/>
           </a:p>
           <a:p>
-            <a:pPr lvl="1" eaLnBrk="1" hangingPunct="1"/>
-            <a:r>
-              <a:rPr lang="zh-CN" altLang="en-US" b="1" dirty="0" smtClean="0"/>
-              <a:t>循环的初始化</a:t>
-            </a:r>
-            <a:endParaRPr lang="en-US" altLang="zh-CN" b="1" dirty="0" smtClean="0"/>
-          </a:p>
-          <a:p>
-            <a:pPr lvl="1" eaLnBrk="1" hangingPunct="1"/>
-            <a:r>
-              <a:rPr lang="zh-CN" altLang="en-US" b="1" dirty="0" smtClean="0"/>
-              <a:t>循环的迭代</a:t>
-            </a:r>
-            <a:endParaRPr lang="en-US" altLang="zh-CN" b="1" dirty="0" smtClean="0"/>
-          </a:p>
-          <a:p>
-            <a:pPr lvl="1" eaLnBrk="1" hangingPunct="1"/>
-            <a:r>
-              <a:rPr lang="zh-CN" altLang="en-US" b="1" dirty="0" smtClean="0"/>
-              <a:t>循环的终止</a:t>
-            </a:r>
-          </a:p>
-        </p:txBody>
-      </p:sp>
+            <a:pPr marL="0" indent="0" eaLnBrk="1" hangingPunct="1">
+              <a:buNone/>
+            </a:pPr>
+            <a:endParaRPr lang="en-US" altLang="zh-CN" sz="3400" b="1" dirty="0" smtClean="0"/>
+          </a:p>
+        </p:txBody>
+      </p:sp>
+      <p:graphicFrame>
+        <p:nvGraphicFramePr>
+          <p:cNvPr id="2" name="表格 1"/>
+          <p:cNvGraphicFramePr>
+            <a:graphicFrameLocks noGrp="1"/>
+          </p:cNvGraphicFramePr>
+          <p:nvPr>
+            <p:extLst>
+              <p:ext uri="{D42A27DB-BD31-4B8C-83A1-F6EECF244321}">
+                <p14:modId xmlns:p14="http://schemas.microsoft.com/office/powerpoint/2010/main" val="2639069298"/>
+              </p:ext>
+            </p:extLst>
+          </p:nvPr>
+        </p:nvGraphicFramePr>
+        <p:xfrm>
+          <a:off x="1115616" y="2564904"/>
+          <a:ext cx="6096000" cy="3337560"/>
+        </p:xfrm>
+        <a:graphic>
+          <a:graphicData uri="http://schemas.openxmlformats.org/drawingml/2006/table">
+            <a:tbl>
+              <a:tblPr firstRow="1" bandRow="1">
+                <a:tableStyleId>{5C22544A-7EE6-4342-B048-85BDC9FD1C3A}</a:tableStyleId>
+              </a:tblPr>
+              <a:tblGrid>
+                <a:gridCol w="2016224"/>
+                <a:gridCol w="2047776"/>
+                <a:gridCol w="2032000"/>
+              </a:tblGrid>
+              <a:tr h="370840">
+                <a:tc>
+                  <a:txBody>
+                    <a:bodyPr/>
+                    <a:lstStyle/>
+                    <a:p>
+                      <a:r>
+                        <a:rPr lang="zh-CN" altLang="en-US" dirty="0" smtClean="0">
+                          <a:solidFill>
+                            <a:schemeClr val="tx1"/>
+                          </a:solidFill>
+                        </a:rPr>
+                        <a:t>测试项</a:t>
+                      </a:r>
+                      <a:endParaRPr lang="zh-CN" altLang="en-US" dirty="0">
+                        <a:solidFill>
+                          <a:schemeClr val="tx1"/>
+                        </a:solidFill>
+                      </a:endParaRPr>
+                    </a:p>
+                  </a:txBody>
+                  <a:tcPr>
+                    <a:lnL w="12700" cap="flat" cmpd="sng" algn="ctr">
+                      <a:solidFill>
+                        <a:schemeClr val="tx1"/>
+                      </a:solidFill>
+                      <a:prstDash val="solid"/>
+                      <a:round/>
+                      <a:headEnd type="none" w="med" len="med"/>
+                      <a:tailEnd type="none" w="med" len="med"/>
+                    </a:lnL>
+                    <a:lnR w="12700" cap="flat" cmpd="sng" algn="ctr">
+                      <a:solidFill>
+                        <a:schemeClr val="tx1"/>
+                      </a:solidFill>
+                      <a:prstDash val="solid"/>
+                      <a:round/>
+                      <a:headEnd type="none" w="med" len="med"/>
+                      <a:tailEnd type="none" w="med" len="med"/>
+                    </a:lnR>
+                    <a:lnT w="12700" cap="flat" cmpd="sng" algn="ctr">
+                      <a:solidFill>
+                        <a:schemeClr val="tx1"/>
+                      </a:solidFill>
+                      <a:prstDash val="solid"/>
+                      <a:round/>
+                      <a:headEnd type="none" w="med" len="med"/>
+                      <a:tailEnd type="none" w="med" len="med"/>
+                    </a:lnT>
+                    <a:lnB w="12700" cap="flat" cmpd="sng" algn="ctr">
+                      <a:solidFill>
+                        <a:schemeClr val="tx1"/>
+                      </a:solidFill>
+                      <a:prstDash val="solid"/>
+                      <a:round/>
+                      <a:headEnd type="none" w="med" len="med"/>
+                      <a:tailEnd type="none" w="med" len="med"/>
+                    </a:lnB>
+                    <a:noFill/>
+                  </a:tcPr>
+                </a:tc>
+                <a:tc>
+                  <a:txBody>
+                    <a:bodyPr/>
+                    <a:lstStyle/>
+                    <a:p>
+                      <a:r>
+                        <a:rPr lang="zh-CN" altLang="en-US" dirty="0" smtClean="0">
+                          <a:solidFill>
+                            <a:schemeClr val="tx1"/>
+                          </a:solidFill>
+                        </a:rPr>
+                        <a:t>输入条件</a:t>
+                      </a:r>
+                      <a:endParaRPr lang="zh-CN" altLang="en-US" dirty="0">
+                        <a:solidFill>
+                          <a:schemeClr val="tx1"/>
+                        </a:solidFill>
+                      </a:endParaRPr>
+                    </a:p>
+                  </a:txBody>
+                  <a:tcPr>
+                    <a:lnL w="12700" cap="flat" cmpd="sng" algn="ctr">
+                      <a:solidFill>
+                        <a:schemeClr val="tx1"/>
+                      </a:solidFill>
+                      <a:prstDash val="solid"/>
+                      <a:round/>
+                      <a:headEnd type="none" w="med" len="med"/>
+                      <a:tailEnd type="none" w="med" len="med"/>
+                    </a:lnL>
+                    <a:lnR w="12700" cap="flat" cmpd="sng" algn="ctr">
+                      <a:solidFill>
+                        <a:schemeClr val="tx1"/>
+                      </a:solidFill>
+                      <a:prstDash val="solid"/>
+                      <a:round/>
+                      <a:headEnd type="none" w="med" len="med"/>
+                      <a:tailEnd type="none" w="med" len="med"/>
+                    </a:lnR>
+                    <a:lnT w="12700" cap="flat" cmpd="sng" algn="ctr">
+                      <a:solidFill>
+                        <a:schemeClr val="tx1"/>
+                      </a:solidFill>
+                      <a:prstDash val="solid"/>
+                      <a:round/>
+                      <a:headEnd type="none" w="med" len="med"/>
+                      <a:tailEnd type="none" w="med" len="med"/>
+                    </a:lnT>
+                    <a:lnB w="12700" cap="flat" cmpd="sng" algn="ctr">
+                      <a:solidFill>
+                        <a:schemeClr val="tx1"/>
+                      </a:solidFill>
+                      <a:prstDash val="solid"/>
+                      <a:round/>
+                      <a:headEnd type="none" w="med" len="med"/>
+                      <a:tailEnd type="none" w="med" len="med"/>
+                    </a:lnB>
+                    <a:noFill/>
+                  </a:tcPr>
+                </a:tc>
+                <a:tc>
+                  <a:txBody>
+                    <a:bodyPr/>
+                    <a:lstStyle/>
+                    <a:p>
+                      <a:r>
+                        <a:rPr lang="zh-CN" altLang="en-US" dirty="0" smtClean="0">
+                          <a:solidFill>
+                            <a:schemeClr val="tx1"/>
+                          </a:solidFill>
+                        </a:rPr>
+                        <a:t>预期输出</a:t>
+                      </a:r>
+                      <a:endParaRPr lang="zh-CN" altLang="en-US" dirty="0">
+                        <a:solidFill>
+                          <a:schemeClr val="tx1"/>
+                        </a:solidFill>
+                      </a:endParaRPr>
+                    </a:p>
+                  </a:txBody>
+                  <a:tcPr>
+                    <a:lnL w="12700" cap="flat" cmpd="sng" algn="ctr">
+                      <a:solidFill>
+                        <a:schemeClr val="tx1"/>
+                      </a:solidFill>
+                      <a:prstDash val="solid"/>
+                      <a:round/>
+                      <a:headEnd type="none" w="med" len="med"/>
+                      <a:tailEnd type="none" w="med" len="med"/>
+                    </a:lnL>
+                    <a:lnR w="12700" cap="flat" cmpd="sng" algn="ctr">
+                      <a:solidFill>
+                        <a:schemeClr val="tx1"/>
+                      </a:solidFill>
+                      <a:prstDash val="solid"/>
+                      <a:round/>
+                      <a:headEnd type="none" w="med" len="med"/>
+                      <a:tailEnd type="none" w="med" len="med"/>
+                    </a:lnR>
+                    <a:lnT w="12700" cap="flat" cmpd="sng" algn="ctr">
+                      <a:solidFill>
+                        <a:schemeClr val="tx1"/>
+                      </a:solidFill>
+                      <a:prstDash val="solid"/>
+                      <a:round/>
+                      <a:headEnd type="none" w="med" len="med"/>
+                      <a:tailEnd type="none" w="med" len="med"/>
+                    </a:lnT>
+                    <a:lnB w="12700" cap="flat" cmpd="sng" algn="ctr">
+                      <a:solidFill>
+                        <a:schemeClr val="tx1"/>
+                      </a:solidFill>
+                      <a:prstDash val="solid"/>
+                      <a:round/>
+                      <a:headEnd type="none" w="med" len="med"/>
+                      <a:tailEnd type="none" w="med" len="med"/>
+                    </a:lnB>
+                    <a:noFill/>
+                  </a:tcPr>
+                </a:tc>
+              </a:tr>
+              <a:tr h="370840">
+                <a:tc rowSpan="2">
+                  <a:txBody>
+                    <a:bodyPr/>
+                    <a:lstStyle/>
+                    <a:p>
+                      <a:r>
+                        <a:rPr lang="zh-CN" altLang="en-US" dirty="0" smtClean="0">
+                          <a:solidFill>
+                            <a:schemeClr val="tx1"/>
+                          </a:solidFill>
+                        </a:rPr>
+                        <a:t>循环</a:t>
+                      </a:r>
+                      <a:r>
+                        <a:rPr lang="en-US" altLang="zh-CN" dirty="0" smtClean="0">
+                          <a:solidFill>
+                            <a:schemeClr val="tx1"/>
+                          </a:solidFill>
+                        </a:rPr>
+                        <a:t>0</a:t>
+                      </a:r>
+                      <a:r>
+                        <a:rPr lang="zh-CN" altLang="en-US" dirty="0" smtClean="0">
+                          <a:solidFill>
+                            <a:schemeClr val="tx1"/>
+                          </a:solidFill>
+                        </a:rPr>
+                        <a:t>次</a:t>
+                      </a:r>
+                      <a:endParaRPr lang="zh-CN" altLang="en-US" dirty="0">
+                        <a:solidFill>
+                          <a:schemeClr val="tx1"/>
+                        </a:solidFill>
+                      </a:endParaRPr>
+                    </a:p>
+                  </a:txBody>
+                  <a:tcPr>
+                    <a:lnL w="12700" cap="flat" cmpd="sng" algn="ctr">
+                      <a:solidFill>
+                        <a:schemeClr val="tx1"/>
+                      </a:solidFill>
+                      <a:prstDash val="solid"/>
+                      <a:round/>
+                      <a:headEnd type="none" w="med" len="med"/>
+                      <a:tailEnd type="none" w="med" len="med"/>
+                    </a:lnL>
+                    <a:lnR w="12700" cap="flat" cmpd="sng" algn="ctr">
+                      <a:solidFill>
+                        <a:schemeClr val="tx1"/>
+                      </a:solidFill>
+                      <a:prstDash val="solid"/>
+                      <a:round/>
+                      <a:headEnd type="none" w="med" len="med"/>
+                      <a:tailEnd type="none" w="med" len="med"/>
+                    </a:lnR>
+                    <a:lnT w="12700" cap="flat" cmpd="sng" algn="ctr">
+                      <a:solidFill>
+                        <a:schemeClr val="tx1"/>
+                      </a:solidFill>
+                      <a:prstDash val="solid"/>
+                      <a:round/>
+                      <a:headEnd type="none" w="med" len="med"/>
+                      <a:tailEnd type="none" w="med" len="med"/>
+                    </a:lnT>
+                    <a:lnB w="12700" cap="flat" cmpd="sng" algn="ctr">
+                      <a:solidFill>
+                        <a:schemeClr val="tx1"/>
+                      </a:solidFill>
+                      <a:prstDash val="solid"/>
+                      <a:round/>
+                      <a:headEnd type="none" w="med" len="med"/>
+                      <a:tailEnd type="none" w="med" len="med"/>
+                    </a:lnB>
+                    <a:noFill/>
+                  </a:tcPr>
+                </a:tc>
+                <a:tc>
+                  <a:txBody>
+                    <a:bodyPr/>
+                    <a:lstStyle/>
+                    <a:p>
+                      <a:r>
+                        <a:rPr lang="en-US" altLang="zh-CN" dirty="0" smtClean="0">
+                          <a:solidFill>
+                            <a:schemeClr val="tx1"/>
+                          </a:solidFill>
+                        </a:rPr>
+                        <a:t>iteration=0</a:t>
+                      </a:r>
+                      <a:endParaRPr lang="zh-CN" altLang="en-US" dirty="0">
+                        <a:solidFill>
+                          <a:schemeClr val="tx1"/>
+                        </a:solidFill>
+                      </a:endParaRPr>
+                    </a:p>
+                  </a:txBody>
+                  <a:tcPr>
+                    <a:lnL w="12700" cap="flat" cmpd="sng" algn="ctr">
+                      <a:solidFill>
+                        <a:schemeClr val="tx1"/>
+                      </a:solidFill>
+                      <a:prstDash val="solid"/>
+                      <a:round/>
+                      <a:headEnd type="none" w="med" len="med"/>
+                      <a:tailEnd type="none" w="med" len="med"/>
+                    </a:lnL>
+                    <a:lnR w="12700" cap="flat" cmpd="sng" algn="ctr">
+                      <a:solidFill>
+                        <a:schemeClr val="tx1"/>
+                      </a:solidFill>
+                      <a:prstDash val="solid"/>
+                      <a:round/>
+                      <a:headEnd type="none" w="med" len="med"/>
+                      <a:tailEnd type="none" w="med" len="med"/>
+                    </a:lnR>
+                    <a:lnT w="12700" cap="flat" cmpd="sng" algn="ctr">
+                      <a:solidFill>
+                        <a:schemeClr val="tx1"/>
+                      </a:solidFill>
+                      <a:prstDash val="solid"/>
+                      <a:round/>
+                      <a:headEnd type="none" w="med" len="med"/>
+                      <a:tailEnd type="none" w="med" len="med"/>
+                    </a:lnT>
+                    <a:lnB w="12700" cap="flat" cmpd="sng" algn="ctr">
+                      <a:solidFill>
+                        <a:schemeClr val="tx1"/>
+                      </a:solidFill>
+                      <a:prstDash val="solid"/>
+                      <a:round/>
+                      <a:headEnd type="none" w="med" len="med"/>
+                      <a:tailEnd type="none" w="med" len="med"/>
+                    </a:lnB>
+                    <a:noFill/>
+                  </a:tcPr>
+                </a:tc>
+                <a:tc>
+                  <a:txBody>
+                    <a:bodyPr/>
+                    <a:lstStyle/>
+                    <a:p>
+                      <a:endParaRPr lang="zh-CN" altLang="en-US" dirty="0">
+                        <a:solidFill>
+                          <a:schemeClr val="tx1"/>
+                        </a:solidFill>
+                      </a:endParaRPr>
+                    </a:p>
+                  </a:txBody>
+                  <a:tcPr>
+                    <a:lnL w="12700" cap="flat" cmpd="sng" algn="ctr">
+                      <a:solidFill>
+                        <a:schemeClr val="tx1"/>
+                      </a:solidFill>
+                      <a:prstDash val="solid"/>
+                      <a:round/>
+                      <a:headEnd type="none" w="med" len="med"/>
+                      <a:tailEnd type="none" w="med" len="med"/>
+                    </a:lnL>
+                    <a:lnR w="12700" cap="flat" cmpd="sng" algn="ctr">
+                      <a:solidFill>
+                        <a:schemeClr val="tx1"/>
+                      </a:solidFill>
+                      <a:prstDash val="solid"/>
+                      <a:round/>
+                      <a:headEnd type="none" w="med" len="med"/>
+                      <a:tailEnd type="none" w="med" len="med"/>
+                    </a:lnR>
+                    <a:lnT w="12700" cap="flat" cmpd="sng" algn="ctr">
+                      <a:solidFill>
+                        <a:schemeClr val="tx1"/>
+                      </a:solidFill>
+                      <a:prstDash val="solid"/>
+                      <a:round/>
+                      <a:headEnd type="none" w="med" len="med"/>
+                      <a:tailEnd type="none" w="med" len="med"/>
+                    </a:lnT>
+                    <a:lnB w="12700" cap="flat" cmpd="sng" algn="ctr">
+                      <a:solidFill>
+                        <a:schemeClr val="tx1"/>
+                      </a:solidFill>
+                      <a:prstDash val="solid"/>
+                      <a:round/>
+                      <a:headEnd type="none" w="med" len="med"/>
+                      <a:tailEnd type="none" w="med" len="med"/>
+                    </a:lnB>
+                    <a:noFill/>
+                  </a:tcPr>
+                </a:tc>
+              </a:tr>
+              <a:tr h="370840">
+                <a:tc vMerge="1">
+                  <a:txBody>
+                    <a:bodyPr/>
+                    <a:lstStyle/>
+                    <a:p>
+                      <a:endParaRPr lang="zh-CN" altLang="en-US" dirty="0">
+                        <a:solidFill>
+                          <a:schemeClr val="tx1"/>
+                        </a:solidFill>
+                      </a:endParaRPr>
+                    </a:p>
+                  </a:txBody>
+                  <a:tcPr>
+                    <a:lnL w="12700" cap="flat" cmpd="sng" algn="ctr">
+                      <a:solidFill>
+                        <a:schemeClr val="tx1"/>
+                      </a:solidFill>
+                      <a:prstDash val="solid"/>
+                      <a:round/>
+                      <a:headEnd type="none" w="med" len="med"/>
+                      <a:tailEnd type="none" w="med" len="med"/>
+                    </a:lnL>
+                    <a:lnR w="12700" cap="flat" cmpd="sng" algn="ctr">
+                      <a:solidFill>
+                        <a:schemeClr val="tx1"/>
+                      </a:solidFill>
+                      <a:prstDash val="solid"/>
+                      <a:round/>
+                      <a:headEnd type="none" w="med" len="med"/>
+                      <a:tailEnd type="none" w="med" len="med"/>
+                    </a:lnR>
+                    <a:lnT w="12700" cap="flat" cmpd="sng" algn="ctr">
+                      <a:solidFill>
+                        <a:schemeClr val="tx1"/>
+                      </a:solidFill>
+                      <a:prstDash val="solid"/>
+                      <a:round/>
+                      <a:headEnd type="none" w="med" len="med"/>
+                      <a:tailEnd type="none" w="med" len="med"/>
+                    </a:lnT>
+                    <a:lnB w="12700" cap="flat" cmpd="sng" algn="ctr">
+                      <a:solidFill>
+                        <a:schemeClr val="tx1"/>
+                      </a:solidFill>
+                      <a:prstDash val="solid"/>
+                      <a:round/>
+                      <a:headEnd type="none" w="med" len="med"/>
+                      <a:tailEnd type="none" w="med" len="med"/>
+                    </a:lnB>
+                    <a:noFill/>
+                  </a:tcPr>
+                </a:tc>
+                <a:tc>
+                  <a:txBody>
+                    <a:bodyPr/>
+                    <a:lstStyle/>
+                    <a:p>
+                      <a:pPr marL="0" marR="0" indent="0" algn="l" defTabSz="914400" rtl="0" eaLnBrk="1" fontAlgn="auto" latinLnBrk="0" hangingPunct="1">
+                        <a:lnSpc>
+                          <a:spcPct val="100000"/>
+                        </a:lnSpc>
+                        <a:spcBef>
+                          <a:spcPts val="0"/>
+                        </a:spcBef>
+                        <a:spcAft>
+                          <a:spcPts val="0"/>
+                        </a:spcAft>
+                        <a:buClrTx/>
+                        <a:buSzTx/>
+                        <a:buFontTx/>
+                        <a:buNone/>
+                        <a:tabLst/>
+                        <a:defRPr/>
+                      </a:pPr>
+                      <a:r>
+                        <a:rPr lang="en-US" altLang="zh-CN" dirty="0" smtClean="0">
+                          <a:solidFill>
+                            <a:schemeClr val="tx1"/>
+                          </a:solidFill>
+                        </a:rPr>
+                        <a:t>iteration=1</a:t>
+                      </a:r>
+                      <a:endParaRPr lang="zh-CN" altLang="en-US" dirty="0" smtClean="0">
+                        <a:solidFill>
+                          <a:schemeClr val="tx1"/>
+                        </a:solidFill>
+                      </a:endParaRPr>
+                    </a:p>
+                  </a:txBody>
+                  <a:tcPr>
+                    <a:lnL w="12700" cap="flat" cmpd="sng" algn="ctr">
+                      <a:solidFill>
+                        <a:schemeClr val="tx1"/>
+                      </a:solidFill>
+                      <a:prstDash val="solid"/>
+                      <a:round/>
+                      <a:headEnd type="none" w="med" len="med"/>
+                      <a:tailEnd type="none" w="med" len="med"/>
+                    </a:lnL>
+                    <a:lnR w="12700" cap="flat" cmpd="sng" algn="ctr">
+                      <a:solidFill>
+                        <a:schemeClr val="tx1"/>
+                      </a:solidFill>
+                      <a:prstDash val="solid"/>
+                      <a:round/>
+                      <a:headEnd type="none" w="med" len="med"/>
+                      <a:tailEnd type="none" w="med" len="med"/>
+                    </a:lnR>
+                    <a:lnT w="12700" cap="flat" cmpd="sng" algn="ctr">
+                      <a:solidFill>
+                        <a:schemeClr val="tx1"/>
+                      </a:solidFill>
+                      <a:prstDash val="solid"/>
+                      <a:round/>
+                      <a:headEnd type="none" w="med" len="med"/>
+                      <a:tailEnd type="none" w="med" len="med"/>
+                    </a:lnT>
+                    <a:lnB w="12700" cap="flat" cmpd="sng" algn="ctr">
+                      <a:solidFill>
+                        <a:schemeClr val="tx1"/>
+                      </a:solidFill>
+                      <a:prstDash val="solid"/>
+                      <a:round/>
+                      <a:headEnd type="none" w="med" len="med"/>
+                      <a:tailEnd type="none" w="med" len="med"/>
+                    </a:lnB>
+                    <a:noFill/>
+                  </a:tcPr>
+                </a:tc>
+                <a:tc>
+                  <a:txBody>
+                    <a:bodyPr/>
+                    <a:lstStyle/>
+                    <a:p>
+                      <a:endParaRPr lang="zh-CN" altLang="en-US">
+                        <a:solidFill>
+                          <a:schemeClr val="tx1"/>
+                        </a:solidFill>
+                      </a:endParaRPr>
+                    </a:p>
+                  </a:txBody>
+                  <a:tcPr>
+                    <a:lnL w="12700" cap="flat" cmpd="sng" algn="ctr">
+                      <a:solidFill>
+                        <a:schemeClr val="tx1"/>
+                      </a:solidFill>
+                      <a:prstDash val="solid"/>
+                      <a:round/>
+                      <a:headEnd type="none" w="med" len="med"/>
+                      <a:tailEnd type="none" w="med" len="med"/>
+                    </a:lnL>
+                    <a:lnR w="12700" cap="flat" cmpd="sng" algn="ctr">
+                      <a:solidFill>
+                        <a:schemeClr val="tx1"/>
+                      </a:solidFill>
+                      <a:prstDash val="solid"/>
+                      <a:round/>
+                      <a:headEnd type="none" w="med" len="med"/>
+                      <a:tailEnd type="none" w="med" len="med"/>
+                    </a:lnR>
+                    <a:lnT w="12700" cap="flat" cmpd="sng" algn="ctr">
+                      <a:solidFill>
+                        <a:schemeClr val="tx1"/>
+                      </a:solidFill>
+                      <a:prstDash val="solid"/>
+                      <a:round/>
+                      <a:headEnd type="none" w="med" len="med"/>
+                      <a:tailEnd type="none" w="med" len="med"/>
+                    </a:lnT>
+                    <a:lnB w="12700" cap="flat" cmpd="sng" algn="ctr">
+                      <a:solidFill>
+                        <a:schemeClr val="tx1"/>
+                      </a:solidFill>
+                      <a:prstDash val="solid"/>
+                      <a:round/>
+                      <a:headEnd type="none" w="med" len="med"/>
+                      <a:tailEnd type="none" w="med" len="med"/>
+                    </a:lnB>
+                    <a:noFill/>
+                  </a:tcPr>
+                </a:tc>
+              </a:tr>
+              <a:tr h="370840">
+                <a:tc>
+                  <a:txBody>
+                    <a:bodyPr/>
+                    <a:lstStyle/>
+                    <a:p>
+                      <a:endParaRPr lang="zh-CN" altLang="en-US">
+                        <a:solidFill>
+                          <a:schemeClr val="tx1"/>
+                        </a:solidFill>
+                      </a:endParaRPr>
+                    </a:p>
+                  </a:txBody>
+                  <a:tcPr>
+                    <a:lnL w="12700" cap="flat" cmpd="sng" algn="ctr">
+                      <a:solidFill>
+                        <a:schemeClr val="tx1"/>
+                      </a:solidFill>
+                      <a:prstDash val="solid"/>
+                      <a:round/>
+                      <a:headEnd type="none" w="med" len="med"/>
+                      <a:tailEnd type="none" w="med" len="med"/>
+                    </a:lnL>
+                    <a:lnR w="12700" cap="flat" cmpd="sng" algn="ctr">
+                      <a:solidFill>
+                        <a:schemeClr val="tx1"/>
+                      </a:solidFill>
+                      <a:prstDash val="solid"/>
+                      <a:round/>
+                      <a:headEnd type="none" w="med" len="med"/>
+                      <a:tailEnd type="none" w="med" len="med"/>
+                    </a:lnR>
+                    <a:lnT w="12700" cap="flat" cmpd="sng" algn="ctr">
+                      <a:solidFill>
+                        <a:schemeClr val="tx1"/>
+                      </a:solidFill>
+                      <a:prstDash val="solid"/>
+                      <a:round/>
+                      <a:headEnd type="none" w="med" len="med"/>
+                      <a:tailEnd type="none" w="med" len="med"/>
+                    </a:lnT>
+                    <a:lnB w="12700" cap="flat" cmpd="sng" algn="ctr">
+                      <a:solidFill>
+                        <a:schemeClr val="tx1"/>
+                      </a:solidFill>
+                      <a:prstDash val="solid"/>
+                      <a:round/>
+                      <a:headEnd type="none" w="med" len="med"/>
+                      <a:tailEnd type="none" w="med" len="med"/>
+                    </a:lnB>
+                    <a:noFill/>
+                  </a:tcPr>
+                </a:tc>
+                <a:tc>
+                  <a:txBody>
+                    <a:bodyPr/>
+                    <a:lstStyle/>
+                    <a:p>
+                      <a:pPr marL="0" marR="0" indent="0" algn="l" defTabSz="914400" rtl="0" eaLnBrk="1" fontAlgn="auto" latinLnBrk="0" hangingPunct="1">
+                        <a:lnSpc>
+                          <a:spcPct val="100000"/>
+                        </a:lnSpc>
+                        <a:spcBef>
+                          <a:spcPts val="0"/>
+                        </a:spcBef>
+                        <a:spcAft>
+                          <a:spcPts val="0"/>
+                        </a:spcAft>
+                        <a:buClrTx/>
+                        <a:buSzTx/>
+                        <a:buFontTx/>
+                        <a:buNone/>
+                        <a:tabLst/>
+                        <a:defRPr/>
+                      </a:pPr>
+                      <a:r>
+                        <a:rPr lang="en-US" altLang="zh-CN" dirty="0" smtClean="0">
+                          <a:solidFill>
+                            <a:schemeClr val="tx1"/>
+                          </a:solidFill>
+                        </a:rPr>
+                        <a:t>iteration=10</a:t>
+                      </a:r>
+                      <a:endParaRPr lang="zh-CN" altLang="en-US" dirty="0" smtClean="0">
+                        <a:solidFill>
+                          <a:schemeClr val="tx1"/>
+                        </a:solidFill>
+                      </a:endParaRPr>
+                    </a:p>
+                  </a:txBody>
+                  <a:tcPr>
+                    <a:lnL w="12700" cap="flat" cmpd="sng" algn="ctr">
+                      <a:solidFill>
+                        <a:schemeClr val="tx1"/>
+                      </a:solidFill>
+                      <a:prstDash val="solid"/>
+                      <a:round/>
+                      <a:headEnd type="none" w="med" len="med"/>
+                      <a:tailEnd type="none" w="med" len="med"/>
+                    </a:lnL>
+                    <a:lnR w="12700" cap="flat" cmpd="sng" algn="ctr">
+                      <a:solidFill>
+                        <a:schemeClr val="tx1"/>
+                      </a:solidFill>
+                      <a:prstDash val="solid"/>
+                      <a:round/>
+                      <a:headEnd type="none" w="med" len="med"/>
+                      <a:tailEnd type="none" w="med" len="med"/>
+                    </a:lnR>
+                    <a:lnT w="12700" cap="flat" cmpd="sng" algn="ctr">
+                      <a:solidFill>
+                        <a:schemeClr val="tx1"/>
+                      </a:solidFill>
+                      <a:prstDash val="solid"/>
+                      <a:round/>
+                      <a:headEnd type="none" w="med" len="med"/>
+                      <a:tailEnd type="none" w="med" len="med"/>
+                    </a:lnT>
+                    <a:lnB w="12700" cap="flat" cmpd="sng" algn="ctr">
+                      <a:solidFill>
+                        <a:schemeClr val="tx1"/>
+                      </a:solidFill>
+                      <a:prstDash val="solid"/>
+                      <a:round/>
+                      <a:headEnd type="none" w="med" len="med"/>
+                      <a:tailEnd type="none" w="med" len="med"/>
+                    </a:lnB>
+                    <a:noFill/>
+                  </a:tcPr>
+                </a:tc>
+                <a:tc>
+                  <a:txBody>
+                    <a:bodyPr/>
+                    <a:lstStyle/>
+                    <a:p>
+                      <a:endParaRPr lang="zh-CN" altLang="en-US" dirty="0">
+                        <a:solidFill>
+                          <a:schemeClr val="tx1"/>
+                        </a:solidFill>
+                      </a:endParaRPr>
+                    </a:p>
+                  </a:txBody>
+                  <a:tcPr>
+                    <a:lnL w="12700" cap="flat" cmpd="sng" algn="ctr">
+                      <a:solidFill>
+                        <a:schemeClr val="tx1"/>
+                      </a:solidFill>
+                      <a:prstDash val="solid"/>
+                      <a:round/>
+                      <a:headEnd type="none" w="med" len="med"/>
+                      <a:tailEnd type="none" w="med" len="med"/>
+                    </a:lnL>
+                    <a:lnR w="12700" cap="flat" cmpd="sng" algn="ctr">
+                      <a:solidFill>
+                        <a:schemeClr val="tx1"/>
+                      </a:solidFill>
+                      <a:prstDash val="solid"/>
+                      <a:round/>
+                      <a:headEnd type="none" w="med" len="med"/>
+                      <a:tailEnd type="none" w="med" len="med"/>
+                    </a:lnR>
+                    <a:lnT w="12700" cap="flat" cmpd="sng" algn="ctr">
+                      <a:solidFill>
+                        <a:schemeClr val="tx1"/>
+                      </a:solidFill>
+                      <a:prstDash val="solid"/>
+                      <a:round/>
+                      <a:headEnd type="none" w="med" len="med"/>
+                      <a:tailEnd type="none" w="med" len="med"/>
+                    </a:lnT>
+                    <a:lnB w="12700" cap="flat" cmpd="sng" algn="ctr">
+                      <a:solidFill>
+                        <a:schemeClr val="tx1"/>
+                      </a:solidFill>
+                      <a:prstDash val="solid"/>
+                      <a:round/>
+                      <a:headEnd type="none" w="med" len="med"/>
+                      <a:tailEnd type="none" w="med" len="med"/>
+                    </a:lnB>
+                    <a:noFill/>
+                  </a:tcPr>
+                </a:tc>
+              </a:tr>
+              <a:tr h="370840">
+                <a:tc>
+                  <a:txBody>
+                    <a:bodyPr/>
+                    <a:lstStyle/>
+                    <a:p>
+                      <a:r>
+                        <a:rPr lang="zh-CN" altLang="en-US" dirty="0" smtClean="0">
+                          <a:solidFill>
+                            <a:schemeClr val="tx1"/>
+                          </a:solidFill>
+                        </a:rPr>
+                        <a:t>循环</a:t>
+                      </a:r>
+                      <a:r>
+                        <a:rPr lang="en-US" altLang="zh-CN" dirty="0" smtClean="0">
+                          <a:solidFill>
+                            <a:schemeClr val="tx1"/>
+                          </a:solidFill>
+                        </a:rPr>
+                        <a:t>1</a:t>
+                      </a:r>
+                      <a:r>
+                        <a:rPr lang="zh-CN" altLang="en-US" dirty="0" smtClean="0">
+                          <a:solidFill>
+                            <a:schemeClr val="tx1"/>
+                          </a:solidFill>
+                        </a:rPr>
+                        <a:t>次</a:t>
+                      </a:r>
+                      <a:endParaRPr lang="zh-CN" altLang="en-US" dirty="0">
+                        <a:solidFill>
+                          <a:schemeClr val="tx1"/>
+                        </a:solidFill>
+                      </a:endParaRPr>
+                    </a:p>
+                  </a:txBody>
+                  <a:tcPr>
+                    <a:lnL w="12700" cap="flat" cmpd="sng" algn="ctr">
+                      <a:solidFill>
+                        <a:schemeClr val="tx1"/>
+                      </a:solidFill>
+                      <a:prstDash val="solid"/>
+                      <a:round/>
+                      <a:headEnd type="none" w="med" len="med"/>
+                      <a:tailEnd type="none" w="med" len="med"/>
+                    </a:lnL>
+                    <a:lnR w="12700" cap="flat" cmpd="sng" algn="ctr">
+                      <a:solidFill>
+                        <a:schemeClr val="tx1"/>
+                      </a:solidFill>
+                      <a:prstDash val="solid"/>
+                      <a:round/>
+                      <a:headEnd type="none" w="med" len="med"/>
+                      <a:tailEnd type="none" w="med" len="med"/>
+                    </a:lnR>
+                    <a:lnT w="12700" cap="flat" cmpd="sng" algn="ctr">
+                      <a:solidFill>
+                        <a:schemeClr val="tx1"/>
+                      </a:solidFill>
+                      <a:prstDash val="solid"/>
+                      <a:round/>
+                      <a:headEnd type="none" w="med" len="med"/>
+                      <a:tailEnd type="none" w="med" len="med"/>
+                    </a:lnT>
+                    <a:lnB w="12700" cap="flat" cmpd="sng" algn="ctr">
+                      <a:solidFill>
+                        <a:schemeClr val="tx1"/>
+                      </a:solidFill>
+                      <a:prstDash val="solid"/>
+                      <a:round/>
+                      <a:headEnd type="none" w="med" len="med"/>
+                      <a:tailEnd type="none" w="med" len="med"/>
+                    </a:lnB>
+                    <a:noFill/>
+                  </a:tcPr>
+                </a:tc>
+                <a:tc>
+                  <a:txBody>
+                    <a:bodyPr/>
+                    <a:lstStyle/>
+                    <a:p>
+                      <a:endParaRPr lang="zh-CN" altLang="en-US" dirty="0">
+                        <a:solidFill>
+                          <a:schemeClr val="tx1"/>
+                        </a:solidFill>
+                      </a:endParaRPr>
+                    </a:p>
+                  </a:txBody>
+                  <a:tcPr>
+                    <a:lnL w="12700" cap="flat" cmpd="sng" algn="ctr">
+                      <a:solidFill>
+                        <a:schemeClr val="tx1"/>
+                      </a:solidFill>
+                      <a:prstDash val="solid"/>
+                      <a:round/>
+                      <a:headEnd type="none" w="med" len="med"/>
+                      <a:tailEnd type="none" w="med" len="med"/>
+                    </a:lnL>
+                    <a:lnR w="12700" cap="flat" cmpd="sng" algn="ctr">
+                      <a:solidFill>
+                        <a:schemeClr val="tx1"/>
+                      </a:solidFill>
+                      <a:prstDash val="solid"/>
+                      <a:round/>
+                      <a:headEnd type="none" w="med" len="med"/>
+                      <a:tailEnd type="none" w="med" len="med"/>
+                    </a:lnR>
+                    <a:lnT w="12700" cap="flat" cmpd="sng" algn="ctr">
+                      <a:solidFill>
+                        <a:schemeClr val="tx1"/>
+                      </a:solidFill>
+                      <a:prstDash val="solid"/>
+                      <a:round/>
+                      <a:headEnd type="none" w="med" len="med"/>
+                      <a:tailEnd type="none" w="med" len="med"/>
+                    </a:lnT>
+                    <a:lnB w="12700" cap="flat" cmpd="sng" algn="ctr">
+                      <a:solidFill>
+                        <a:schemeClr val="tx1"/>
+                      </a:solidFill>
+                      <a:prstDash val="solid"/>
+                      <a:round/>
+                      <a:headEnd type="none" w="med" len="med"/>
+                      <a:tailEnd type="none" w="med" len="med"/>
+                    </a:lnB>
+                    <a:noFill/>
+                  </a:tcPr>
+                </a:tc>
+                <a:tc>
+                  <a:txBody>
+                    <a:bodyPr/>
+                    <a:lstStyle/>
+                    <a:p>
+                      <a:r>
+                        <a:rPr lang="en-US" altLang="zh-CN" dirty="0" smtClean="0">
+                          <a:solidFill>
+                            <a:schemeClr val="tx1"/>
+                          </a:solidFill>
+                        </a:rPr>
+                        <a:t>i=1</a:t>
+                      </a:r>
+                      <a:endParaRPr lang="zh-CN" altLang="en-US" dirty="0">
+                        <a:solidFill>
+                          <a:schemeClr val="tx1"/>
+                        </a:solidFill>
+                      </a:endParaRPr>
+                    </a:p>
+                  </a:txBody>
+                  <a:tcPr>
+                    <a:lnL w="12700" cap="flat" cmpd="sng" algn="ctr">
+                      <a:solidFill>
+                        <a:schemeClr val="tx1"/>
+                      </a:solidFill>
+                      <a:prstDash val="solid"/>
+                      <a:round/>
+                      <a:headEnd type="none" w="med" len="med"/>
+                      <a:tailEnd type="none" w="med" len="med"/>
+                    </a:lnL>
+                    <a:lnR w="12700" cap="flat" cmpd="sng" algn="ctr">
+                      <a:solidFill>
+                        <a:schemeClr val="tx1"/>
+                      </a:solidFill>
+                      <a:prstDash val="solid"/>
+                      <a:round/>
+                      <a:headEnd type="none" w="med" len="med"/>
+                      <a:tailEnd type="none" w="med" len="med"/>
+                    </a:lnR>
+                    <a:lnT w="12700" cap="flat" cmpd="sng" algn="ctr">
+                      <a:solidFill>
+                        <a:schemeClr val="tx1"/>
+                      </a:solidFill>
+                      <a:prstDash val="solid"/>
+                      <a:round/>
+                      <a:headEnd type="none" w="med" len="med"/>
+                      <a:tailEnd type="none" w="med" len="med"/>
+                    </a:lnT>
+                    <a:lnB w="12700" cap="flat" cmpd="sng" algn="ctr">
+                      <a:solidFill>
+                        <a:schemeClr val="tx1"/>
+                      </a:solidFill>
+                      <a:prstDash val="solid"/>
+                      <a:round/>
+                      <a:headEnd type="none" w="med" len="med"/>
+                      <a:tailEnd type="none" w="med" len="med"/>
+                    </a:lnB>
+                    <a:noFill/>
+                  </a:tcPr>
+                </a:tc>
+              </a:tr>
+              <a:tr h="370840">
+                <a:tc>
+                  <a:txBody>
+                    <a:bodyPr/>
+                    <a:lstStyle/>
+                    <a:p>
+                      <a:r>
+                        <a:rPr lang="zh-CN" altLang="en-US" dirty="0" smtClean="0">
+                          <a:solidFill>
+                            <a:schemeClr val="tx1"/>
+                          </a:solidFill>
+                        </a:rPr>
+                        <a:t>循环</a:t>
+                      </a:r>
+                      <a:r>
+                        <a:rPr lang="en-US" altLang="zh-CN" dirty="0" smtClean="0">
+                          <a:solidFill>
+                            <a:schemeClr val="tx1"/>
+                          </a:solidFill>
+                        </a:rPr>
+                        <a:t>2</a:t>
+                      </a:r>
+                      <a:r>
+                        <a:rPr lang="zh-CN" altLang="en-US" dirty="0" smtClean="0">
+                          <a:solidFill>
+                            <a:schemeClr val="tx1"/>
+                          </a:solidFill>
+                        </a:rPr>
+                        <a:t>次</a:t>
+                      </a:r>
+                      <a:endParaRPr lang="zh-CN" altLang="en-US" dirty="0">
+                        <a:solidFill>
+                          <a:schemeClr val="tx1"/>
+                        </a:solidFill>
+                      </a:endParaRPr>
+                    </a:p>
+                  </a:txBody>
+                  <a:tcPr>
+                    <a:lnL w="12700" cap="flat" cmpd="sng" algn="ctr">
+                      <a:solidFill>
+                        <a:schemeClr val="tx1"/>
+                      </a:solidFill>
+                      <a:prstDash val="solid"/>
+                      <a:round/>
+                      <a:headEnd type="none" w="med" len="med"/>
+                      <a:tailEnd type="none" w="med" len="med"/>
+                    </a:lnL>
+                    <a:lnR w="12700" cap="flat" cmpd="sng" algn="ctr">
+                      <a:solidFill>
+                        <a:schemeClr val="tx1"/>
+                      </a:solidFill>
+                      <a:prstDash val="solid"/>
+                      <a:round/>
+                      <a:headEnd type="none" w="med" len="med"/>
+                      <a:tailEnd type="none" w="med" len="med"/>
+                    </a:lnR>
+                    <a:lnT w="12700" cap="flat" cmpd="sng" algn="ctr">
+                      <a:solidFill>
+                        <a:schemeClr val="tx1"/>
+                      </a:solidFill>
+                      <a:prstDash val="solid"/>
+                      <a:round/>
+                      <a:headEnd type="none" w="med" len="med"/>
+                      <a:tailEnd type="none" w="med" len="med"/>
+                    </a:lnT>
+                    <a:lnB w="12700" cap="flat" cmpd="sng" algn="ctr">
+                      <a:solidFill>
+                        <a:schemeClr val="tx1"/>
+                      </a:solidFill>
+                      <a:prstDash val="solid"/>
+                      <a:round/>
+                      <a:headEnd type="none" w="med" len="med"/>
+                      <a:tailEnd type="none" w="med" len="med"/>
+                    </a:lnB>
+                    <a:noFill/>
+                  </a:tcPr>
+                </a:tc>
+                <a:tc>
+                  <a:txBody>
+                    <a:bodyPr/>
+                    <a:lstStyle/>
+                    <a:p>
+                      <a:endParaRPr lang="zh-CN" altLang="en-US">
+                        <a:solidFill>
+                          <a:schemeClr val="tx1"/>
+                        </a:solidFill>
+                      </a:endParaRPr>
+                    </a:p>
+                  </a:txBody>
+                  <a:tcPr>
+                    <a:lnL w="12700" cap="flat" cmpd="sng" algn="ctr">
+                      <a:solidFill>
+                        <a:schemeClr val="tx1"/>
+                      </a:solidFill>
+                      <a:prstDash val="solid"/>
+                      <a:round/>
+                      <a:headEnd type="none" w="med" len="med"/>
+                      <a:tailEnd type="none" w="med" len="med"/>
+                    </a:lnL>
+                    <a:lnR w="12700" cap="flat" cmpd="sng" algn="ctr">
+                      <a:solidFill>
+                        <a:schemeClr val="tx1"/>
+                      </a:solidFill>
+                      <a:prstDash val="solid"/>
+                      <a:round/>
+                      <a:headEnd type="none" w="med" len="med"/>
+                      <a:tailEnd type="none" w="med" len="med"/>
+                    </a:lnR>
+                    <a:lnT w="12700" cap="flat" cmpd="sng" algn="ctr">
+                      <a:solidFill>
+                        <a:schemeClr val="tx1"/>
+                      </a:solidFill>
+                      <a:prstDash val="solid"/>
+                      <a:round/>
+                      <a:headEnd type="none" w="med" len="med"/>
+                      <a:tailEnd type="none" w="med" len="med"/>
+                    </a:lnT>
+                    <a:lnB w="12700" cap="flat" cmpd="sng" algn="ctr">
+                      <a:solidFill>
+                        <a:schemeClr val="tx1"/>
+                      </a:solidFill>
+                      <a:prstDash val="solid"/>
+                      <a:round/>
+                      <a:headEnd type="none" w="med" len="med"/>
+                      <a:tailEnd type="none" w="med" len="med"/>
+                    </a:lnB>
+                    <a:noFill/>
+                  </a:tcPr>
+                </a:tc>
+                <a:tc>
+                  <a:txBody>
+                    <a:bodyPr/>
+                    <a:lstStyle/>
+                    <a:p>
+                      <a:r>
+                        <a:rPr lang="en-US" altLang="zh-CN" dirty="0" smtClean="0">
+                          <a:solidFill>
+                            <a:schemeClr val="tx1"/>
+                          </a:solidFill>
+                        </a:rPr>
+                        <a:t>i=2</a:t>
+                      </a:r>
+                      <a:endParaRPr lang="zh-CN" altLang="en-US" dirty="0">
+                        <a:solidFill>
+                          <a:schemeClr val="tx1"/>
+                        </a:solidFill>
+                      </a:endParaRPr>
+                    </a:p>
+                  </a:txBody>
+                  <a:tcPr>
+                    <a:lnL w="12700" cap="flat" cmpd="sng" algn="ctr">
+                      <a:solidFill>
+                        <a:schemeClr val="tx1"/>
+                      </a:solidFill>
+                      <a:prstDash val="solid"/>
+                      <a:round/>
+                      <a:headEnd type="none" w="med" len="med"/>
+                      <a:tailEnd type="none" w="med" len="med"/>
+                    </a:lnL>
+                    <a:lnR w="12700" cap="flat" cmpd="sng" algn="ctr">
+                      <a:solidFill>
+                        <a:schemeClr val="tx1"/>
+                      </a:solidFill>
+                      <a:prstDash val="solid"/>
+                      <a:round/>
+                      <a:headEnd type="none" w="med" len="med"/>
+                      <a:tailEnd type="none" w="med" len="med"/>
+                    </a:lnR>
+                    <a:lnT w="12700" cap="flat" cmpd="sng" algn="ctr">
+                      <a:solidFill>
+                        <a:schemeClr val="tx1"/>
+                      </a:solidFill>
+                      <a:prstDash val="solid"/>
+                      <a:round/>
+                      <a:headEnd type="none" w="med" len="med"/>
+                      <a:tailEnd type="none" w="med" len="med"/>
+                    </a:lnT>
+                    <a:lnB w="12700" cap="flat" cmpd="sng" algn="ctr">
+                      <a:solidFill>
+                        <a:schemeClr val="tx1"/>
+                      </a:solidFill>
+                      <a:prstDash val="solid"/>
+                      <a:round/>
+                      <a:headEnd type="none" w="med" len="med"/>
+                      <a:tailEnd type="none" w="med" len="med"/>
+                    </a:lnB>
+                    <a:noFill/>
+                  </a:tcPr>
+                </a:tc>
+              </a:tr>
+              <a:tr h="370840">
+                <a:tc>
+                  <a:txBody>
+                    <a:bodyPr/>
+                    <a:lstStyle/>
+                    <a:p>
+                      <a:r>
+                        <a:rPr lang="zh-CN" altLang="en-US" dirty="0" smtClean="0">
+                          <a:solidFill>
+                            <a:schemeClr val="tx1"/>
+                          </a:solidFill>
+                        </a:rPr>
+                        <a:t>循环正常次数</a:t>
+                      </a:r>
+                      <a:endParaRPr lang="zh-CN" altLang="en-US" dirty="0">
+                        <a:solidFill>
+                          <a:schemeClr val="tx1"/>
+                        </a:solidFill>
+                      </a:endParaRPr>
+                    </a:p>
+                  </a:txBody>
+                  <a:tcPr>
+                    <a:lnL w="12700" cap="flat" cmpd="sng" algn="ctr">
+                      <a:solidFill>
+                        <a:schemeClr val="tx1"/>
+                      </a:solidFill>
+                      <a:prstDash val="solid"/>
+                      <a:round/>
+                      <a:headEnd type="none" w="med" len="med"/>
+                      <a:tailEnd type="none" w="med" len="med"/>
+                    </a:lnL>
+                    <a:lnR w="12700" cap="flat" cmpd="sng" algn="ctr">
+                      <a:solidFill>
+                        <a:schemeClr val="tx1"/>
+                      </a:solidFill>
+                      <a:prstDash val="solid"/>
+                      <a:round/>
+                      <a:headEnd type="none" w="med" len="med"/>
+                      <a:tailEnd type="none" w="med" len="med"/>
+                    </a:lnR>
+                    <a:lnT w="12700" cap="flat" cmpd="sng" algn="ctr">
+                      <a:solidFill>
+                        <a:schemeClr val="tx1"/>
+                      </a:solidFill>
+                      <a:prstDash val="solid"/>
+                      <a:round/>
+                      <a:headEnd type="none" w="med" len="med"/>
+                      <a:tailEnd type="none" w="med" len="med"/>
+                    </a:lnT>
+                    <a:lnB w="12700" cap="flat" cmpd="sng" algn="ctr">
+                      <a:solidFill>
+                        <a:schemeClr val="tx1"/>
+                      </a:solidFill>
+                      <a:prstDash val="solid"/>
+                      <a:round/>
+                      <a:headEnd type="none" w="med" len="med"/>
+                      <a:tailEnd type="none" w="med" len="med"/>
+                    </a:lnB>
+                    <a:noFill/>
+                  </a:tcPr>
+                </a:tc>
+                <a:tc>
+                  <a:txBody>
+                    <a:bodyPr/>
+                    <a:lstStyle/>
+                    <a:p>
+                      <a:endParaRPr lang="zh-CN" altLang="en-US">
+                        <a:solidFill>
+                          <a:schemeClr val="tx1"/>
+                        </a:solidFill>
+                      </a:endParaRPr>
+                    </a:p>
+                  </a:txBody>
+                  <a:tcPr>
+                    <a:lnL w="12700" cap="flat" cmpd="sng" algn="ctr">
+                      <a:solidFill>
+                        <a:schemeClr val="tx1"/>
+                      </a:solidFill>
+                      <a:prstDash val="solid"/>
+                      <a:round/>
+                      <a:headEnd type="none" w="med" len="med"/>
+                      <a:tailEnd type="none" w="med" len="med"/>
+                    </a:lnL>
+                    <a:lnR w="12700" cap="flat" cmpd="sng" algn="ctr">
+                      <a:solidFill>
+                        <a:schemeClr val="tx1"/>
+                      </a:solidFill>
+                      <a:prstDash val="solid"/>
+                      <a:round/>
+                      <a:headEnd type="none" w="med" len="med"/>
+                      <a:tailEnd type="none" w="med" len="med"/>
+                    </a:lnR>
+                    <a:lnT w="12700" cap="flat" cmpd="sng" algn="ctr">
+                      <a:solidFill>
+                        <a:schemeClr val="tx1"/>
+                      </a:solidFill>
+                      <a:prstDash val="solid"/>
+                      <a:round/>
+                      <a:headEnd type="none" w="med" len="med"/>
+                      <a:tailEnd type="none" w="med" len="med"/>
+                    </a:lnT>
+                    <a:lnB w="12700" cap="flat" cmpd="sng" algn="ctr">
+                      <a:solidFill>
+                        <a:schemeClr val="tx1"/>
+                      </a:solidFill>
+                      <a:prstDash val="solid"/>
+                      <a:round/>
+                      <a:headEnd type="none" w="med" len="med"/>
+                      <a:tailEnd type="none" w="med" len="med"/>
+                    </a:lnB>
+                    <a:noFill/>
+                  </a:tcPr>
+                </a:tc>
+                <a:tc>
+                  <a:txBody>
+                    <a:bodyPr/>
+                    <a:lstStyle/>
+                    <a:p>
+                      <a:r>
+                        <a:rPr lang="en-US" altLang="zh-CN" dirty="0" smtClean="0">
+                          <a:solidFill>
+                            <a:schemeClr val="tx1"/>
+                          </a:solidFill>
+                        </a:rPr>
+                        <a:t>i=5</a:t>
+                      </a:r>
+                      <a:endParaRPr lang="zh-CN" altLang="en-US" dirty="0">
+                        <a:solidFill>
+                          <a:schemeClr val="tx1"/>
+                        </a:solidFill>
+                      </a:endParaRPr>
+                    </a:p>
+                  </a:txBody>
+                  <a:tcPr>
+                    <a:lnL w="12700" cap="flat" cmpd="sng" algn="ctr">
+                      <a:solidFill>
+                        <a:schemeClr val="tx1"/>
+                      </a:solidFill>
+                      <a:prstDash val="solid"/>
+                      <a:round/>
+                      <a:headEnd type="none" w="med" len="med"/>
+                      <a:tailEnd type="none" w="med" len="med"/>
+                    </a:lnL>
+                    <a:lnR w="12700" cap="flat" cmpd="sng" algn="ctr">
+                      <a:solidFill>
+                        <a:schemeClr val="tx1"/>
+                      </a:solidFill>
+                      <a:prstDash val="solid"/>
+                      <a:round/>
+                      <a:headEnd type="none" w="med" len="med"/>
+                      <a:tailEnd type="none" w="med" len="med"/>
+                    </a:lnR>
+                    <a:lnT w="12700" cap="flat" cmpd="sng" algn="ctr">
+                      <a:solidFill>
+                        <a:schemeClr val="tx1"/>
+                      </a:solidFill>
+                      <a:prstDash val="solid"/>
+                      <a:round/>
+                      <a:headEnd type="none" w="med" len="med"/>
+                      <a:tailEnd type="none" w="med" len="med"/>
+                    </a:lnT>
+                    <a:lnB w="12700" cap="flat" cmpd="sng" algn="ctr">
+                      <a:solidFill>
+                        <a:schemeClr val="tx1"/>
+                      </a:solidFill>
+                      <a:prstDash val="solid"/>
+                      <a:round/>
+                      <a:headEnd type="none" w="med" len="med"/>
+                      <a:tailEnd type="none" w="med" len="med"/>
+                    </a:lnB>
+                    <a:noFill/>
+                  </a:tcPr>
+                </a:tc>
+              </a:tr>
+              <a:tr h="370840">
+                <a:tc>
+                  <a:txBody>
+                    <a:bodyPr/>
+                    <a:lstStyle/>
+                    <a:p>
+                      <a:r>
+                        <a:rPr lang="zh-CN" altLang="en-US" dirty="0" smtClean="0">
+                          <a:solidFill>
+                            <a:schemeClr val="tx1"/>
+                          </a:solidFill>
+                        </a:rPr>
+                        <a:t>循环最大次数少</a:t>
+                      </a:r>
+                      <a:r>
+                        <a:rPr lang="en-US" altLang="zh-CN" dirty="0" smtClean="0">
+                          <a:solidFill>
+                            <a:schemeClr val="tx1"/>
+                          </a:solidFill>
+                        </a:rPr>
+                        <a:t>1</a:t>
+                      </a:r>
+                      <a:endParaRPr lang="zh-CN" altLang="en-US" dirty="0">
+                        <a:solidFill>
+                          <a:schemeClr val="tx1"/>
+                        </a:solidFill>
+                      </a:endParaRPr>
+                    </a:p>
+                  </a:txBody>
+                  <a:tcPr>
+                    <a:lnL w="12700" cap="flat" cmpd="sng" algn="ctr">
+                      <a:solidFill>
+                        <a:schemeClr val="tx1"/>
+                      </a:solidFill>
+                      <a:prstDash val="solid"/>
+                      <a:round/>
+                      <a:headEnd type="none" w="med" len="med"/>
+                      <a:tailEnd type="none" w="med" len="med"/>
+                    </a:lnL>
+                    <a:lnR w="12700" cap="flat" cmpd="sng" algn="ctr">
+                      <a:solidFill>
+                        <a:schemeClr val="tx1"/>
+                      </a:solidFill>
+                      <a:prstDash val="solid"/>
+                      <a:round/>
+                      <a:headEnd type="none" w="med" len="med"/>
+                      <a:tailEnd type="none" w="med" len="med"/>
+                    </a:lnR>
+                    <a:lnT w="12700" cap="flat" cmpd="sng" algn="ctr">
+                      <a:solidFill>
+                        <a:schemeClr val="tx1"/>
+                      </a:solidFill>
+                      <a:prstDash val="solid"/>
+                      <a:round/>
+                      <a:headEnd type="none" w="med" len="med"/>
+                      <a:tailEnd type="none" w="med" len="med"/>
+                    </a:lnT>
+                    <a:lnB w="12700" cap="flat" cmpd="sng" algn="ctr">
+                      <a:solidFill>
+                        <a:schemeClr val="tx1"/>
+                      </a:solidFill>
+                      <a:prstDash val="solid"/>
+                      <a:round/>
+                      <a:headEnd type="none" w="med" len="med"/>
+                      <a:tailEnd type="none" w="med" len="med"/>
+                    </a:lnB>
+                    <a:noFill/>
+                  </a:tcPr>
+                </a:tc>
+                <a:tc>
+                  <a:txBody>
+                    <a:bodyPr/>
+                    <a:lstStyle/>
+                    <a:p>
+                      <a:endParaRPr lang="zh-CN" altLang="en-US">
+                        <a:solidFill>
+                          <a:schemeClr val="tx1"/>
+                        </a:solidFill>
+                      </a:endParaRPr>
+                    </a:p>
+                  </a:txBody>
+                  <a:tcPr>
+                    <a:lnL w="12700" cap="flat" cmpd="sng" algn="ctr">
+                      <a:solidFill>
+                        <a:schemeClr val="tx1"/>
+                      </a:solidFill>
+                      <a:prstDash val="solid"/>
+                      <a:round/>
+                      <a:headEnd type="none" w="med" len="med"/>
+                      <a:tailEnd type="none" w="med" len="med"/>
+                    </a:lnL>
+                    <a:lnR w="12700" cap="flat" cmpd="sng" algn="ctr">
+                      <a:solidFill>
+                        <a:schemeClr val="tx1"/>
+                      </a:solidFill>
+                      <a:prstDash val="solid"/>
+                      <a:round/>
+                      <a:headEnd type="none" w="med" len="med"/>
+                      <a:tailEnd type="none" w="med" len="med"/>
+                    </a:lnR>
+                    <a:lnT w="12700" cap="flat" cmpd="sng" algn="ctr">
+                      <a:solidFill>
+                        <a:schemeClr val="tx1"/>
+                      </a:solidFill>
+                      <a:prstDash val="solid"/>
+                      <a:round/>
+                      <a:headEnd type="none" w="med" len="med"/>
+                      <a:tailEnd type="none" w="med" len="med"/>
+                    </a:lnT>
+                    <a:lnB w="12700" cap="flat" cmpd="sng" algn="ctr">
+                      <a:solidFill>
+                        <a:schemeClr val="tx1"/>
+                      </a:solidFill>
+                      <a:prstDash val="solid"/>
+                      <a:round/>
+                      <a:headEnd type="none" w="med" len="med"/>
+                      <a:tailEnd type="none" w="med" len="med"/>
+                    </a:lnB>
+                    <a:noFill/>
+                  </a:tcPr>
+                </a:tc>
+                <a:tc>
+                  <a:txBody>
+                    <a:bodyPr/>
+                    <a:lstStyle/>
+                    <a:p>
+                      <a:r>
+                        <a:rPr lang="en-US" altLang="zh-CN" dirty="0" smtClean="0">
+                          <a:solidFill>
+                            <a:schemeClr val="tx1"/>
+                          </a:solidFill>
+                        </a:rPr>
+                        <a:t>i=8</a:t>
+                      </a:r>
+                      <a:endParaRPr lang="zh-CN" altLang="en-US" dirty="0">
+                        <a:solidFill>
+                          <a:schemeClr val="tx1"/>
+                        </a:solidFill>
+                      </a:endParaRPr>
+                    </a:p>
+                  </a:txBody>
+                  <a:tcPr>
+                    <a:lnL w="12700" cap="flat" cmpd="sng" algn="ctr">
+                      <a:solidFill>
+                        <a:schemeClr val="tx1"/>
+                      </a:solidFill>
+                      <a:prstDash val="solid"/>
+                      <a:round/>
+                      <a:headEnd type="none" w="med" len="med"/>
+                      <a:tailEnd type="none" w="med" len="med"/>
+                    </a:lnL>
+                    <a:lnR w="12700" cap="flat" cmpd="sng" algn="ctr">
+                      <a:solidFill>
+                        <a:schemeClr val="tx1"/>
+                      </a:solidFill>
+                      <a:prstDash val="solid"/>
+                      <a:round/>
+                      <a:headEnd type="none" w="med" len="med"/>
+                      <a:tailEnd type="none" w="med" len="med"/>
+                    </a:lnR>
+                    <a:lnT w="12700" cap="flat" cmpd="sng" algn="ctr">
+                      <a:solidFill>
+                        <a:schemeClr val="tx1"/>
+                      </a:solidFill>
+                      <a:prstDash val="solid"/>
+                      <a:round/>
+                      <a:headEnd type="none" w="med" len="med"/>
+                      <a:tailEnd type="none" w="med" len="med"/>
+                    </a:lnT>
+                    <a:lnB w="12700" cap="flat" cmpd="sng" algn="ctr">
+                      <a:solidFill>
+                        <a:schemeClr val="tx1"/>
+                      </a:solidFill>
+                      <a:prstDash val="solid"/>
+                      <a:round/>
+                      <a:headEnd type="none" w="med" len="med"/>
+                      <a:tailEnd type="none" w="med" len="med"/>
+                    </a:lnB>
+                    <a:noFill/>
+                  </a:tcPr>
+                </a:tc>
+              </a:tr>
+              <a:tr h="370840">
+                <a:tc>
+                  <a:txBody>
+                    <a:bodyPr/>
+                    <a:lstStyle/>
+                    <a:p>
+                      <a:r>
+                        <a:rPr lang="zh-CN" altLang="en-US" dirty="0" smtClean="0">
+                          <a:solidFill>
+                            <a:schemeClr val="tx1"/>
+                          </a:solidFill>
+                        </a:rPr>
+                        <a:t>循环最大次数</a:t>
+                      </a:r>
+                      <a:endParaRPr lang="zh-CN" altLang="en-US" dirty="0">
+                        <a:solidFill>
+                          <a:schemeClr val="tx1"/>
+                        </a:solidFill>
+                      </a:endParaRPr>
+                    </a:p>
+                  </a:txBody>
+                  <a:tcPr>
+                    <a:lnL w="12700" cap="flat" cmpd="sng" algn="ctr">
+                      <a:solidFill>
+                        <a:schemeClr val="tx1"/>
+                      </a:solidFill>
+                      <a:prstDash val="solid"/>
+                      <a:round/>
+                      <a:headEnd type="none" w="med" len="med"/>
+                      <a:tailEnd type="none" w="med" len="med"/>
+                    </a:lnL>
+                    <a:lnR w="12700" cap="flat" cmpd="sng" algn="ctr">
+                      <a:solidFill>
+                        <a:schemeClr val="tx1"/>
+                      </a:solidFill>
+                      <a:prstDash val="solid"/>
+                      <a:round/>
+                      <a:headEnd type="none" w="med" len="med"/>
+                      <a:tailEnd type="none" w="med" len="med"/>
+                    </a:lnR>
+                    <a:lnT w="12700" cap="flat" cmpd="sng" algn="ctr">
+                      <a:solidFill>
+                        <a:schemeClr val="tx1"/>
+                      </a:solidFill>
+                      <a:prstDash val="solid"/>
+                      <a:round/>
+                      <a:headEnd type="none" w="med" len="med"/>
+                      <a:tailEnd type="none" w="med" len="med"/>
+                    </a:lnT>
+                    <a:lnB w="12700" cap="flat" cmpd="sng" algn="ctr">
+                      <a:solidFill>
+                        <a:schemeClr val="tx1"/>
+                      </a:solidFill>
+                      <a:prstDash val="solid"/>
+                      <a:round/>
+                      <a:headEnd type="none" w="med" len="med"/>
+                      <a:tailEnd type="none" w="med" len="med"/>
+                    </a:lnB>
+                    <a:noFill/>
+                  </a:tcPr>
+                </a:tc>
+                <a:tc>
+                  <a:txBody>
+                    <a:bodyPr/>
+                    <a:lstStyle/>
+                    <a:p>
+                      <a:endParaRPr lang="zh-CN" altLang="en-US">
+                        <a:solidFill>
+                          <a:schemeClr val="tx1"/>
+                        </a:solidFill>
+                      </a:endParaRPr>
+                    </a:p>
+                  </a:txBody>
+                  <a:tcPr>
+                    <a:lnL w="12700" cap="flat" cmpd="sng" algn="ctr">
+                      <a:solidFill>
+                        <a:schemeClr val="tx1"/>
+                      </a:solidFill>
+                      <a:prstDash val="solid"/>
+                      <a:round/>
+                      <a:headEnd type="none" w="med" len="med"/>
+                      <a:tailEnd type="none" w="med" len="med"/>
+                    </a:lnL>
+                    <a:lnR w="12700" cap="flat" cmpd="sng" algn="ctr">
+                      <a:solidFill>
+                        <a:schemeClr val="tx1"/>
+                      </a:solidFill>
+                      <a:prstDash val="solid"/>
+                      <a:round/>
+                      <a:headEnd type="none" w="med" len="med"/>
+                      <a:tailEnd type="none" w="med" len="med"/>
+                    </a:lnR>
+                    <a:lnT w="12700" cap="flat" cmpd="sng" algn="ctr">
+                      <a:solidFill>
+                        <a:schemeClr val="tx1"/>
+                      </a:solidFill>
+                      <a:prstDash val="solid"/>
+                      <a:round/>
+                      <a:headEnd type="none" w="med" len="med"/>
+                      <a:tailEnd type="none" w="med" len="med"/>
+                    </a:lnT>
+                    <a:lnB w="12700" cap="flat" cmpd="sng" algn="ctr">
+                      <a:solidFill>
+                        <a:schemeClr val="tx1"/>
+                      </a:solidFill>
+                      <a:prstDash val="solid"/>
+                      <a:round/>
+                      <a:headEnd type="none" w="med" len="med"/>
+                      <a:tailEnd type="none" w="med" len="med"/>
+                    </a:lnB>
+                    <a:noFill/>
+                  </a:tcPr>
+                </a:tc>
+                <a:tc>
+                  <a:txBody>
+                    <a:bodyPr/>
+                    <a:lstStyle/>
+                    <a:p>
+                      <a:r>
+                        <a:rPr lang="en-US" altLang="zh-CN" dirty="0" smtClean="0">
+                          <a:solidFill>
+                            <a:schemeClr val="tx1"/>
+                          </a:solidFill>
+                        </a:rPr>
+                        <a:t>i=9</a:t>
+                      </a:r>
+                      <a:endParaRPr lang="zh-CN" altLang="en-US" dirty="0">
+                        <a:solidFill>
+                          <a:schemeClr val="tx1"/>
+                        </a:solidFill>
+                      </a:endParaRPr>
+                    </a:p>
+                  </a:txBody>
+                  <a:tcPr>
+                    <a:lnL w="12700" cap="flat" cmpd="sng" algn="ctr">
+                      <a:solidFill>
+                        <a:schemeClr val="tx1"/>
+                      </a:solidFill>
+                      <a:prstDash val="solid"/>
+                      <a:round/>
+                      <a:headEnd type="none" w="med" len="med"/>
+                      <a:tailEnd type="none" w="med" len="med"/>
+                    </a:lnL>
+                    <a:lnR w="12700" cap="flat" cmpd="sng" algn="ctr">
+                      <a:solidFill>
+                        <a:schemeClr val="tx1"/>
+                      </a:solidFill>
+                      <a:prstDash val="solid"/>
+                      <a:round/>
+                      <a:headEnd type="none" w="med" len="med"/>
+                      <a:tailEnd type="none" w="med" len="med"/>
+                    </a:lnR>
+                    <a:lnT w="12700" cap="flat" cmpd="sng" algn="ctr">
+                      <a:solidFill>
+                        <a:schemeClr val="tx1"/>
+                      </a:solidFill>
+                      <a:prstDash val="solid"/>
+                      <a:round/>
+                      <a:headEnd type="none" w="med" len="med"/>
+                      <a:tailEnd type="none" w="med" len="med"/>
+                    </a:lnT>
+                    <a:lnB w="12700" cap="flat" cmpd="sng" algn="ctr">
+                      <a:solidFill>
+                        <a:schemeClr val="tx1"/>
+                      </a:solidFill>
+                      <a:prstDash val="solid"/>
+                      <a:round/>
+                      <a:headEnd type="none" w="med" len="med"/>
+                      <a:tailEnd type="none" w="med" len="med"/>
+                    </a:lnB>
+                    <a:noFill/>
+                  </a:tcPr>
+                </a:tc>
+              </a:tr>
+            </a:tbl>
+          </a:graphicData>
+        </a:graphic>
+      </p:graphicFrame>
     </p:spTree>
+    <p:extLst>
+      <p:ext uri="{BB962C8B-B14F-4D97-AF65-F5344CB8AC3E}">
+        <p14:creationId xmlns:p14="http://schemas.microsoft.com/office/powerpoint/2010/main" val="3769653931"/>
+      </p:ext>
+    </p:extLst>
   </p:cSld>
   <p:clrMapOvr>
     <a:masterClrMapping/>
@@ -5659,7 +7391,7 @@
       </p:grpSpPr>
       <p:sp>
         <p:nvSpPr>
-          <p:cNvPr id="80898" name="灯片编号占位符 5"/>
+          <p:cNvPr id="78850" name="灯片编号占位符 5"/>
           <p:cNvSpPr>
             <a:spLocks noGrp="1"/>
           </p:cNvSpPr>
@@ -5801,7 +7533,7 @@
           </a:lstStyle>
           <a:p>
             <a:pPr eaLnBrk="1" hangingPunct="1"/>
-            <a:fld id="{D8778DC1-C54F-4A5E-AF0E-AA52B38CB933}" type="slidenum">
+            <a:fld id="{21321FC8-0BD8-4A4B-9A2E-0F2B2FCB7EFA}" type="slidenum">
               <a:rPr lang="en-US" altLang="zh-CN" smtClean="0"/>
               <a:pPr eaLnBrk="1" hangingPunct="1"/>
               <a:t>12</a:t>
@@ -5812,7 +7544,7 @@
       </p:sp>
       <p:sp>
         <p:nvSpPr>
-          <p:cNvPr id="80899" name="Rectangle 2"/>
+          <p:cNvPr id="78851" name="Rectangle 2"/>
           <p:cNvSpPr>
             <a:spLocks noGrp="1" noChangeArrowheads="1"/>
           </p:cNvSpPr>
@@ -5845,7 +7577,7 @@
       </p:sp>
       <p:sp>
         <p:nvSpPr>
-          <p:cNvPr id="80900" name="Rectangle 3"/>
+          <p:cNvPr id="78852" name="Rectangle 3"/>
           <p:cNvSpPr>
             <a:spLocks noGrp="1" noChangeArrowheads="1"/>
           </p:cNvSpPr>
@@ -5892,23 +7624,23 @@
           <a:p>
             <a:pPr lvl="1" eaLnBrk="1" hangingPunct="1"/>
             <a:r>
+              <a:rPr lang="zh-CN" altLang="en-US" sz="3100" b="1" dirty="0" smtClean="0">
+                <a:solidFill>
+                  <a:srgbClr val="0000FF"/>
+                </a:solidFill>
+              </a:rPr>
+              <a:t>针对单个循环节点循环过程的测试</a:t>
+            </a:r>
+            <a:endParaRPr lang="en-US" altLang="zh-CN" sz="3100" b="1" dirty="0" smtClean="0">
+              <a:solidFill>
+                <a:srgbClr val="0000FF"/>
+              </a:solidFill>
+            </a:endParaRPr>
+          </a:p>
+          <a:p>
+            <a:pPr lvl="1" eaLnBrk="1" hangingPunct="1"/>
+            <a:r>
               <a:rPr lang="zh-CN" altLang="en-US" sz="3100" b="1" dirty="0" smtClean="0"/>
-              <a:t>针对单个</a:t>
-            </a:r>
-            <a:r>
-              <a:rPr lang="zh-CN" altLang="en-US" sz="3100" b="1" dirty="0" smtClean="0"/>
-              <a:t>循环节点循环过程的测试</a:t>
-            </a:r>
-            <a:endParaRPr lang="en-US" altLang="zh-CN" sz="3100" b="1" dirty="0" smtClean="0"/>
-          </a:p>
-          <a:p>
-            <a:pPr lvl="1" eaLnBrk="1" hangingPunct="1"/>
-            <a:r>
-              <a:rPr lang="zh-CN" altLang="en-US" sz="3100" b="1" dirty="0" smtClean="0">
-                <a:solidFill>
-                  <a:srgbClr val="0000FF"/>
-                </a:solidFill>
-              </a:rPr>
               <a:t>针对多个循环结构的测试</a:t>
             </a:r>
           </a:p>
@@ -5942,7 +7674,7 @@
       </p:grpSpPr>
       <p:sp>
         <p:nvSpPr>
-          <p:cNvPr id="81922" name="灯片编号占位符 5"/>
+          <p:cNvPr id="79874" name="灯片编号占位符 5"/>
           <p:cNvSpPr>
             <a:spLocks noGrp="1"/>
           </p:cNvSpPr>
@@ -6084,7 +7816,7 @@
           </a:lstStyle>
           <a:p>
             <a:pPr eaLnBrk="1" hangingPunct="1"/>
-            <a:fld id="{68378381-A052-4AC2-A744-BA3FFC23628D}" type="slidenum">
+            <a:fld id="{F5EFF59D-7805-4CA9-ABDA-4A634D9EC291}" type="slidenum">
               <a:rPr lang="en-US" altLang="zh-CN" smtClean="0"/>
               <a:pPr eaLnBrk="1" hangingPunct="1"/>
               <a:t>13</a:t>
@@ -6095,7 +7827,7 @@
       </p:sp>
       <p:sp>
         <p:nvSpPr>
-          <p:cNvPr id="81923" name="Rectangle 2"/>
+          <p:cNvPr id="79875" name="Rectangle 2"/>
           <p:cNvSpPr>
             <a:spLocks noGrp="1" noChangeArrowheads="1"/>
           </p:cNvSpPr>
@@ -6128,7 +7860,7 @@
       </p:sp>
       <p:sp>
         <p:nvSpPr>
-          <p:cNvPr id="34820" name="Rectangle 3"/>
+          <p:cNvPr id="79876" name="Rectangle 3"/>
           <p:cNvSpPr>
             <a:spLocks noGrp="1" noChangeArrowheads="1"/>
           </p:cNvSpPr>
@@ -6141,118 +7873,35 @@
           <a:bodyPr/>
           <a:lstStyle/>
           <a:p>
-            <a:pPr marL="469900" lvl="1" indent="-469900" eaLnBrk="1" hangingPunct="1">
-              <a:buFont typeface="Wingdings" pitchFamily="2" charset="2"/>
-              <a:buChar char="o"/>
-              <a:defRPr/>
-            </a:pPr>
-            <a:r>
-              <a:rPr lang="zh-CN" altLang="en-US" sz="3400" b="1" dirty="0" smtClean="0">
-                <a:cs typeface="+mn-cs"/>
-              </a:rPr>
-              <a:t>针对多个循环结构的测试</a:t>
-            </a:r>
-            <a:endParaRPr lang="en-US" altLang="zh-CN" sz="3400" b="1" dirty="0" smtClean="0">
-              <a:cs typeface="+mn-cs"/>
-            </a:endParaRPr>
-          </a:p>
-          <a:p>
-            <a:pPr marL="866775" lvl="2" indent="-469900" eaLnBrk="1" hangingPunct="1">
-              <a:defRPr/>
-            </a:pPr>
-            <a:r>
-              <a:rPr lang="zh-CN" altLang="en-US" sz="2600" b="1" dirty="0" smtClean="0">
-                <a:cs typeface="+mn-cs"/>
-              </a:rPr>
-              <a:t>循环节点的串联</a:t>
-            </a:r>
-            <a:endParaRPr lang="en-US" altLang="zh-CN" sz="2600" b="1" dirty="0" smtClean="0">
-              <a:cs typeface="+mn-cs"/>
-            </a:endParaRPr>
-          </a:p>
-          <a:p>
-            <a:pPr marL="866775" lvl="2" indent="-469900" eaLnBrk="1" hangingPunct="1">
-              <a:defRPr/>
-            </a:pPr>
-            <a:r>
-              <a:rPr lang="zh-CN" altLang="en-US" sz="2600" b="1" dirty="0" smtClean="0">
-                <a:cs typeface="+mn-cs"/>
-              </a:rPr>
-              <a:t>循环节点的嵌套</a:t>
-            </a:r>
-            <a:endParaRPr lang="en-US" altLang="zh-CN" sz="2600" b="1" dirty="0" smtClean="0">
-              <a:cs typeface="+mn-cs"/>
-            </a:endParaRPr>
-          </a:p>
-          <a:p>
-            <a:pPr marL="1255713" lvl="3" indent="-469900" eaLnBrk="1" hangingPunct="1">
-              <a:defRPr/>
-            </a:pPr>
-            <a:r>
-              <a:rPr lang="zh-CN" altLang="en-US" sz="2200" b="1" dirty="0" smtClean="0">
-                <a:cs typeface="+mn-cs"/>
-              </a:rPr>
-              <a:t>内层最小循环次数，外层最小循环次数，计算的结果</a:t>
-            </a:r>
-            <a:endParaRPr lang="en-US" altLang="zh-CN" sz="2200" b="1" dirty="0" smtClean="0">
-              <a:cs typeface="+mn-cs"/>
-            </a:endParaRPr>
-          </a:p>
-          <a:p>
-            <a:pPr marL="1255713" lvl="3" indent="-469900" eaLnBrk="1" hangingPunct="1">
-              <a:defRPr/>
-            </a:pPr>
-            <a:r>
-              <a:rPr lang="zh-CN" altLang="en-US" sz="2200" b="1" dirty="0" smtClean="0">
-                <a:cs typeface="+mn-cs"/>
-              </a:rPr>
-              <a:t>内层最小循环次数，外层最大循环次数，计算的结果</a:t>
-            </a:r>
-            <a:endParaRPr lang="en-US" altLang="zh-CN" sz="2200" b="1" dirty="0" smtClean="0">
-              <a:cs typeface="+mn-cs"/>
-            </a:endParaRPr>
-          </a:p>
-          <a:p>
-            <a:pPr marL="1255713" lvl="3" indent="-469900" eaLnBrk="1" hangingPunct="1">
-              <a:defRPr/>
-            </a:pPr>
-            <a:r>
-              <a:rPr lang="zh-CN" altLang="en-US" sz="2200" b="1" dirty="0" smtClean="0">
-                <a:cs typeface="+mn-cs"/>
-              </a:rPr>
-              <a:t>内层最大循环次数，外层最小循环次数，计算的结果</a:t>
-            </a:r>
-            <a:endParaRPr lang="en-US" altLang="zh-CN" sz="2200" b="1" dirty="0" smtClean="0">
-              <a:cs typeface="+mn-cs"/>
-            </a:endParaRPr>
-          </a:p>
-          <a:p>
-            <a:pPr marL="1255713" lvl="3" indent="-469900" eaLnBrk="1" hangingPunct="1">
-              <a:defRPr/>
-            </a:pPr>
-            <a:r>
-              <a:rPr lang="zh-CN" altLang="en-US" sz="2200" b="1" dirty="0" smtClean="0">
-                <a:cs typeface="+mn-cs"/>
-              </a:rPr>
-              <a:t>内层最大循环次数，外层最大循环次数，计算的结果</a:t>
-            </a:r>
-            <a:endParaRPr lang="en-US" altLang="zh-CN" sz="2200" b="1" dirty="0" smtClean="0">
-              <a:cs typeface="+mn-cs"/>
-            </a:endParaRPr>
-          </a:p>
-          <a:p>
-            <a:pPr marL="866775" lvl="2" indent="-469900" eaLnBrk="1" hangingPunct="1">
-              <a:defRPr/>
-            </a:pPr>
-            <a:r>
-              <a:rPr lang="zh-CN" altLang="en-US" sz="2600" b="1" dirty="0" smtClean="0">
-                <a:cs typeface="+mn-cs"/>
-              </a:rPr>
-              <a:t>非结构化的循环</a:t>
-            </a:r>
-            <a:endParaRPr lang="en-US" altLang="zh-CN" sz="2600" b="1" dirty="0" smtClean="0">
-              <a:cs typeface="+mn-cs"/>
-            </a:endParaRPr>
+            <a:pPr eaLnBrk="1" hangingPunct="1"/>
+            <a:r>
+              <a:rPr lang="zh-CN" altLang="en-US" sz="3400" b="1" dirty="0" smtClean="0"/>
+              <a:t>针对单个循环节点循环过程的测试</a:t>
+            </a:r>
+            <a:endParaRPr lang="en-US" altLang="zh-CN" sz="3400" b="1" dirty="0" smtClean="0"/>
+          </a:p>
+          <a:p>
+            <a:pPr lvl="1" eaLnBrk="1" hangingPunct="1"/>
+            <a:r>
+              <a:rPr lang="zh-CN" altLang="en-US" b="1" dirty="0" smtClean="0"/>
+              <a:t>循环的初始化</a:t>
+            </a:r>
+            <a:endParaRPr lang="en-US" altLang="zh-CN" b="1" dirty="0" smtClean="0"/>
+          </a:p>
+          <a:p>
+            <a:pPr lvl="1" eaLnBrk="1" hangingPunct="1"/>
+            <a:r>
+              <a:rPr lang="zh-CN" altLang="en-US" b="1" dirty="0" smtClean="0"/>
+              <a:t>循环的迭代</a:t>
+            </a:r>
+            <a:endParaRPr lang="en-US" altLang="zh-CN" b="1" dirty="0" smtClean="0"/>
+          </a:p>
+          <a:p>
+            <a:pPr lvl="1" eaLnBrk="1" hangingPunct="1"/>
+            <a:r>
+              <a:rPr lang="zh-CN" altLang="en-US" b="1" dirty="0" smtClean="0"/>
+              <a:t>循环的终止</a:t>
+            </a:r>
           </a:p>
         </p:txBody>
       </p:sp>
@@ -6284,7 +7933,7 @@
       </p:grpSpPr>
       <p:sp>
         <p:nvSpPr>
-          <p:cNvPr id="82946" name="灯片编号占位符 5"/>
+          <p:cNvPr id="80898" name="灯片编号占位符 5"/>
           <p:cNvSpPr>
             <a:spLocks noGrp="1"/>
           </p:cNvSpPr>
@@ -6426,7 +8075,7 @@
           </a:lstStyle>
           <a:p>
             <a:pPr eaLnBrk="1" hangingPunct="1"/>
-            <a:fld id="{2AA7E166-09FC-4DA8-8F96-31ECF1CC6F2E}" type="slidenum">
+            <a:fld id="{D8778DC1-C54F-4A5E-AF0E-AA52B38CB933}" type="slidenum">
               <a:rPr lang="en-US" altLang="zh-CN" smtClean="0"/>
               <a:pPr eaLnBrk="1" hangingPunct="1"/>
               <a:t>14</a:t>
@@ -6437,7 +8086,7 @@
       </p:sp>
       <p:sp>
         <p:nvSpPr>
-          <p:cNvPr id="82947" name="Rectangle 2"/>
+          <p:cNvPr id="80899" name="Rectangle 2"/>
           <p:cNvSpPr>
             <a:spLocks noGrp="1" noChangeArrowheads="1"/>
           </p:cNvSpPr>
@@ -6470,7 +8119,7 @@
       </p:sp>
       <p:sp>
         <p:nvSpPr>
-          <p:cNvPr id="82948" name="Rectangle 3"/>
+          <p:cNvPr id="80900" name="Rectangle 3"/>
           <p:cNvSpPr>
             <a:spLocks noGrp="1" noChangeArrowheads="1"/>
           </p:cNvSpPr>
@@ -6485,99 +8134,53 @@
           <a:p>
             <a:pPr eaLnBrk="1" hangingPunct="1"/>
             <a:r>
-              <a:rPr lang="zh-CN" altLang="en-US" sz="3800" b="1" smtClean="0">
+              <a:rPr lang="zh-CN" altLang="en-US" sz="3400" b="1" dirty="0" smtClean="0"/>
+              <a:t>测试用例设计</a:t>
+            </a:r>
+            <a:endParaRPr lang="en-US" altLang="zh-CN" sz="3400" b="1" dirty="0" smtClean="0"/>
+          </a:p>
+          <a:p>
+            <a:pPr lvl="1" eaLnBrk="1" hangingPunct="1"/>
+            <a:r>
+              <a:rPr lang="zh-CN" altLang="en-US" sz="3100" b="1" dirty="0" smtClean="0"/>
+              <a:t>循环结构的分类</a:t>
+            </a:r>
+            <a:endParaRPr lang="en-US" altLang="zh-CN" sz="3100" b="1" dirty="0" smtClean="0"/>
+          </a:p>
+          <a:p>
+            <a:pPr lvl="1" eaLnBrk="1" hangingPunct="1"/>
+            <a:r>
+              <a:rPr lang="zh-CN" altLang="en-US" sz="3100" b="1" dirty="0" smtClean="0"/>
+              <a:t>测试难点</a:t>
+            </a:r>
+            <a:endParaRPr lang="en-US" altLang="zh-CN" sz="3100" b="1" dirty="0" smtClean="0"/>
+          </a:p>
+          <a:p>
+            <a:pPr lvl="1" eaLnBrk="1" hangingPunct="1"/>
+            <a:r>
+              <a:rPr lang="zh-CN" altLang="en-US" sz="3100" b="1" dirty="0" smtClean="0"/>
+              <a:t>针对单个循环节点循环次数的测试</a:t>
+            </a:r>
+            <a:endParaRPr lang="en-US" altLang="zh-CN" sz="3100" b="1" dirty="0" smtClean="0"/>
+          </a:p>
+          <a:p>
+            <a:pPr lvl="1" eaLnBrk="1" hangingPunct="1"/>
+            <a:r>
+              <a:rPr lang="zh-CN" altLang="en-US" sz="3100" b="1" dirty="0" smtClean="0"/>
+              <a:t>针对单个循环节点循环过程的测试</a:t>
+            </a:r>
+            <a:endParaRPr lang="en-US" altLang="zh-CN" sz="3100" b="1" dirty="0" smtClean="0"/>
+          </a:p>
+          <a:p>
+            <a:pPr lvl="1" eaLnBrk="1" hangingPunct="1"/>
+            <a:r>
+              <a:rPr lang="zh-CN" altLang="en-US" sz="3100" b="1" dirty="0" smtClean="0">
                 <a:solidFill>
                   <a:srgbClr val="0000FF"/>
                 </a:solidFill>
-                <a:ea typeface="华文新魏" pitchFamily="2" charset="-122"/>
               </a:rPr>
-              <a:t>捉虫实践</a:t>
-            </a:r>
-            <a:r>
-              <a:rPr lang="en-US" altLang="zh-CN" sz="3800" b="1" smtClean="0">
-                <a:solidFill>
-                  <a:srgbClr val="0000FF"/>
-                </a:solidFill>
-                <a:ea typeface="华文新魏" pitchFamily="2" charset="-122"/>
-              </a:rPr>
-              <a:t>7</a:t>
-            </a:r>
-            <a:r>
-              <a:rPr lang="zh-CN" altLang="en-US" sz="3800" b="1" smtClean="0">
-                <a:solidFill>
-                  <a:srgbClr val="0000FF"/>
-                </a:solidFill>
-                <a:ea typeface="华文新魏" pitchFamily="2" charset="-122"/>
-              </a:rPr>
-              <a:t>：</a:t>
-            </a:r>
-            <a:r>
-              <a:rPr lang="en-US" altLang="zh-CN" sz="3800" b="1" smtClean="0">
-                <a:solidFill>
-                  <a:srgbClr val="0000FF"/>
-                </a:solidFill>
-                <a:ea typeface="华文新魏" pitchFamily="2" charset="-122"/>
-              </a:rPr>
-              <a:t>B</a:t>
-            </a:r>
-            <a:r>
-              <a:rPr lang="zh-CN" altLang="en-US" sz="3800" b="1" smtClean="0">
-                <a:solidFill>
-                  <a:srgbClr val="0000FF"/>
-                </a:solidFill>
-                <a:ea typeface="华文新魏" pitchFamily="2" charset="-122"/>
-              </a:rPr>
-              <a:t>样条曲线问题</a:t>
-            </a:r>
-          </a:p>
-          <a:p>
-            <a:pPr lvl="1" eaLnBrk="1" hangingPunct="1"/>
-            <a:r>
-              <a:rPr lang="zh-CN" altLang="en-US" sz="3400" b="1" smtClean="0">
-                <a:solidFill>
-                  <a:srgbClr val="0000FF"/>
-                </a:solidFill>
-                <a:ea typeface="华文新魏" pitchFamily="2" charset="-122"/>
-              </a:rPr>
-              <a:t>代码说明</a:t>
-            </a:r>
-            <a:endParaRPr lang="en-US" altLang="zh-CN" sz="3400" b="1" smtClean="0">
-              <a:solidFill>
-                <a:srgbClr val="0000FF"/>
-              </a:solidFill>
-              <a:ea typeface="华文新魏" pitchFamily="2" charset="-122"/>
-            </a:endParaRPr>
-          </a:p>
-          <a:p>
-            <a:pPr lvl="1" eaLnBrk="1" hangingPunct="1"/>
-            <a:r>
-              <a:rPr lang="zh-CN" altLang="en-US" sz="3400" b="1" smtClean="0">
-                <a:solidFill>
-                  <a:srgbClr val="0000FF"/>
-                </a:solidFill>
-                <a:ea typeface="华文新魏" pitchFamily="2" charset="-122"/>
-              </a:rPr>
-              <a:t>开始测试</a:t>
-            </a:r>
-            <a:endParaRPr lang="en-US" altLang="zh-CN" sz="3400" b="1" smtClean="0">
-              <a:solidFill>
-                <a:srgbClr val="0000FF"/>
-              </a:solidFill>
-              <a:ea typeface="华文新魏" pitchFamily="2" charset="-122"/>
-            </a:endParaRPr>
-          </a:p>
-          <a:p>
-            <a:pPr lvl="1" eaLnBrk="1" hangingPunct="1"/>
-            <a:r>
-              <a:rPr lang="zh-CN" altLang="en-US" sz="3400" b="1" smtClean="0">
-                <a:solidFill>
-                  <a:srgbClr val="0000FF"/>
-                </a:solidFill>
-                <a:ea typeface="华文新魏" pitchFamily="2" charset="-122"/>
-              </a:rPr>
-              <a:t>测试分析</a:t>
-            </a:r>
-            <a:endParaRPr lang="en-US" altLang="zh-CN" sz="3500" b="1" smtClean="0"/>
+              <a:t>针对多个循环结构的测试</a:t>
+            </a:r>
           </a:p>
         </p:txBody>
       </p:sp>
@@ -6609,7 +8212,7 @@
       </p:grpSpPr>
       <p:sp>
         <p:nvSpPr>
-          <p:cNvPr id="83970" name="灯片编号占位符 5"/>
+          <p:cNvPr id="81922" name="灯片编号占位符 5"/>
           <p:cNvSpPr>
             <a:spLocks noGrp="1"/>
           </p:cNvSpPr>
@@ -6751,7 +8354,7 @@
           </a:lstStyle>
           <a:p>
             <a:pPr eaLnBrk="1" hangingPunct="1"/>
-            <a:fld id="{28AD2A60-E554-4256-B379-6B2ADA65C84F}" type="slidenum">
+            <a:fld id="{68378381-A052-4AC2-A744-BA3FFC23628D}" type="slidenum">
               <a:rPr lang="en-US" altLang="zh-CN" smtClean="0"/>
               <a:pPr eaLnBrk="1" hangingPunct="1"/>
               <a:t>15</a:t>
@@ -6762,7 +8365,7 @@
       </p:sp>
       <p:sp>
         <p:nvSpPr>
-          <p:cNvPr id="83971" name="Rectangle 2"/>
+          <p:cNvPr id="81923" name="Rectangle 2"/>
           <p:cNvSpPr>
             <a:spLocks noGrp="1" noChangeArrowheads="1"/>
           </p:cNvSpPr>
@@ -6795,7 +8398,7 @@
       </p:sp>
       <p:sp>
         <p:nvSpPr>
-          <p:cNvPr id="35844" name="Rectangle 3"/>
+          <p:cNvPr id="34820" name="Rectangle 3"/>
           <p:cNvSpPr>
             <a:spLocks noGrp="1" noChangeArrowheads="1"/>
           </p:cNvSpPr>
@@ -6815,298 +8418,67 @@
             </a:pPr>
             <a:r>
               <a:rPr lang="zh-CN" altLang="en-US" sz="3400" b="1" dirty="0" smtClean="0">
-                <a:solidFill>
-                  <a:srgbClr val="0000FF"/>
-                </a:solidFill>
-                <a:ea typeface="华文新魏" pitchFamily="2" charset="-122"/>
                 <a:cs typeface="+mn-cs"/>
               </a:rPr>
-              <a:t>开始测试</a:t>
+              <a:t>针对多个循环结构的测试</a:t>
             </a:r>
             <a:endParaRPr lang="en-US" altLang="zh-CN" sz="3400" b="1" dirty="0" smtClean="0">
-              <a:solidFill>
-                <a:srgbClr val="0000FF"/>
-              </a:solidFill>
-              <a:ea typeface="华文新魏" pitchFamily="2" charset="-122"/>
               <a:cs typeface="+mn-cs"/>
             </a:endParaRPr>
           </a:p>
           <a:p>
-            <a:pPr marL="469900" lvl="1" indent="-469900" eaLnBrk="1" hangingPunct="1">
-              <a:buFont typeface="Wingdings" pitchFamily="2" charset="2"/>
-              <a:buChar char="o"/>
+            <a:pPr marL="866775" lvl="2" indent="-469900" eaLnBrk="1" hangingPunct="1">
               <a:defRPr/>
             </a:pPr>
             <a:r>
-              <a:rPr lang="zh-CN" altLang="en-US" sz="3400" b="1" dirty="0" smtClean="0">
-                <a:solidFill>
-                  <a:srgbClr val="0000FF"/>
-                </a:solidFill>
-                <a:ea typeface="华文新魏" pitchFamily="2" charset="-122"/>
+              <a:rPr lang="zh-CN" altLang="en-US" sz="2600" b="1" dirty="0" smtClean="0">
                 <a:cs typeface="+mn-cs"/>
               </a:rPr>
-              <a:t>各层循环结构分析</a:t>
-            </a:r>
-            <a:endParaRPr lang="en-US" altLang="zh-CN" sz="3400" b="1" dirty="0" smtClean="0">
-              <a:solidFill>
-                <a:srgbClr val="0000FF"/>
-              </a:solidFill>
-              <a:ea typeface="华文新魏" pitchFamily="2" charset="-122"/>
+              <a:t>循环节点的</a:t>
+            </a:r>
+            <a:r>
+              <a:rPr lang="zh-CN" altLang="en-US" sz="2600" b="1" dirty="0" smtClean="0">
+                <a:cs typeface="+mn-cs"/>
+              </a:rPr>
+              <a:t>串联</a:t>
+            </a:r>
+            <a:endParaRPr lang="en-US" altLang="zh-CN" sz="2600" b="1" dirty="0" smtClean="0">
               <a:cs typeface="+mn-cs"/>
             </a:endParaRPr>
           </a:p>
           <a:p>
-            <a:pPr marL="469900" lvl="1" indent="-469900" eaLnBrk="1" hangingPunct="1">
-              <a:buFont typeface="Wingdings" pitchFamily="2" charset="2"/>
-              <a:buChar char="o"/>
+            <a:pPr marL="1255713" lvl="3" indent="-469900" eaLnBrk="1" hangingPunct="1">
               <a:defRPr/>
             </a:pPr>
-            <a:endParaRPr lang="en-US" altLang="zh-CN" sz="3400" b="1" dirty="0" smtClean="0">
-              <a:solidFill>
-                <a:srgbClr val="0000FF"/>
-              </a:solidFill>
-              <a:ea typeface="华文新魏" pitchFamily="2" charset="-122"/>
+            <a:r>
+              <a:rPr lang="zh-CN" altLang="en-US" sz="2200" b="1" dirty="0">
+                <a:cs typeface="+mn-cs"/>
+              </a:rPr>
+              <a:t>判定节点是独立的，根据单个循环体的测试原则进行测试即可。</a:t>
+            </a:r>
+            <a:endParaRPr lang="en-US" altLang="zh-CN" sz="2200" b="1" dirty="0">
               <a:cs typeface="+mn-cs"/>
             </a:endParaRPr>
           </a:p>
           <a:p>
-            <a:pPr marL="469900" lvl="1" indent="-469900" eaLnBrk="1" hangingPunct="1">
-              <a:buFont typeface="Wingdings" pitchFamily="2" charset="2"/>
-              <a:buChar char="o"/>
+            <a:pPr marL="1255713" lvl="3" indent="-469900" eaLnBrk="1" hangingPunct="1">
               <a:defRPr/>
             </a:pPr>
-            <a:endParaRPr lang="en-US" altLang="zh-CN" sz="3400" b="1" dirty="0" smtClean="0">
-              <a:solidFill>
-                <a:srgbClr val="0000FF"/>
-              </a:solidFill>
-              <a:ea typeface="华文新魏" pitchFamily="2" charset="-122"/>
-              <a:cs typeface="+mn-cs"/>
-            </a:endParaRPr>
-          </a:p>
-          <a:p>
-            <a:pPr lvl="1">
-              <a:spcBef>
-                <a:spcPts val="600"/>
-              </a:spcBef>
-              <a:defRPr/>
-            </a:pPr>
-            <a:r>
-              <a:rPr lang="en-US" altLang="en-US" b="1" dirty="0" smtClean="0">
-                <a:solidFill>
-                  <a:srgbClr val="0000FF"/>
-                </a:solidFill>
-                <a:ea typeface="华文新魏" pitchFamily="2" charset="-122"/>
+            <a:r>
+              <a:rPr lang="zh-CN" altLang="en-US" sz="2200" b="1" dirty="0">
+                <a:cs typeface="+mn-cs"/>
               </a:rPr>
-              <a:t>order</a:t>
-            </a:r>
-            <a:r>
-              <a:rPr lang="zh-CN" altLang="en-US" b="1" dirty="0" smtClean="0">
-                <a:solidFill>
-                  <a:srgbClr val="0000FF"/>
-                </a:solidFill>
-                <a:ea typeface="华文新魏" pitchFamily="2" charset="-122"/>
+              <a:t>判定节点是相互关联的，根据嵌套循环的原则进行</a:t>
+            </a:r>
+            <a:r>
+              <a:rPr lang="zh-CN" altLang="en-US" sz="2200" b="1" dirty="0" smtClean="0">
+                <a:cs typeface="+mn-cs"/>
               </a:rPr>
-              <a:t>≥</a:t>
-            </a:r>
-            <a:r>
-              <a:rPr lang="en-US" altLang="en-US" b="1" dirty="0" smtClean="0">
-                <a:solidFill>
-                  <a:srgbClr val="0000FF"/>
-                </a:solidFill>
-                <a:ea typeface="华文新魏" pitchFamily="2" charset="-122"/>
-              </a:rPr>
-              <a:t>0</a:t>
-            </a:r>
-            <a:r>
-              <a:rPr lang="zh-CN" altLang="en-US" b="1" dirty="0" smtClean="0">
-                <a:solidFill>
-                  <a:srgbClr val="0000FF"/>
-                </a:solidFill>
-                <a:ea typeface="华文新魏" pitchFamily="2" charset="-122"/>
-              </a:rPr>
-              <a:t>，曲线幂次不应小于零；</a:t>
-            </a:r>
-          </a:p>
-          <a:p>
-            <a:pPr lvl="1">
-              <a:defRPr/>
-            </a:pPr>
-            <a:r>
-              <a:rPr lang="en-US" altLang="en-US" b="1" dirty="0" smtClean="0">
-                <a:solidFill>
-                  <a:srgbClr val="0000FF"/>
-                </a:solidFill>
-                <a:ea typeface="华文新魏" pitchFamily="2" charset="-122"/>
-              </a:rPr>
-              <a:t>(2) </a:t>
-            </a:r>
-            <a:r>
-              <a:rPr lang="en-US" altLang="en-US" b="1" dirty="0" err="1" smtClean="0">
-                <a:solidFill>
-                  <a:srgbClr val="0000FF"/>
-                </a:solidFill>
-                <a:ea typeface="华文新魏" pitchFamily="2" charset="-122"/>
-              </a:rPr>
-              <a:t>ptsNum</a:t>
-            </a:r>
-            <a:r>
-              <a:rPr lang="zh-CN" altLang="en-US" b="1" dirty="0" smtClean="0">
-                <a:solidFill>
-                  <a:srgbClr val="0000FF"/>
-                </a:solidFill>
-                <a:ea typeface="华文新魏" pitchFamily="2" charset="-122"/>
-              </a:rPr>
-              <a:t>≥</a:t>
-            </a:r>
-            <a:r>
-              <a:rPr lang="en-US" altLang="en-US" b="1" dirty="0" smtClean="0">
-                <a:solidFill>
-                  <a:srgbClr val="0000FF"/>
-                </a:solidFill>
-                <a:ea typeface="华文新魏" pitchFamily="2" charset="-122"/>
-              </a:rPr>
-              <a:t>2</a:t>
-            </a:r>
-            <a:r>
-              <a:rPr lang="zh-CN" altLang="en-US" b="1" dirty="0" smtClean="0">
-                <a:solidFill>
-                  <a:srgbClr val="0000FF"/>
-                </a:solidFill>
-                <a:ea typeface="华文新魏" pitchFamily="2" charset="-122"/>
-              </a:rPr>
-              <a:t>，控制点的个数至少应能生成一条直线段；</a:t>
-            </a:r>
-          </a:p>
-          <a:p>
-            <a:pPr lvl="1">
-              <a:defRPr/>
-            </a:pPr>
-            <a:r>
-              <a:rPr lang="en-US" altLang="en-US" b="1" dirty="0" smtClean="0">
-                <a:solidFill>
-                  <a:srgbClr val="0000FF"/>
-                </a:solidFill>
-                <a:ea typeface="华文新魏" pitchFamily="2" charset="-122"/>
-              </a:rPr>
-              <a:t>(3) </a:t>
-            </a:r>
-            <a:r>
-              <a:rPr lang="en-US" altLang="en-US" b="1" dirty="0" err="1" smtClean="0">
-                <a:solidFill>
-                  <a:srgbClr val="0000FF"/>
-                </a:solidFill>
-                <a:ea typeface="华文新魏" pitchFamily="2" charset="-122"/>
-              </a:rPr>
-              <a:t>numofU</a:t>
-            </a:r>
-            <a:r>
-              <a:rPr lang="zh-CN" altLang="en-US" b="1" dirty="0" smtClean="0">
-                <a:solidFill>
-                  <a:srgbClr val="0000FF"/>
-                </a:solidFill>
-                <a:ea typeface="华文新魏" pitchFamily="2" charset="-122"/>
-              </a:rPr>
-              <a:t>≥</a:t>
-            </a:r>
-            <a:r>
-              <a:rPr lang="en-US" altLang="en-US" b="1" dirty="0" smtClean="0">
-                <a:solidFill>
-                  <a:srgbClr val="0000FF"/>
-                </a:solidFill>
-                <a:ea typeface="华文新魏" pitchFamily="2" charset="-122"/>
-              </a:rPr>
-              <a:t>2</a:t>
-            </a:r>
-            <a:r>
-              <a:rPr lang="zh-CN" altLang="en-US" b="1" dirty="0" smtClean="0">
-                <a:solidFill>
-                  <a:srgbClr val="0000FF"/>
-                </a:solidFill>
-                <a:ea typeface="华文新魏" pitchFamily="2" charset="-122"/>
-              </a:rPr>
-              <a:t>，绘制</a:t>
-            </a:r>
-            <a:r>
-              <a:rPr lang="en-US" altLang="en-US" b="1" dirty="0" smtClean="0">
-                <a:solidFill>
-                  <a:srgbClr val="0000FF"/>
-                </a:solidFill>
-                <a:ea typeface="华文新魏" pitchFamily="2" charset="-122"/>
-              </a:rPr>
-              <a:t>B</a:t>
-            </a:r>
-            <a:r>
-              <a:rPr lang="zh-CN" altLang="en-US" b="1" dirty="0" smtClean="0">
-                <a:solidFill>
-                  <a:srgbClr val="0000FF"/>
-                </a:solidFill>
-                <a:ea typeface="华文新魏" pitchFamily="2" charset="-122"/>
-              </a:rPr>
-              <a:t>样条曲线的点数应保证至少包含起点和终点</a:t>
-            </a:r>
-            <a:endParaRPr lang="en-US" altLang="zh-CN" b="1" dirty="0" smtClean="0">
-              <a:solidFill>
-                <a:srgbClr val="0000FF"/>
-              </a:solidFill>
-              <a:ea typeface="华文新魏" pitchFamily="2" charset="-122"/>
-            </a:endParaRPr>
-          </a:p>
-        </p:txBody>
-      </p:sp>
-      <p:pic>
-        <p:nvPicPr>
-          <p:cNvPr id="83974" name="Picture 2"/>
-          <p:cNvPicPr>
-            <a:picLocks noChangeAspect="1" noChangeArrowheads="1"/>
-          </p:cNvPicPr>
-          <p:nvPr/>
-        </p:nvPicPr>
-        <p:blipFill>
-          <a:blip r:embed="rId2">
-            <a:extLst>
-              <a:ext uri="{28A0092B-C50C-407E-A947-70E740481C1C}">
-                <a14:useLocalDpi xmlns:a14="http://schemas.microsoft.com/office/drawing/2010/main" val="0"/>
-              </a:ext>
-            </a:extLst>
-          </a:blip>
-          <a:srcRect/>
-          <a:stretch>
-            <a:fillRect/>
-          </a:stretch>
-        </p:blipFill>
-        <p:spPr bwMode="auto">
-          <a:xfrm>
-            <a:off x="696913" y="2928938"/>
-            <a:ext cx="7661275" cy="1304925"/>
-          </a:xfrm>
-          <a:prstGeom prst="rect">
-            <a:avLst/>
-          </a:prstGeom>
-          <a:noFill/>
-          <a:ln>
-            <a:noFill/>
-          </a:ln>
-          <a:extLst>
-            <a:ext uri="{909E8E84-426E-40DD-AFC4-6F175D3DCCD1}">
-              <a14:hiddenFill xmlns:a14="http://schemas.microsoft.com/office/drawing/2010/main">
-                <a:solidFill>
-                  <a:srgbClr val="FFFFFF"/>
-                </a:solidFill>
-              </a14:hiddenFill>
-            </a:ext>
-            <a:ext uri="{91240B29-F687-4F45-9708-019B960494DF}">
-              <a14:hiddenLine xmlns:a14="http://schemas.microsoft.com/office/drawing/2010/main" w="9525">
-                <a:solidFill>
-                  <a:srgbClr val="000000"/>
-                </a:solidFill>
-                <a:miter lim="800000"/>
-                <a:headEnd/>
-                <a:tailEnd/>
-              </a14:hiddenLine>
-            </a:ext>
-          </a:extLst>
-        </p:spPr>
-      </p:pic>
+              <a:t>测试</a:t>
+            </a:r>
+          </a:p>
+        </p:txBody>
+      </p:sp>
     </p:spTree>
   </p:cSld>
   <p:clrMapOvr>
@@ -7135,7 +8507,7 @@
       </p:grpSpPr>
       <p:sp>
         <p:nvSpPr>
-          <p:cNvPr id="84994" name="灯片编号占位符 5"/>
+          <p:cNvPr id="81922" name="灯片编号占位符 5"/>
           <p:cNvSpPr>
             <a:spLocks noGrp="1"/>
           </p:cNvSpPr>
@@ -7277,7 +8649,7 @@
           </a:lstStyle>
           <a:p>
             <a:pPr eaLnBrk="1" hangingPunct="1"/>
-            <a:fld id="{1D780C6C-061E-4786-9F22-4159EAC0F458}" type="slidenum">
+            <a:fld id="{68378381-A052-4AC2-A744-BA3FFC23628D}" type="slidenum">
               <a:rPr lang="en-US" altLang="zh-CN" smtClean="0"/>
               <a:pPr eaLnBrk="1" hangingPunct="1"/>
               <a:t>16</a:t>
@@ -7288,7 +8660,7 @@
       </p:sp>
       <p:sp>
         <p:nvSpPr>
-          <p:cNvPr id="84995" name="Rectangle 2"/>
+          <p:cNvPr id="81923" name="Rectangle 2"/>
           <p:cNvSpPr>
             <a:spLocks noGrp="1" noChangeArrowheads="1"/>
           </p:cNvSpPr>
@@ -7321,7 +8693,7 @@
       </p:sp>
       <p:sp>
         <p:nvSpPr>
-          <p:cNvPr id="84996" name="Rectangle 3"/>
+          <p:cNvPr id="34820" name="Rectangle 3"/>
           <p:cNvSpPr>
             <a:spLocks noGrp="1" noChangeArrowheads="1"/>
           </p:cNvSpPr>
@@ -7334,206 +8706,200 @@
           <a:bodyPr/>
           <a:lstStyle/>
           <a:p>
-            <a:pPr eaLnBrk="1" hangingPunct="1"/>
-            <a:r>
-              <a:rPr lang="zh-CN" altLang="en-US" sz="3400" b="1" smtClean="0">
-                <a:solidFill>
-                  <a:srgbClr val="0000FF"/>
-                </a:solidFill>
-                <a:ea typeface="华文新魏" pitchFamily="2" charset="-122"/>
+            <a:pPr marL="469900" lvl="1" indent="-469900" eaLnBrk="1" hangingPunct="1">
+              <a:buFont typeface="Wingdings" pitchFamily="2" charset="2"/>
+              <a:buChar char="o"/>
+              <a:defRPr/>
+            </a:pPr>
+            <a:r>
+              <a:rPr lang="zh-CN" altLang="en-US" sz="3400" b="1" dirty="0" smtClean="0">
+                <a:cs typeface="+mn-cs"/>
               </a:rPr>
-              <a:t>测试分析</a:t>
-            </a:r>
-            <a:endParaRPr lang="en-US" altLang="zh-CN" sz="3400" b="1" smtClean="0">
-              <a:solidFill>
-                <a:srgbClr val="0000FF"/>
-              </a:solidFill>
-              <a:ea typeface="华文新魏" pitchFamily="2" charset="-122"/>
+              <a:t>针对多个循环结构的测试</a:t>
+            </a:r>
+            <a:endParaRPr lang="en-US" altLang="zh-CN" sz="3400" b="1" dirty="0" smtClean="0">
+              <a:cs typeface="+mn-cs"/>
             </a:endParaRPr>
           </a:p>
           <a:p>
-            <a:pPr eaLnBrk="1" hangingPunct="1"/>
-            <a:r>
-              <a:rPr lang="zh-CN" altLang="en-US" sz="3400" b="1" smtClean="0">
-                <a:solidFill>
-                  <a:srgbClr val="0000FF"/>
-                </a:solidFill>
-                <a:ea typeface="华文新魏" pitchFamily="2" charset="-122"/>
+            <a:pPr marL="866775" lvl="2" indent="-469900" eaLnBrk="1" hangingPunct="1">
+              <a:defRPr/>
+            </a:pPr>
+            <a:r>
+              <a:rPr lang="zh-CN" altLang="en-US" sz="2600" b="1" dirty="0" smtClean="0">
+                <a:cs typeface="+mn-cs"/>
               </a:rPr>
-              <a:t>设计</a:t>
-            </a:r>
-            <a:r>
-              <a:rPr lang="en-US" altLang="en-US" sz="3400" b="1" smtClean="0">
-                <a:solidFill>
-                  <a:srgbClr val="0000FF"/>
-                </a:solidFill>
-                <a:ea typeface="华文新魏" pitchFamily="2" charset="-122"/>
+              <a:t>循环</a:t>
+            </a:r>
+            <a:r>
+              <a:rPr lang="zh-CN" altLang="en-US" sz="2600" b="1" dirty="0" smtClean="0">
+                <a:cs typeface="+mn-cs"/>
               </a:rPr>
-              <a:t>42</a:t>
-            </a:r>
-            <a:r>
-              <a:rPr lang="zh-CN" altLang="en-US" sz="3400" b="1" smtClean="0">
-                <a:solidFill>
-                  <a:srgbClr val="0000FF"/>
-                </a:solidFill>
-                <a:ea typeface="华文新魏" pitchFamily="2" charset="-122"/>
+              <a:t>节点的</a:t>
+            </a:r>
+            <a:r>
+              <a:rPr lang="zh-CN" altLang="en-US" sz="2600" b="1" dirty="0" smtClean="0">
+                <a:cs typeface="+mn-cs"/>
               </a:rPr>
-              <a:t>个测试用例</a:t>
-            </a:r>
-            <a:endParaRPr lang="en-US" altLang="zh-CN" sz="3400" b="1" smtClean="0">
-              <a:solidFill>
-                <a:srgbClr val="0000FF"/>
-              </a:solidFill>
-              <a:ea typeface="华文新魏" pitchFamily="2" charset="-122"/>
+              <a:t>嵌套</a:t>
+            </a:r>
+            <a:endParaRPr lang="en-US" altLang="zh-CN" sz="2600" b="1" dirty="0" smtClean="0">
+              <a:cs typeface="+mn-cs"/>
             </a:endParaRPr>
           </a:p>
           <a:p>
-            <a:pPr lvl="1" eaLnBrk="1" hangingPunct="1"/>
-            <a:r>
-              <a:rPr lang="en-US" altLang="en-US" b="1" smtClean="0">
-                <a:solidFill>
-                  <a:srgbClr val="0000FF"/>
-                </a:solidFill>
-                <a:ea typeface="华文新魏" pitchFamily="2" charset="-122"/>
+            <a:pPr marL="911225" lvl="2" indent="-514350" eaLnBrk="1" hangingPunct="1">
+              <a:buFont typeface="+mj-lt"/>
+              <a:buAutoNum type="arabicPeriod"/>
+              <a:defRPr/>
+            </a:pPr>
+            <a:r>
+              <a:rPr lang="zh-CN" altLang="en-US" sz="2600" b="1" dirty="0" smtClean="0">
+                <a:cs typeface="+mn-cs"/>
               </a:rPr>
-              <a:t>9</a:t>
-            </a:r>
-            <a:r>
-              <a:rPr lang="zh-CN" altLang="en-US" b="1" smtClean="0">
-                <a:solidFill>
-                  <a:srgbClr val="0000FF"/>
-                </a:solidFill>
-                <a:ea typeface="华文新魏" pitchFamily="2" charset="-122"/>
+              <a:t>对最内层循环按照简单循环的测试方法进行测试，把其他外层循环设置为最小值。</a:t>
+            </a:r>
+            <a:endParaRPr lang="en-US" altLang="zh-CN" sz="2600" b="1" dirty="0" smtClean="0">
+              <a:cs typeface="+mn-cs"/>
+            </a:endParaRPr>
+          </a:p>
+          <a:p>
+            <a:pPr marL="911225" lvl="2" indent="-514350" eaLnBrk="1" hangingPunct="1">
+              <a:buFont typeface="+mj-lt"/>
+              <a:buAutoNum type="arabicPeriod"/>
+              <a:defRPr/>
+            </a:pPr>
+            <a:r>
+              <a:rPr lang="zh-CN" altLang="en-US" sz="2600" b="1" dirty="0" smtClean="0">
+                <a:cs typeface="+mn-cs"/>
               </a:rPr>
-              <a:t>个</a:t>
-            </a:r>
-            <a:r>
-              <a:rPr lang="en-US" altLang="en-US" b="1" smtClean="0">
-                <a:solidFill>
-                  <a:srgbClr val="0000FF"/>
-                </a:solidFill>
-                <a:ea typeface="华文新魏" pitchFamily="2" charset="-122"/>
+              <a:t>逐步外推，对其外面的循环进行测试。测试时保持本次循环的外层循环仍取最小值，而由本层嵌套循环取“典型”值。</a:t>
+            </a:r>
+            <a:endParaRPr lang="en-US" altLang="zh-CN" sz="2600" b="1" dirty="0" smtClean="0">
+              <a:cs typeface="+mn-cs"/>
+            </a:endParaRPr>
+          </a:p>
+          <a:p>
+            <a:pPr marL="911225" lvl="2" indent="-514350" eaLnBrk="1" hangingPunct="1">
+              <a:buFont typeface="+mj-lt"/>
+              <a:buAutoNum type="arabicPeriod"/>
+              <a:defRPr/>
+            </a:pPr>
+            <a:r>
+              <a:rPr lang="zh-CN" altLang="en-US" sz="2600" b="1" dirty="0" smtClean="0">
+                <a:cs typeface="+mn-cs"/>
               </a:rPr>
-              <a:t>(21.4%)</a:t>
-            </a:r>
-            <a:r>
-              <a:rPr lang="zh-CN" altLang="en-US" b="1" smtClean="0">
-                <a:solidFill>
-                  <a:srgbClr val="0000FF"/>
-                </a:solidFill>
-                <a:ea typeface="华文新魏" pitchFamily="2" charset="-122"/>
+              <a:t>反复进行第</a:t>
+            </a:r>
+            <a:r>
+              <a:rPr lang="en-US" altLang="zh-CN" sz="2600" b="1" dirty="0" smtClean="0">
+                <a:cs typeface="+mn-cs"/>
               </a:rPr>
-              <a:t>是不存在的情况，永远测试不到</a:t>
-            </a:r>
-            <a:endParaRPr lang="en-US" altLang="zh-CN" b="1" smtClean="0">
-              <a:solidFill>
-                <a:srgbClr val="0000FF"/>
-              </a:solidFill>
-              <a:ea typeface="华文新魏" pitchFamily="2" charset="-122"/>
+              <a:t>2</a:t>
+            </a:r>
+            <a:r>
+              <a:rPr lang="zh-CN" altLang="en-US" sz="2600" b="1" dirty="0" smtClean="0">
+                <a:cs typeface="+mn-cs"/>
+              </a:rPr>
+              <a:t>步，向外层循环推进，直到所有循环测试完毕。</a:t>
+            </a:r>
+            <a:endParaRPr lang="en-US" altLang="zh-CN" sz="2600" b="1" dirty="0" smtClean="0">
+              <a:cs typeface="+mn-cs"/>
             </a:endParaRPr>
           </a:p>
           <a:p>
-            <a:pPr lvl="1" eaLnBrk="1" hangingPunct="1"/>
-            <a:r>
-              <a:rPr lang="en-US" altLang="en-US" b="1" smtClean="0">
-                <a:solidFill>
-                  <a:srgbClr val="0000FF"/>
-                </a:solidFill>
-                <a:ea typeface="华文新魏" pitchFamily="2" charset="-122"/>
+            <a:pPr marL="396875" lvl="2" indent="0" eaLnBrk="1" hangingPunct="1">
+              <a:buNone/>
+              <a:defRPr/>
+            </a:pPr>
+            <a:r>
+              <a:rPr lang="zh-CN" altLang="en-US" sz="2600" b="1" dirty="0" smtClean="0">
+                <a:cs typeface="+mn-cs"/>
               </a:rPr>
-              <a:t>18</a:t>
-            </a:r>
-            <a:r>
-              <a:rPr lang="zh-CN" altLang="en-US" b="1" smtClean="0">
-                <a:solidFill>
-                  <a:srgbClr val="0000FF"/>
-                </a:solidFill>
-                <a:ea typeface="华文新魏" pitchFamily="2" charset="-122"/>
+              <a:t>考虑特殊组合：</a:t>
+            </a:r>
+            <a:endParaRPr lang="en-US" altLang="zh-CN" sz="2600" b="1" dirty="0" smtClean="0">
+              <a:cs typeface="+mn-cs"/>
+            </a:endParaRPr>
+          </a:p>
+          <a:p>
+            <a:pPr marL="1255713" lvl="3" indent="-469900" eaLnBrk="1" hangingPunct="1">
+              <a:defRPr/>
+            </a:pPr>
+            <a:r>
+              <a:rPr lang="zh-CN" altLang="en-US" sz="2200" b="1" dirty="0" smtClean="0">
+                <a:cs typeface="+mn-cs"/>
               </a:rPr>
-              <a:t>个</a:t>
-            </a:r>
-            <a:r>
-              <a:rPr lang="en-US" altLang="en-US" b="1" smtClean="0">
-                <a:solidFill>
-                  <a:srgbClr val="0000FF"/>
-                </a:solidFill>
-                <a:ea typeface="华文新魏" pitchFamily="2" charset="-122"/>
+              <a:t>内层最小循环次数，外层最小循环次数，计算的结果</a:t>
+            </a:r>
+            <a:endParaRPr lang="en-US" altLang="zh-CN" sz="2200" b="1" dirty="0" smtClean="0">
+              <a:cs typeface="+mn-cs"/>
+            </a:endParaRPr>
+          </a:p>
+          <a:p>
+            <a:pPr marL="1255713" lvl="3" indent="-469900" eaLnBrk="1" hangingPunct="1">
+              <a:defRPr/>
+            </a:pPr>
+            <a:r>
+              <a:rPr lang="zh-CN" altLang="en-US" sz="2200" b="1" dirty="0" smtClean="0">
+                <a:cs typeface="+mn-cs"/>
               </a:rPr>
-              <a:t>(42.9%)</a:t>
-            </a:r>
-            <a:r>
-              <a:rPr lang="zh-CN" altLang="en-US" b="1" smtClean="0">
-                <a:solidFill>
-                  <a:srgbClr val="0000FF"/>
-                </a:solidFill>
-                <a:ea typeface="华文新魏" pitchFamily="2" charset="-122"/>
+              <a:t>内层最小循环次数，外层最大循环次数，计算的结果</a:t>
+            </a:r>
+            <a:endParaRPr lang="en-US" altLang="zh-CN" sz="2200" b="1" dirty="0" smtClean="0">
+              <a:cs typeface="+mn-cs"/>
+            </a:endParaRPr>
+          </a:p>
+          <a:p>
+            <a:pPr marL="1255713" lvl="3" indent="-469900" eaLnBrk="1" hangingPunct="1">
+              <a:defRPr/>
+            </a:pPr>
+            <a:r>
+              <a:rPr lang="zh-CN" altLang="en-US" sz="2200" b="1" dirty="0" smtClean="0">
+                <a:cs typeface="+mn-cs"/>
               </a:rPr>
-              <a:t>是不符合约束条件的情况，仅需选择少数几个测试用例进行测试</a:t>
-            </a:r>
-            <a:endParaRPr lang="en-US" altLang="zh-CN" b="1" smtClean="0">
-              <a:solidFill>
-                <a:srgbClr val="0000FF"/>
-              </a:solidFill>
-              <a:ea typeface="华文新魏" pitchFamily="2" charset="-122"/>
+              <a:t>内层最大循环次数，外层最小循环次数，计算的结果</a:t>
+            </a:r>
+            <a:endParaRPr lang="en-US" altLang="zh-CN" sz="2200" b="1" dirty="0" smtClean="0">
+              <a:cs typeface="+mn-cs"/>
             </a:endParaRPr>
           </a:p>
           <a:p>
-            <a:pPr lvl="1" eaLnBrk="1" hangingPunct="1"/>
-            <a:r>
-              <a:rPr lang="zh-CN" altLang="en-US" b="1" smtClean="0">
-                <a:solidFill>
-                  <a:srgbClr val="0000FF"/>
-                </a:solidFill>
-                <a:ea typeface="华文新魏" pitchFamily="2" charset="-122"/>
+            <a:pPr marL="1255713" lvl="3" indent="-469900" eaLnBrk="1" hangingPunct="1">
+              <a:defRPr/>
+            </a:pPr>
+            <a:r>
+              <a:rPr lang="zh-CN" altLang="en-US" sz="2200" b="1" dirty="0" smtClean="0">
+                <a:cs typeface="+mn-cs"/>
               </a:rPr>
-              <a:t>剩下的</a:t>
-            </a:r>
-            <a:r>
-              <a:rPr lang="en-US" altLang="en-US" b="1" smtClean="0">
-                <a:solidFill>
-                  <a:srgbClr val="0000FF"/>
-                </a:solidFill>
-                <a:ea typeface="华文新魏" pitchFamily="2" charset="-122"/>
+              <a:t>内层最大循环次数，外层最大循环次数，计算的结果</a:t>
+            </a:r>
+            <a:endParaRPr lang="en-US" altLang="zh-CN" sz="2200" b="1" dirty="0" smtClean="0">
+              <a:cs typeface="+mn-cs"/>
+            </a:endParaRPr>
+          </a:p>
+          <a:p>
+            <a:pPr marL="866775" lvl="2" indent="-469900" eaLnBrk="1" hangingPunct="1">
+              <a:defRPr/>
+            </a:pPr>
+            <a:r>
+              <a:rPr lang="zh-CN" altLang="en-US" sz="2600" b="1" dirty="0" smtClean="0">
+                <a:cs typeface="+mn-cs"/>
               </a:rPr>
-              <a:t>15</a:t>
-            </a:r>
-            <a:r>
-              <a:rPr lang="zh-CN" altLang="en-US" b="1" smtClean="0">
-                <a:solidFill>
-                  <a:srgbClr val="0000FF"/>
-                </a:solidFill>
-                <a:ea typeface="华文新魏" pitchFamily="2" charset="-122"/>
-              </a:rPr>
-              <a:t>个测试用例中，只有</a:t>
-            </a:r>
-            <a:r>
-              <a:rPr lang="en-US" altLang="en-US" b="1" smtClean="0">
-                <a:solidFill>
-                  <a:srgbClr val="0000FF"/>
-                </a:solidFill>
-                <a:ea typeface="华文新魏" pitchFamily="2" charset="-122"/>
-              </a:rPr>
-              <a:t>3</a:t>
-            </a:r>
-            <a:r>
-              <a:rPr lang="zh-CN" altLang="en-US" b="1" smtClean="0">
-                <a:solidFill>
-                  <a:srgbClr val="0000FF"/>
-                </a:solidFill>
-                <a:ea typeface="华文新魏" pitchFamily="2" charset="-122"/>
-              </a:rPr>
-              <a:t>个是可以得到光滑曲线的，其他均对应测试的是特殊的曲线形式或特殊的显示效果</a:t>
-            </a:r>
-            <a:endParaRPr lang="en-US" altLang="zh-CN" b="1" smtClean="0">
-              <a:solidFill>
-                <a:srgbClr val="0000FF"/>
-              </a:solidFill>
-              <a:ea typeface="华文新魏" pitchFamily="2" charset="-122"/>
+              <a:t>非结构化的循环</a:t>
+            </a:r>
+            <a:endParaRPr lang="en-US" altLang="zh-CN" sz="2600" b="1" dirty="0" smtClean="0">
+              <a:cs typeface="+mn-cs"/>
             </a:endParaRPr>
           </a:p>
         </p:txBody>
       </p:sp>
     </p:spTree>
+    <p:extLst>
+      <p:ext uri="{BB962C8B-B14F-4D97-AF65-F5344CB8AC3E}">
+        <p14:creationId xmlns:p14="http://schemas.microsoft.com/office/powerpoint/2010/main" val="1777694412"/>
+      </p:ext>
+    </p:extLst>
   </p:cSld>
   <p:clrMapOvr>
     <a:masterClrMapping/>
@@ -7561,7 +8927,7 @@
       </p:grpSpPr>
       <p:sp>
         <p:nvSpPr>
-          <p:cNvPr id="86018" name="灯片编号占位符 5"/>
+          <p:cNvPr id="81922" name="灯片编号占位符 5"/>
           <p:cNvSpPr>
             <a:spLocks noGrp="1"/>
           </p:cNvSpPr>
@@ -7703,7 +9069,7 @@
           </a:lstStyle>
           <a:p>
             <a:pPr eaLnBrk="1" hangingPunct="1"/>
-            <a:fld id="{94B18525-08FF-40CD-83DE-2810B854C8FF}" type="slidenum">
+            <a:fld id="{68378381-A052-4AC2-A744-BA3FFC23628D}" type="slidenum">
               <a:rPr lang="en-US" altLang="zh-CN" smtClean="0"/>
               <a:pPr eaLnBrk="1" hangingPunct="1"/>
               <a:t>17</a:t>
@@ -7714,7 +9080,7 @@
       </p:sp>
       <p:sp>
         <p:nvSpPr>
-          <p:cNvPr id="86019" name="Rectangle 2"/>
+          <p:cNvPr id="81923" name="Rectangle 2"/>
           <p:cNvSpPr>
             <a:spLocks noGrp="1" noChangeArrowheads="1"/>
           </p:cNvSpPr>
@@ -7747,7 +9113,7 @@
       </p:sp>
       <p:sp>
         <p:nvSpPr>
-          <p:cNvPr id="86020" name="Rectangle 3"/>
+          <p:cNvPr id="34820" name="Rectangle 3"/>
           <p:cNvSpPr>
             <a:spLocks noGrp="1" noChangeArrowheads="1"/>
           </p:cNvSpPr>
@@ -7760,116 +9126,180 @@
           <a:bodyPr/>
           <a:lstStyle/>
           <a:p>
-            <a:pPr eaLnBrk="1" hangingPunct="1"/>
-            <a:r>
-              <a:rPr lang="zh-CN" altLang="en-US" sz="3400" b="1" smtClean="0">
-                <a:solidFill>
-                  <a:srgbClr val="0000FF"/>
-                </a:solidFill>
-                <a:ea typeface="华文新魏" pitchFamily="2" charset="-122"/>
+            <a:pPr marL="469900" lvl="1" indent="-469900" eaLnBrk="1" hangingPunct="1">
+              <a:buFont typeface="Wingdings" pitchFamily="2" charset="2"/>
+              <a:buChar char="o"/>
+              <a:defRPr/>
+            </a:pPr>
+            <a:r>
+              <a:rPr lang="zh-CN" altLang="en-US" sz="3400" b="1" dirty="0" smtClean="0">
+                <a:cs typeface="+mn-cs"/>
               </a:rPr>
-              <a:t>测试分析</a:t>
-            </a:r>
-            <a:endParaRPr lang="en-US" altLang="zh-CN" sz="3400" b="1" smtClean="0">
-              <a:solidFill>
-                <a:srgbClr val="0000FF"/>
-              </a:solidFill>
-              <a:ea typeface="华文新魏" pitchFamily="2" charset="-122"/>
+              <a:t>针对多个循环结构的测试</a:t>
+            </a:r>
+            <a:endParaRPr lang="en-US" altLang="zh-CN" sz="3400" b="1" dirty="0" smtClean="0">
+              <a:cs typeface="+mn-cs"/>
             </a:endParaRPr>
           </a:p>
           <a:p>
-            <a:pPr eaLnBrk="1" hangingPunct="1"/>
-            <a:r>
-              <a:rPr lang="zh-CN" altLang="en-US" sz="3400" b="1" smtClean="0">
-                <a:solidFill>
-                  <a:srgbClr val="0000FF"/>
-                </a:solidFill>
-                <a:ea typeface="华文新魏" pitchFamily="2" charset="-122"/>
+            <a:pPr marL="866775" lvl="2" indent="-469900" eaLnBrk="1" hangingPunct="1">
+              <a:defRPr/>
+            </a:pPr>
+            <a:r>
+              <a:rPr lang="zh-CN" altLang="en-US" sz="2600" b="1" dirty="0" smtClean="0">
+                <a:cs typeface="+mn-cs"/>
               </a:rPr>
-              <a:t>测试关键变量的取值变化对生成</a:t>
-            </a:r>
-            <a:r>
-              <a:rPr lang="en-US" altLang="en-US" sz="3400" b="1" smtClean="0">
-                <a:solidFill>
-                  <a:srgbClr val="0000FF"/>
-                </a:solidFill>
-                <a:ea typeface="华文新魏" pitchFamily="2" charset="-122"/>
+              <a:t>循环</a:t>
+            </a:r>
+            <a:r>
+              <a:rPr lang="zh-CN" altLang="en-US" sz="2600" b="1" dirty="0" smtClean="0">
+                <a:cs typeface="+mn-cs"/>
               </a:rPr>
-              <a:t>B</a:t>
-            </a:r>
-            <a:r>
-              <a:rPr lang="zh-CN" altLang="en-US" sz="3400" b="1" smtClean="0">
-                <a:solidFill>
-                  <a:srgbClr val="0000FF"/>
-                </a:solidFill>
-                <a:ea typeface="华文新魏" pitchFamily="2" charset="-122"/>
+              <a:t>节点的</a:t>
+            </a:r>
+            <a:r>
+              <a:rPr lang="zh-CN" altLang="en-US" sz="2600" b="1" dirty="0" smtClean="0">
+                <a:cs typeface="+mn-cs"/>
               </a:rPr>
-              <a:t>样条曲线的影响</a:t>
-            </a:r>
-            <a:endParaRPr lang="en-US" altLang="zh-CN" sz="3400" b="1" smtClean="0">
-              <a:solidFill>
-                <a:srgbClr val="0000FF"/>
-              </a:solidFill>
-              <a:ea typeface="华文新魏" pitchFamily="2" charset="-122"/>
+              <a:t>嵌套</a:t>
+            </a:r>
+            <a:endParaRPr lang="en-US" altLang="zh-CN" sz="2600" b="1" dirty="0" smtClean="0">
+              <a:cs typeface="+mn-cs"/>
             </a:endParaRPr>
           </a:p>
-        </p:txBody>
-      </p:sp>
-      <p:pic>
-        <p:nvPicPr>
-          <p:cNvPr id="86022" name="Picture 2"/>
-          <p:cNvPicPr>
-            <a:picLocks noChangeAspect="1" noChangeArrowheads="1"/>
-          </p:cNvPicPr>
-          <p:nvPr/>
-        </p:nvPicPr>
-        <p:blipFill>
-          <a:blip r:embed="rId2">
-            <a:extLst>
-              <a:ext uri="{28A0092B-C50C-407E-A947-70E740481C1C}">
-                <a14:useLocalDpi xmlns:a14="http://schemas.microsoft.com/office/drawing/2010/main" val="0"/>
-              </a:ext>
-            </a:extLst>
-          </a:blip>
-          <a:srcRect/>
-          <a:stretch>
-            <a:fillRect/>
-          </a:stretch>
-        </p:blipFill>
-        <p:spPr bwMode="auto">
-          <a:xfrm>
-            <a:off x="547688" y="3724275"/>
-            <a:ext cx="8048625" cy="1990725"/>
-          </a:xfrm>
-          <a:prstGeom prst="rect">
-            <a:avLst/>
-          </a:prstGeom>
-          <a:noFill/>
-          <a:ln>
-            <a:noFill/>
-          </a:ln>
-          <a:extLst>
-            <a:ext uri="{909E8E84-426E-40DD-AFC4-6F175D3DCCD1}">
-              <a14:hiddenFill xmlns:a14="http://schemas.microsoft.com/office/drawing/2010/main">
-                <a:solidFill>
-                  <a:srgbClr val="FFFFFF"/>
-                </a:solidFill>
-              </a14:hiddenFill>
-            </a:ext>
-            <a:ext uri="{91240B29-F687-4F45-9708-019B960494DF}">
-              <a14:hiddenLine xmlns:a14="http://schemas.microsoft.com/office/drawing/2010/main" w="9525">
-                <a:solidFill>
-                  <a:srgbClr val="000000"/>
-                </a:solidFill>
-                <a:miter lim="800000"/>
-                <a:headEnd/>
-                <a:tailEnd/>
-              </a14:hiddenLine>
-            </a:ext>
-          </a:extLst>
-        </p:spPr>
-      </p:pic>
+          <a:p>
+            <a:pPr marL="396875" lvl="2" indent="0" eaLnBrk="1" hangingPunct="1">
+              <a:buNone/>
+              <a:defRPr/>
+            </a:pPr>
+            <a:r>
+              <a:rPr lang="zh-CN" altLang="en-US" sz="2600" b="1" dirty="0" smtClean="0">
+                <a:cs typeface="+mn-cs"/>
+              </a:rPr>
+              <a:t>考虑特殊组合：</a:t>
+            </a:r>
+            <a:endParaRPr lang="en-US" altLang="zh-CN" sz="2600" b="1" dirty="0" smtClean="0">
+              <a:cs typeface="+mn-cs"/>
+            </a:endParaRPr>
+          </a:p>
+          <a:p>
+            <a:pPr marL="1255713" lvl="3" indent="-469900" eaLnBrk="1" hangingPunct="1">
+              <a:defRPr/>
+            </a:pPr>
+            <a:r>
+              <a:rPr lang="zh-CN" altLang="en-US" sz="2200" b="1" dirty="0" smtClean="0">
+                <a:cs typeface="+mn-cs"/>
+              </a:rPr>
+              <a:t>内层最小循环次数，外层最小循环次数，计算的结果</a:t>
+            </a:r>
+            <a:endParaRPr lang="en-US" altLang="zh-CN" sz="2200" b="1" dirty="0" smtClean="0">
+              <a:cs typeface="+mn-cs"/>
+            </a:endParaRPr>
+          </a:p>
+          <a:p>
+            <a:pPr marL="1255713" lvl="3" indent="-469900" eaLnBrk="1" hangingPunct="1">
+              <a:defRPr/>
+            </a:pPr>
+            <a:r>
+              <a:rPr lang="zh-CN" altLang="en-US" sz="2200" b="1" dirty="0" smtClean="0">
+                <a:cs typeface="+mn-cs"/>
+              </a:rPr>
+              <a:t>内层最小循环次数，外层最大循环次数，计算的结果</a:t>
+            </a:r>
+            <a:endParaRPr lang="en-US" altLang="zh-CN" sz="2200" b="1" dirty="0" smtClean="0">
+              <a:cs typeface="+mn-cs"/>
+            </a:endParaRPr>
+          </a:p>
+          <a:p>
+            <a:pPr marL="1255713" lvl="3" indent="-469900" eaLnBrk="1" hangingPunct="1">
+              <a:defRPr/>
+            </a:pPr>
+            <a:r>
+              <a:rPr lang="zh-CN" altLang="en-US" sz="2200" b="1" dirty="0" smtClean="0">
+                <a:cs typeface="+mn-cs"/>
+              </a:rPr>
+              <a:t>内层最大循环次数，外层最小循环次数，计算的结果</a:t>
+            </a:r>
+            <a:endParaRPr lang="en-US" altLang="zh-CN" sz="2200" b="1" dirty="0" smtClean="0">
+              <a:cs typeface="+mn-cs"/>
+            </a:endParaRPr>
+          </a:p>
+          <a:p>
+            <a:pPr marL="1255713" lvl="3" indent="-469900" eaLnBrk="1" hangingPunct="1">
+              <a:defRPr/>
+            </a:pPr>
+            <a:r>
+              <a:rPr lang="zh-CN" altLang="en-US" sz="2200" b="1" dirty="0" smtClean="0">
+                <a:cs typeface="+mn-cs"/>
+              </a:rPr>
+              <a:t>内层最大循环次数，外层最大循环次数，计算的结果</a:t>
+            </a:r>
+            <a:endParaRPr lang="en-US" altLang="zh-CN" sz="2200" b="1" dirty="0" smtClean="0">
+              <a:cs typeface="+mn-cs"/>
+            </a:endParaRPr>
+          </a:p>
+          <a:p>
+            <a:pPr marL="866775" lvl="2" indent="-469900" eaLnBrk="1" hangingPunct="1">
+              <a:defRPr/>
+            </a:pPr>
+            <a:r>
+              <a:rPr lang="zh-CN" altLang="en-US" sz="2600" b="1" dirty="0" smtClean="0">
+                <a:cs typeface="+mn-cs"/>
+              </a:rPr>
+              <a:t>非结构化的</a:t>
+            </a:r>
+            <a:r>
+              <a:rPr lang="zh-CN" altLang="en-US" sz="2600" b="1" dirty="0" smtClean="0">
+                <a:cs typeface="+mn-cs"/>
+              </a:rPr>
+              <a:t>循环</a:t>
+            </a:r>
+            <a:endParaRPr lang="en-US" altLang="zh-CN" sz="2600" b="1" dirty="0" smtClean="0">
+              <a:cs typeface="+mn-cs"/>
+            </a:endParaRPr>
+          </a:p>
+          <a:p>
+            <a:pPr marL="1255713" lvl="3" indent="-469900" eaLnBrk="1" hangingPunct="1">
+              <a:defRPr/>
+            </a:pPr>
+            <a:r>
+              <a:rPr lang="zh-CN" altLang="en-US" sz="2200" b="1" dirty="0">
+                <a:cs typeface="+mn-cs"/>
+              </a:rPr>
+              <a:t>不予</a:t>
+            </a:r>
+            <a:r>
+              <a:rPr lang="zh-CN" altLang="en-US" sz="2200" b="1" dirty="0" smtClean="0">
+                <a:cs typeface="+mn-cs"/>
+              </a:rPr>
+              <a:t>测试</a:t>
+            </a:r>
+            <a:endParaRPr lang="en-US" altLang="zh-CN" sz="2200" b="1" dirty="0" smtClean="0">
+              <a:cs typeface="+mn-cs"/>
+            </a:endParaRPr>
+          </a:p>
+          <a:p>
+            <a:pPr marL="1255713" lvl="3" indent="-469900" eaLnBrk="1" hangingPunct="1">
+              <a:defRPr/>
+            </a:pPr>
+            <a:r>
+              <a:rPr lang="zh-CN" altLang="en-US" sz="2200" b="1" dirty="0" smtClean="0">
+                <a:cs typeface="+mn-cs"/>
+              </a:rPr>
+              <a:t>参照单个循环体的测试原则进行测试，兼顾特殊组合</a:t>
+            </a:r>
+            <a:endParaRPr lang="en-US" altLang="zh-CN" sz="2200" b="1" dirty="0">
+              <a:cs typeface="+mn-cs"/>
+            </a:endParaRPr>
+          </a:p>
+        </p:txBody>
+      </p:sp>
     </p:spTree>
+    <p:extLst>
+      <p:ext uri="{BB962C8B-B14F-4D97-AF65-F5344CB8AC3E}">
+        <p14:creationId xmlns:p14="http://schemas.microsoft.com/office/powerpoint/2010/main" val="770259544"/>
+      </p:ext>
+    </p:extLst>
   </p:cSld>
   <p:clrMapOvr>
     <a:masterClrMapping/>
@@ -7897,7 +9327,7 @@
       </p:grpSpPr>
       <p:sp>
         <p:nvSpPr>
-          <p:cNvPr id="87042" name="灯片编号占位符 5"/>
+          <p:cNvPr id="118786" name="灯片编号占位符 5"/>
           <p:cNvSpPr>
             <a:spLocks noGrp="1"/>
           </p:cNvSpPr>
@@ -7937,7 +9367,7 @@
                   <a:schemeClr val="tx1"/>
                 </a:solidFill>
                 <a:latin typeface="Verdana" pitchFamily="34" charset="0"/>
-                <a:ea typeface="宋体" charset="-122"/>
+                <a:ea typeface="宋体" pitchFamily="2" charset="-122"/>
               </a:defRPr>
             </a:lvl1pPr>
             <a:lvl2pPr marL="742950" indent="-285750" eaLnBrk="0" hangingPunct="0">
@@ -7946,7 +9376,7 @@
                   <a:schemeClr val="tx1"/>
                 </a:solidFill>
                 <a:latin typeface="Verdana" pitchFamily="34" charset="0"/>
-                <a:ea typeface="宋体" charset="-122"/>
+                <a:ea typeface="宋体" pitchFamily="2" charset="-122"/>
               </a:defRPr>
             </a:lvl2pPr>
             <a:lvl3pPr marL="1143000" indent="-228600" eaLnBrk="0" hangingPunct="0">
@@ -7955,7 +9385,7 @@
                   <a:schemeClr val="tx1"/>
                 </a:solidFill>
                 <a:latin typeface="Verdana" pitchFamily="34" charset="0"/>
-                <a:ea typeface="宋体" charset="-122"/>
+                <a:ea typeface="宋体" pitchFamily="2" charset="-122"/>
               </a:defRPr>
             </a:lvl3pPr>
             <a:lvl4pPr marL="1600200" indent="-228600" eaLnBrk="0" hangingPunct="0">
@@ -7964,7 +9394,7 @@
                   <a:schemeClr val="tx1"/>
                 </a:solidFill>
                 <a:latin typeface="Verdana" pitchFamily="34" charset="0"/>
-                <a:ea typeface="宋体" charset="-122"/>
+                <a:ea typeface="宋体" pitchFamily="2" charset="-122"/>
               </a:defRPr>
             </a:lvl4pPr>
             <a:lvl5pPr marL="2057400" indent="-228600" eaLnBrk="0" hangingPunct="0">
@@ -7973,7 +9403,7 @@
                   <a:schemeClr val="tx1"/>
                 </a:solidFill>
                 <a:latin typeface="Verdana" pitchFamily="34" charset="0"/>
-                <a:ea typeface="宋体" charset="-122"/>
+                <a:ea typeface="宋体" pitchFamily="2" charset="-122"/>
               </a:defRPr>
             </a:lvl5pPr>
             <a:lvl6pPr marL="2514600" indent="-228600" eaLnBrk="0" fontAlgn="base" hangingPunct="0">
@@ -7988,7 +9418,7 @@
                   <a:schemeClr val="tx1"/>
                 </a:solidFill>
                 <a:latin typeface="Verdana" pitchFamily="34" charset="0"/>
-                <a:ea typeface="宋体" charset="-122"/>
+                <a:ea typeface="宋体" pitchFamily="2" charset="-122"/>
               </a:defRPr>
             </a:lvl6pPr>
             <a:lvl7pPr marL="2971800" indent="-228600" eaLnBrk="0" fontAlgn="base" hangingPunct="0">
@@ -8003,7 +9433,7 @@
                   <a:schemeClr val="tx1"/>
                 </a:solidFill>
                 <a:latin typeface="Verdana" pitchFamily="34" charset="0"/>
-                <a:ea typeface="宋体" charset="-122"/>
+                <a:ea typeface="宋体" pitchFamily="2" charset="-122"/>
               </a:defRPr>
             </a:lvl7pPr>
             <a:lvl8pPr marL="3429000" indent="-228600" eaLnBrk="0" fontAlgn="base" hangingPunct="0">
@@ -8018,7 +9448,7 @@
                   <a:schemeClr val="tx1"/>
                 </a:solidFill>
                 <a:latin typeface="Verdana" pitchFamily="34" charset="0"/>
-                <a:ea typeface="宋体" charset="-122"/>
+                <a:ea typeface="宋体" pitchFamily="2" charset="-122"/>
               </a:defRPr>
             </a:lvl8pPr>
             <a:lvl9pPr marL="3886200" indent="-228600" eaLnBrk="0" fontAlgn="base" hangingPunct="0">
@@ -8033,13 +9463,13 @@
                   <a:schemeClr val="tx1"/>
                 </a:solidFill>
                 <a:latin typeface="Verdana" pitchFamily="34" charset="0"/>
-                <a:ea typeface="宋体" charset="-122"/>
+                <a:ea typeface="宋体" pitchFamily="2" charset="-122"/>
               </a:defRPr>
             </a:lvl9pPr>
           </a:lstStyle>
           <a:p>
             <a:pPr eaLnBrk="1" hangingPunct="1"/>
-            <a:fld id="{820D9B99-4F88-4B8B-A24B-9E8864A2FA06}" type="slidenum">
+            <a:fld id="{F6A76AC5-9862-4089-ABFD-77BDD1D8EAC2}" type="slidenum">
               <a:rPr lang="en-US" altLang="zh-CN" smtClean="0"/>
               <a:pPr eaLnBrk="1" hangingPunct="1"/>
               <a:t>18</a:t>
@@ -8050,7 +9480,7 @@
       </p:sp>
       <p:sp>
         <p:nvSpPr>
-          <p:cNvPr id="87043" name="Rectangle 2"/>
+          <p:cNvPr id="118787" name="Rectangle 2"/>
           <p:cNvSpPr>
             <a:spLocks noGrp="1" noChangeArrowheads="1"/>
           </p:cNvSpPr>
@@ -8066,15 +9496,15 @@
             <a:pPr eaLnBrk="1" hangingPunct="1"/>
             <a:r>
               <a:rPr lang="en-US" altLang="zh-CN" b="1" smtClean="0">
-                <a:latin typeface="黑体" pitchFamily="49" charset="-122"/>
-                <a:ea typeface="黑体" pitchFamily="49" charset="-122"/>
+                <a:latin typeface="黑体" pitchFamily="2" charset="-122"/>
+                <a:ea typeface="黑体" pitchFamily="2" charset="-122"/>
               </a:rPr>
               <a:t>5.5 </a:t>
             </a:r>
             <a:r>
               <a:rPr lang="zh-CN" altLang="en-US" b="1" smtClean="0">
-                <a:latin typeface="黑体" pitchFamily="49" charset="-122"/>
-                <a:ea typeface="黑体" pitchFamily="49" charset="-122"/>
+                <a:latin typeface="黑体" pitchFamily="2" charset="-122"/>
+                <a:ea typeface="黑体" pitchFamily="2" charset="-122"/>
               </a:rPr>
               <a:t>对循环的测试</a:t>
             </a:r>
@@ -8083,7 +9513,7 @@
       </p:sp>
       <p:sp>
         <p:nvSpPr>
-          <p:cNvPr id="87044" name="Rectangle 3"/>
+          <p:cNvPr id="118788" name="Rectangle 3"/>
           <p:cNvSpPr>
             <a:spLocks noGrp="1" noChangeArrowheads="1"/>
           </p:cNvSpPr>
@@ -8098,114 +9528,62 @@
           <a:p>
             <a:pPr eaLnBrk="1" hangingPunct="1"/>
             <a:r>
-              <a:rPr lang="zh-CN" altLang="en-US" sz="3400" b="1" smtClean="0">
+              <a:rPr lang="zh-CN" altLang="en-US" sz="3400" b="1" smtClean="0"/>
+              <a:t>测试用例设计</a:t>
+            </a:r>
+            <a:endParaRPr lang="en-US" altLang="zh-CN" sz="3400" b="1" smtClean="0"/>
+          </a:p>
+          <a:p>
+            <a:pPr lvl="1" eaLnBrk="1" hangingPunct="1"/>
+            <a:r>
+              <a:rPr lang="zh-CN" altLang="en-US" sz="3100" b="1" smtClean="0"/>
+              <a:t>循环结构的分类</a:t>
+            </a:r>
+            <a:endParaRPr lang="en-US" altLang="zh-CN" sz="3100" b="1" smtClean="0"/>
+          </a:p>
+          <a:p>
+            <a:pPr lvl="1" eaLnBrk="1" hangingPunct="1"/>
+            <a:r>
+              <a:rPr lang="zh-CN" altLang="en-US" sz="3100" b="1" smtClean="0"/>
+              <a:t>测试难点</a:t>
+            </a:r>
+            <a:endParaRPr lang="en-US" altLang="zh-CN" sz="3100" b="1" smtClean="0"/>
+          </a:p>
+          <a:p>
+            <a:pPr lvl="1" eaLnBrk="1" hangingPunct="1"/>
+            <a:r>
+              <a:rPr lang="zh-CN" altLang="en-US" sz="3100" b="1" smtClean="0"/>
+              <a:t>针对单个循环节点循环次数的测试</a:t>
+            </a:r>
+            <a:endParaRPr lang="en-US" altLang="zh-CN" sz="3100" b="1" smtClean="0"/>
+          </a:p>
+          <a:p>
+            <a:pPr lvl="1" eaLnBrk="1" hangingPunct="1"/>
+            <a:r>
+              <a:rPr lang="zh-CN" altLang="en-US" sz="3100" b="1" smtClean="0"/>
+              <a:t>针对多个循环节点循环过程的测试</a:t>
+            </a:r>
+            <a:endParaRPr lang="en-US" altLang="zh-CN" sz="3100" b="1" smtClean="0"/>
+          </a:p>
+          <a:p>
+            <a:pPr lvl="1" eaLnBrk="1" hangingPunct="1"/>
+            <a:r>
+              <a:rPr lang="zh-CN" altLang="en-US" sz="3100" b="1" smtClean="0">
                 <a:solidFill>
                   <a:srgbClr val="0000FF"/>
                 </a:solidFill>
-                <a:ea typeface="华文新魏" pitchFamily="2" charset="-122"/>
               </a:rPr>
-              <a:t>测试分析</a:t>
-            </a:r>
-            <a:endParaRPr lang="en-US" altLang="zh-CN" sz="3400" b="1" smtClean="0">
-              <a:solidFill>
-                <a:srgbClr val="0000FF"/>
-              </a:solidFill>
-              <a:ea typeface="华文新魏" pitchFamily="2" charset="-122"/>
-            </a:endParaRPr>
-          </a:p>
-          <a:p>
-            <a:pPr eaLnBrk="1" hangingPunct="1"/>
-            <a:r>
-              <a:rPr lang="zh-CN" altLang="en-US" sz="3400" b="1" smtClean="0">
-                <a:solidFill>
-                  <a:srgbClr val="0000FF"/>
-                </a:solidFill>
-                <a:ea typeface="华文新魏" pitchFamily="2" charset="-122"/>
-              </a:rPr>
-              <a:t>测试关键变量的取值变化对生成</a:t>
-            </a:r>
-            <a:r>
-              <a:rPr lang="en-US" altLang="en-US" sz="3400" b="1" smtClean="0">
-                <a:solidFill>
-                  <a:srgbClr val="0000FF"/>
-                </a:solidFill>
-                <a:ea typeface="华文新魏" pitchFamily="2" charset="-122"/>
-              </a:rPr>
-              <a:t>B</a:t>
-            </a:r>
-            <a:r>
-              <a:rPr lang="zh-CN" altLang="en-US" sz="3400" b="1" smtClean="0">
-                <a:solidFill>
-                  <a:srgbClr val="0000FF"/>
-                </a:solidFill>
-                <a:ea typeface="华文新魏" pitchFamily="2" charset="-122"/>
-              </a:rPr>
-              <a:t>样条曲线的影响（续）</a:t>
-            </a:r>
-            <a:endParaRPr lang="en-US" altLang="zh-CN" sz="3400" b="1" smtClean="0">
-              <a:solidFill>
-                <a:srgbClr val="0000FF"/>
-              </a:solidFill>
-              <a:ea typeface="华文新魏" pitchFamily="2" charset="-122"/>
-            </a:endParaRPr>
-          </a:p>
-        </p:txBody>
-      </p:sp>
-      <p:pic>
-        <p:nvPicPr>
-          <p:cNvPr id="87046" name="Picture 3"/>
-          <p:cNvPicPr>
-            <a:picLocks noChangeAspect="1" noChangeArrowheads="1"/>
-          </p:cNvPicPr>
-          <p:nvPr/>
-        </p:nvPicPr>
-        <p:blipFill>
-          <a:blip r:embed="rId2">
-            <a:extLst>
-              <a:ext uri="{28A0092B-C50C-407E-A947-70E740481C1C}">
-                <a14:useLocalDpi xmlns:a14="http://schemas.microsoft.com/office/drawing/2010/main" val="0"/>
-              </a:ext>
-            </a:extLst>
-          </a:blip>
-          <a:srcRect/>
-          <a:stretch>
-            <a:fillRect/>
-          </a:stretch>
-        </p:blipFill>
-        <p:spPr bwMode="auto">
-          <a:xfrm>
-            <a:off x="428625" y="3643313"/>
-            <a:ext cx="8124825" cy="2266950"/>
-          </a:xfrm>
-          <a:prstGeom prst="rect">
-            <a:avLst/>
-          </a:prstGeom>
-          <a:noFill/>
-          <a:ln>
-            <a:noFill/>
-          </a:ln>
-          <a:extLst>
-            <a:ext uri="{909E8E84-426E-40DD-AFC4-6F175D3DCCD1}">
-              <a14:hiddenFill xmlns:a14="http://schemas.microsoft.com/office/drawing/2010/main">
-                <a:solidFill>
-                  <a:srgbClr val="FFFFFF"/>
-                </a:solidFill>
-              </a14:hiddenFill>
-            </a:ext>
-            <a:ext uri="{91240B29-F687-4F45-9708-019B960494DF}">
-              <a14:hiddenLine xmlns:a14="http://schemas.microsoft.com/office/drawing/2010/main" w="9525">
-                <a:solidFill>
-                  <a:srgbClr val="000000"/>
-                </a:solidFill>
-                <a:miter lim="800000"/>
-                <a:headEnd/>
-                <a:tailEnd/>
-              </a14:hiddenLine>
-            </a:ext>
-          </a:extLst>
-        </p:spPr>
-      </p:pic>
+              <a:t>针对多个循环结构的测试</a:t>
+            </a:r>
+          </a:p>
+        </p:txBody>
+      </p:sp>
     </p:spTree>
+    <p:extLst>
+      <p:ext uri="{BB962C8B-B14F-4D97-AF65-F5344CB8AC3E}">
+        <p14:creationId xmlns:p14="http://schemas.microsoft.com/office/powerpoint/2010/main" val="553994675"/>
+      </p:ext>
+    </p:extLst>
   </p:cSld>
   <p:clrMapOvr>
     <a:masterClrMapping/>
@@ -8233,7 +9611,7 @@
       </p:grpSpPr>
       <p:sp>
         <p:nvSpPr>
-          <p:cNvPr id="88066" name="灯片编号占位符 5"/>
+          <p:cNvPr id="117762" name="灯片编号占位符 5"/>
           <p:cNvSpPr>
             <a:spLocks noGrp="1"/>
           </p:cNvSpPr>
@@ -8273,7 +9651,7 @@
                   <a:schemeClr val="tx1"/>
                 </a:solidFill>
                 <a:latin typeface="Verdana" pitchFamily="34" charset="0"/>
-                <a:ea typeface="宋体" charset="-122"/>
+                <a:ea typeface="宋体" pitchFamily="2" charset="-122"/>
               </a:defRPr>
             </a:lvl1pPr>
             <a:lvl2pPr marL="742950" indent="-285750" eaLnBrk="0" hangingPunct="0">
@@ -8282,7 +9660,7 @@
                   <a:schemeClr val="tx1"/>
                 </a:solidFill>
                 <a:latin typeface="Verdana" pitchFamily="34" charset="0"/>
-                <a:ea typeface="宋体" charset="-122"/>
+                <a:ea typeface="宋体" pitchFamily="2" charset="-122"/>
               </a:defRPr>
             </a:lvl2pPr>
             <a:lvl3pPr marL="1143000" indent="-228600" eaLnBrk="0" hangingPunct="0">
@@ -8291,7 +9669,7 @@
                   <a:schemeClr val="tx1"/>
                 </a:solidFill>
                 <a:latin typeface="Verdana" pitchFamily="34" charset="0"/>
-                <a:ea typeface="宋体" charset="-122"/>
+                <a:ea typeface="宋体" pitchFamily="2" charset="-122"/>
               </a:defRPr>
             </a:lvl3pPr>
             <a:lvl4pPr marL="1600200" indent="-228600" eaLnBrk="0" hangingPunct="0">
@@ -8300,7 +9678,7 @@
                   <a:schemeClr val="tx1"/>
                 </a:solidFill>
                 <a:latin typeface="Verdana" pitchFamily="34" charset="0"/>
-                <a:ea typeface="宋体" charset="-122"/>
+                <a:ea typeface="宋体" pitchFamily="2" charset="-122"/>
               </a:defRPr>
             </a:lvl4pPr>
             <a:lvl5pPr marL="2057400" indent="-228600" eaLnBrk="0" hangingPunct="0">
@@ -8309,7 +9687,7 @@
                   <a:schemeClr val="tx1"/>
                 </a:solidFill>
                 <a:latin typeface="Verdana" pitchFamily="34" charset="0"/>
-                <a:ea typeface="宋体" charset="-122"/>
+                <a:ea typeface="宋体" pitchFamily="2" charset="-122"/>
               </a:defRPr>
             </a:lvl5pPr>
             <a:lvl6pPr marL="2514600" indent="-228600" eaLnBrk="0" fontAlgn="base" hangingPunct="0">
@@ -8324,7 +9702,7 @@
                   <a:schemeClr val="tx1"/>
                 </a:solidFill>
                 <a:latin typeface="Verdana" pitchFamily="34" charset="0"/>
-                <a:ea typeface="宋体" charset="-122"/>
+                <a:ea typeface="宋体" pitchFamily="2" charset="-122"/>
               </a:defRPr>
             </a:lvl6pPr>
             <a:lvl7pPr marL="2971800" indent="-228600" eaLnBrk="0" fontAlgn="base" hangingPunct="0">
@@ -8339,7 +9717,7 @@
                   <a:schemeClr val="tx1"/>
                 </a:solidFill>
                 <a:latin typeface="Verdana" pitchFamily="34" charset="0"/>
-                <a:ea typeface="宋体" charset="-122"/>
+                <a:ea typeface="宋体" pitchFamily="2" charset="-122"/>
               </a:defRPr>
             </a:lvl7pPr>
             <a:lvl8pPr marL="3429000" indent="-228600" eaLnBrk="0" fontAlgn="base" hangingPunct="0">
@@ -8354,7 +9732,7 @@
                   <a:schemeClr val="tx1"/>
                 </a:solidFill>
                 <a:latin typeface="Verdana" pitchFamily="34" charset="0"/>
-                <a:ea typeface="宋体" charset="-122"/>
+                <a:ea typeface="宋体" pitchFamily="2" charset="-122"/>
               </a:defRPr>
             </a:lvl8pPr>
             <a:lvl9pPr marL="3886200" indent="-228600" eaLnBrk="0" fontAlgn="base" hangingPunct="0">
@@ -8369,13 +9747,13 @@
                   <a:schemeClr val="tx1"/>
                 </a:solidFill>
                 <a:latin typeface="Verdana" pitchFamily="34" charset="0"/>
-                <a:ea typeface="宋体" charset="-122"/>
+                <a:ea typeface="宋体" pitchFamily="2" charset="-122"/>
               </a:defRPr>
             </a:lvl9pPr>
           </a:lstStyle>
           <a:p>
             <a:pPr eaLnBrk="1" hangingPunct="1"/>
-            <a:fld id="{CDAABEC3-E9CE-40D2-B479-EE09F47B572A}" type="slidenum">
+            <a:fld id="{B9FFC9E8-F51F-421F-B71C-943D83C89376}" type="slidenum">
               <a:rPr lang="en-US" altLang="zh-CN" smtClean="0"/>
               <a:pPr eaLnBrk="1" hangingPunct="1"/>
               <a:t>19</a:t>
@@ -8386,7 +9764,7 @@
       </p:sp>
       <p:sp>
         <p:nvSpPr>
-          <p:cNvPr id="88067" name="Rectangle 2"/>
+          <p:cNvPr id="117763" name="Rectangle 2"/>
           <p:cNvSpPr>
             <a:spLocks noGrp="1" noChangeArrowheads="1"/>
           </p:cNvSpPr>
@@ -8402,15 +9780,15 @@
             <a:pPr eaLnBrk="1" hangingPunct="1"/>
             <a:r>
               <a:rPr lang="en-US" altLang="zh-CN" b="1" smtClean="0">
-                <a:latin typeface="黑体" pitchFamily="49" charset="-122"/>
-                <a:ea typeface="黑体" pitchFamily="49" charset="-122"/>
+                <a:latin typeface="黑体" pitchFamily="2" charset="-122"/>
+                <a:ea typeface="黑体" pitchFamily="2" charset="-122"/>
               </a:rPr>
               <a:t>5.5 </a:t>
             </a:r>
             <a:r>
               <a:rPr lang="zh-CN" altLang="en-US" b="1" smtClean="0">
-                <a:latin typeface="黑体" pitchFamily="49" charset="-122"/>
-                <a:ea typeface="黑体" pitchFamily="49" charset="-122"/>
+                <a:latin typeface="黑体" pitchFamily="2" charset="-122"/>
+                <a:ea typeface="黑体" pitchFamily="2" charset="-122"/>
               </a:rPr>
               <a:t>对循环的测试</a:t>
             </a:r>
@@ -8419,7 +9797,7 @@
       </p:sp>
       <p:sp>
         <p:nvSpPr>
-          <p:cNvPr id="88068" name="Rectangle 3"/>
+          <p:cNvPr id="117764" name="Rectangle 3"/>
           <p:cNvSpPr>
             <a:spLocks noGrp="1" noChangeArrowheads="1"/>
           </p:cNvSpPr>
@@ -8435,7 +9813,7 @@
             <a:pPr eaLnBrk="1" hangingPunct="1"/>
             <a:r>
               <a:rPr lang="zh-CN" altLang="en-US" sz="3400" b="1" smtClean="0"/>
-              <a:t>小结</a:t>
+              <a:t>针对多个循环节点循环过程的测试</a:t>
             </a:r>
             <a:endParaRPr lang="en-US" altLang="zh-CN" sz="3400" b="1" smtClean="0"/>
           </a:p>
@@ -8443,7 +9821,7 @@
             <a:pPr lvl="1" eaLnBrk="1" hangingPunct="1"/>
             <a:r>
               <a:rPr lang="zh-CN" altLang="en-US" b="1" smtClean="0"/>
-              <a:t>对循环的测试一方面是对测试过程进行静态检查，另一方面是通过控制循环边界来观察执行结果是否与预期输出保持一致</a:t>
+              <a:t>循环的初始化</a:t>
             </a:r>
             <a:endParaRPr lang="en-US" altLang="zh-CN" b="1" smtClean="0"/>
           </a:p>
@@ -8451,12 +9829,25 @@
             <a:pPr lvl="1" eaLnBrk="1" hangingPunct="1"/>
             <a:r>
               <a:rPr lang="zh-CN" altLang="en-US" b="1" smtClean="0"/>
-              <a:t>对循环的测试重点在于观察循环过程是否符合设计，并不考虑循环体所涉及的相关变量所反映的结果有何实质含义，事实上，这也是所有白盒测试方法的局限所在</a:t>
+              <a:t>循环的迭代</a:t>
+            </a:r>
+            <a:endParaRPr lang="en-US" altLang="zh-CN" b="1" smtClean="0"/>
+          </a:p>
+          <a:p>
+            <a:pPr lvl="1" eaLnBrk="1" hangingPunct="1"/>
+            <a:r>
+              <a:rPr lang="zh-CN" altLang="en-US" b="1" smtClean="0"/>
+              <a:t>循环的终止</a:t>
             </a:r>
           </a:p>
         </p:txBody>
       </p:sp>
     </p:spTree>
+    <p:extLst>
+      <p:ext uri="{BB962C8B-B14F-4D97-AF65-F5344CB8AC3E}">
+        <p14:creationId xmlns:p14="http://schemas.microsoft.com/office/powerpoint/2010/main" val="349549957"/>
+      </p:ext>
+    </p:extLst>
   </p:cSld>
   <p:clrMapOvr>
     <a:masterClrMapping/>
@@ -8702,7 +10093,6 @@
               <a:rPr lang="zh-CN" altLang="en-US" sz="3100" b="1" dirty="0" smtClean="0"/>
               <a:t>对循环的测试</a:t>
             </a:r>
-            <a:endParaRPr lang="zh-CN" altLang="en-US" sz="3100" b="1" dirty="0" smtClean="0"/>
           </a:p>
         </p:txBody>
       </p:sp>
@@ -8734,52 +10124,7 @@
       </p:grpSpPr>
       <p:sp>
         <p:nvSpPr>
-          <p:cNvPr id="116738" name="标题 1"/>
-          <p:cNvSpPr>
-            <a:spLocks noGrp="1"/>
-          </p:cNvSpPr>
-          <p:nvPr>
-            <p:ph type="title"/>
-          </p:nvPr>
-        </p:nvSpPr>
-        <p:spPr/>
-        <p:txBody>
-          <a:bodyPr/>
-          <a:lstStyle/>
-          <a:p>
-            <a:pPr algn="ctr"/>
-            <a:r>
-              <a:rPr lang="zh-CN" altLang="en-US" b="1" smtClean="0">
-                <a:latin typeface="黑体" pitchFamily="49" charset="-122"/>
-                <a:ea typeface="黑体" pitchFamily="49" charset="-122"/>
-              </a:rPr>
-              <a:t>谢 谢</a:t>
-            </a:r>
-          </a:p>
-        </p:txBody>
-      </p:sp>
-      <p:sp>
-        <p:nvSpPr>
-          <p:cNvPr id="116739" name="内容占位符 2"/>
-          <p:cNvSpPr>
-            <a:spLocks noGrp="1"/>
-          </p:cNvSpPr>
-          <p:nvPr>
-            <p:ph idx="1"/>
-          </p:nvPr>
-        </p:nvSpPr>
-        <p:spPr/>
-        <p:txBody>
-          <a:bodyPr/>
-          <a:lstStyle/>
-          <a:p>
-            <a:endParaRPr lang="zh-CN" altLang="en-US" smtClean="0"/>
-          </a:p>
-        </p:txBody>
-      </p:sp>
-      <p:sp>
-        <p:nvSpPr>
-          <p:cNvPr id="116740" name="灯片编号占位符 3"/>
+          <p:cNvPr id="119810" name="灯片编号占位符 5"/>
           <p:cNvSpPr>
             <a:spLocks noGrp="1"/>
           </p:cNvSpPr>
@@ -8819,6 +10164,816 @@
                   <a:schemeClr val="tx1"/>
                 </a:solidFill>
                 <a:latin typeface="Verdana" pitchFamily="34" charset="0"/>
+                <a:ea typeface="宋体" pitchFamily="2" charset="-122"/>
+              </a:defRPr>
+            </a:lvl1pPr>
+            <a:lvl2pPr marL="742950" indent="-285750" eaLnBrk="0" hangingPunct="0">
+              <a:defRPr>
+                <a:solidFill>
+                  <a:schemeClr val="tx1"/>
+                </a:solidFill>
+                <a:latin typeface="Verdana" pitchFamily="34" charset="0"/>
+                <a:ea typeface="宋体" pitchFamily="2" charset="-122"/>
+              </a:defRPr>
+            </a:lvl2pPr>
+            <a:lvl3pPr marL="1143000" indent="-228600" eaLnBrk="0" hangingPunct="0">
+              <a:defRPr>
+                <a:solidFill>
+                  <a:schemeClr val="tx1"/>
+                </a:solidFill>
+                <a:latin typeface="Verdana" pitchFamily="34" charset="0"/>
+                <a:ea typeface="宋体" pitchFamily="2" charset="-122"/>
+              </a:defRPr>
+            </a:lvl3pPr>
+            <a:lvl4pPr marL="1600200" indent="-228600" eaLnBrk="0" hangingPunct="0">
+              <a:defRPr>
+                <a:solidFill>
+                  <a:schemeClr val="tx1"/>
+                </a:solidFill>
+                <a:latin typeface="Verdana" pitchFamily="34" charset="0"/>
+                <a:ea typeface="宋体" pitchFamily="2" charset="-122"/>
+              </a:defRPr>
+            </a:lvl4pPr>
+            <a:lvl5pPr marL="2057400" indent="-228600" eaLnBrk="0" hangingPunct="0">
+              <a:defRPr>
+                <a:solidFill>
+                  <a:schemeClr val="tx1"/>
+                </a:solidFill>
+                <a:latin typeface="Verdana" pitchFamily="34" charset="0"/>
+                <a:ea typeface="宋体" pitchFamily="2" charset="-122"/>
+              </a:defRPr>
+            </a:lvl5pPr>
+            <a:lvl6pPr marL="2514600" indent="-228600" eaLnBrk="0" fontAlgn="base" hangingPunct="0">
+              <a:spcBef>
+                <a:spcPct val="0"/>
+              </a:spcBef>
+              <a:spcAft>
+                <a:spcPct val="0"/>
+              </a:spcAft>
+              <a:defRPr>
+                <a:solidFill>
+                  <a:schemeClr val="tx1"/>
+                </a:solidFill>
+                <a:latin typeface="Verdana" pitchFamily="34" charset="0"/>
+                <a:ea typeface="宋体" pitchFamily="2" charset="-122"/>
+              </a:defRPr>
+            </a:lvl6pPr>
+            <a:lvl7pPr marL="2971800" indent="-228600" eaLnBrk="0" fontAlgn="base" hangingPunct="0">
+              <a:spcBef>
+                <a:spcPct val="0"/>
+              </a:spcBef>
+              <a:spcAft>
+                <a:spcPct val="0"/>
+              </a:spcAft>
+              <a:defRPr>
+                <a:solidFill>
+                  <a:schemeClr val="tx1"/>
+                </a:solidFill>
+                <a:latin typeface="Verdana" pitchFamily="34" charset="0"/>
+                <a:ea typeface="宋体" pitchFamily="2" charset="-122"/>
+              </a:defRPr>
+            </a:lvl7pPr>
+            <a:lvl8pPr marL="3429000" indent="-228600" eaLnBrk="0" fontAlgn="base" hangingPunct="0">
+              <a:spcBef>
+                <a:spcPct val="0"/>
+              </a:spcBef>
+              <a:spcAft>
+                <a:spcPct val="0"/>
+              </a:spcAft>
+              <a:defRPr>
+                <a:solidFill>
+                  <a:schemeClr val="tx1"/>
+                </a:solidFill>
+                <a:latin typeface="Verdana" pitchFamily="34" charset="0"/>
+                <a:ea typeface="宋体" pitchFamily="2" charset="-122"/>
+              </a:defRPr>
+            </a:lvl8pPr>
+            <a:lvl9pPr marL="3886200" indent="-228600" eaLnBrk="0" fontAlgn="base" hangingPunct="0">
+              <a:spcBef>
+                <a:spcPct val="0"/>
+              </a:spcBef>
+              <a:spcAft>
+                <a:spcPct val="0"/>
+              </a:spcAft>
+              <a:defRPr>
+                <a:solidFill>
+                  <a:schemeClr val="tx1"/>
+                </a:solidFill>
+                <a:latin typeface="Verdana" pitchFamily="34" charset="0"/>
+                <a:ea typeface="宋体" pitchFamily="2" charset="-122"/>
+              </a:defRPr>
+            </a:lvl9pPr>
+          </a:lstStyle>
+          <a:p>
+            <a:pPr eaLnBrk="1" hangingPunct="1"/>
+            <a:fld id="{3109F4AC-FD7D-43C2-A2A1-FAF0D8B37D1E}" type="slidenum">
+              <a:rPr lang="en-US" altLang="zh-CN" smtClean="0"/>
+              <a:pPr eaLnBrk="1" hangingPunct="1"/>
+              <a:t>20</a:t>
+            </a:fld>
+            <a:endParaRPr lang="en-US" altLang="zh-CN" smtClean="0"/>
+          </a:p>
+        </p:txBody>
+      </p:sp>
+      <p:sp>
+        <p:nvSpPr>
+          <p:cNvPr id="119811" name="Rectangle 2"/>
+          <p:cNvSpPr>
+            <a:spLocks noGrp="1" noChangeArrowheads="1"/>
+          </p:cNvSpPr>
+          <p:nvPr>
+            <p:ph type="title"/>
+          </p:nvPr>
+        </p:nvSpPr>
+        <p:spPr/>
+        <p:txBody>
+          <a:bodyPr/>
+          <a:lstStyle/>
+          <a:p>
+            <a:pPr eaLnBrk="1" hangingPunct="1"/>
+            <a:r>
+              <a:rPr lang="en-US" altLang="zh-CN" b="1" smtClean="0">
+                <a:latin typeface="黑体" pitchFamily="2" charset="-122"/>
+                <a:ea typeface="黑体" pitchFamily="2" charset="-122"/>
+              </a:rPr>
+              <a:t>5.5 </a:t>
+            </a:r>
+            <a:r>
+              <a:rPr lang="zh-CN" altLang="en-US" b="1" smtClean="0">
+                <a:latin typeface="黑体" pitchFamily="2" charset="-122"/>
+                <a:ea typeface="黑体" pitchFamily="2" charset="-122"/>
+              </a:rPr>
+              <a:t>对循环的测试</a:t>
+            </a:r>
+          </a:p>
+        </p:txBody>
+      </p:sp>
+      <p:sp>
+        <p:nvSpPr>
+          <p:cNvPr id="34820" name="Rectangle 3"/>
+          <p:cNvSpPr>
+            <a:spLocks noGrp="1" noChangeArrowheads="1"/>
+          </p:cNvSpPr>
+          <p:nvPr>
+            <p:ph type="body" idx="1"/>
+          </p:nvPr>
+        </p:nvSpPr>
+        <p:spPr/>
+        <p:txBody>
+          <a:bodyPr/>
+          <a:lstStyle/>
+          <a:p>
+            <a:pPr marL="469900" lvl="1" indent="-469900" eaLnBrk="1" hangingPunct="1">
+              <a:buFont typeface="Wingdings" pitchFamily="2" charset="2"/>
+              <a:buChar char="o"/>
+              <a:defRPr/>
+            </a:pPr>
+            <a:r>
+              <a:rPr lang="zh-CN" altLang="en-US" sz="3400" b="1" dirty="0" smtClean="0">
+                <a:cs typeface="+mn-cs"/>
+              </a:rPr>
+              <a:t>针对多个循环结构的测试</a:t>
+            </a:r>
+            <a:endParaRPr lang="en-US" altLang="zh-CN" sz="3400" b="1" dirty="0" smtClean="0">
+              <a:cs typeface="+mn-cs"/>
+            </a:endParaRPr>
+          </a:p>
+          <a:p>
+            <a:pPr marL="866775" lvl="2" indent="-469900" eaLnBrk="1" hangingPunct="1">
+              <a:defRPr/>
+            </a:pPr>
+            <a:r>
+              <a:rPr lang="zh-CN" altLang="en-US" sz="2600" b="1" dirty="0" smtClean="0">
+                <a:cs typeface="+mn-cs"/>
+              </a:rPr>
+              <a:t>循环节点的串联</a:t>
+            </a:r>
+            <a:endParaRPr lang="en-US" altLang="zh-CN" sz="2600" b="1" dirty="0" smtClean="0">
+              <a:cs typeface="+mn-cs"/>
+            </a:endParaRPr>
+          </a:p>
+          <a:p>
+            <a:pPr marL="866775" lvl="2" indent="-469900" eaLnBrk="1" hangingPunct="1">
+              <a:defRPr/>
+            </a:pPr>
+            <a:r>
+              <a:rPr lang="zh-CN" altLang="en-US" sz="2600" b="1" dirty="0" smtClean="0">
+                <a:cs typeface="+mn-cs"/>
+              </a:rPr>
+              <a:t>循环节点的嵌套</a:t>
+            </a:r>
+            <a:endParaRPr lang="en-US" altLang="zh-CN" sz="2600" b="1" dirty="0" smtClean="0">
+              <a:cs typeface="+mn-cs"/>
+            </a:endParaRPr>
+          </a:p>
+          <a:p>
+            <a:pPr marL="1255713" lvl="3" indent="-469900" eaLnBrk="1" hangingPunct="1">
+              <a:defRPr/>
+            </a:pPr>
+            <a:r>
+              <a:rPr lang="zh-CN" altLang="en-US" sz="2200" b="1" dirty="0" smtClean="0">
+                <a:cs typeface="+mn-cs"/>
+              </a:rPr>
+              <a:t>内层最小循环次数，外层最小循环次数，计算的结果</a:t>
+            </a:r>
+            <a:endParaRPr lang="en-US" altLang="zh-CN" sz="2200" b="1" dirty="0" smtClean="0">
+              <a:cs typeface="+mn-cs"/>
+            </a:endParaRPr>
+          </a:p>
+          <a:p>
+            <a:pPr marL="1255713" lvl="3" indent="-469900" eaLnBrk="1" hangingPunct="1">
+              <a:defRPr/>
+            </a:pPr>
+            <a:r>
+              <a:rPr lang="zh-CN" altLang="en-US" sz="2200" b="1" dirty="0" smtClean="0">
+                <a:cs typeface="+mn-cs"/>
+              </a:rPr>
+              <a:t>内层最小循环次数，外层最大循环次数，计算的结果</a:t>
+            </a:r>
+            <a:endParaRPr lang="en-US" altLang="zh-CN" sz="2200" b="1" dirty="0" smtClean="0">
+              <a:cs typeface="+mn-cs"/>
+            </a:endParaRPr>
+          </a:p>
+          <a:p>
+            <a:pPr marL="1255713" lvl="3" indent="-469900" eaLnBrk="1" hangingPunct="1">
+              <a:defRPr/>
+            </a:pPr>
+            <a:r>
+              <a:rPr lang="zh-CN" altLang="en-US" sz="2200" b="1" dirty="0" smtClean="0">
+                <a:cs typeface="+mn-cs"/>
+              </a:rPr>
+              <a:t>内层最大循环次数，外层最小循环次数，计算的结果</a:t>
+            </a:r>
+            <a:endParaRPr lang="en-US" altLang="zh-CN" sz="2200" b="1" dirty="0" smtClean="0">
+              <a:cs typeface="+mn-cs"/>
+            </a:endParaRPr>
+          </a:p>
+          <a:p>
+            <a:pPr marL="1255713" lvl="3" indent="-469900" eaLnBrk="1" hangingPunct="1">
+              <a:defRPr/>
+            </a:pPr>
+            <a:r>
+              <a:rPr lang="zh-CN" altLang="en-US" sz="2200" b="1" dirty="0" smtClean="0">
+                <a:cs typeface="+mn-cs"/>
+              </a:rPr>
+              <a:t>内层最大循环次数，外层最大循环次数，计算的结果</a:t>
+            </a:r>
+            <a:endParaRPr lang="en-US" altLang="zh-CN" sz="2200" b="1" dirty="0" smtClean="0">
+              <a:cs typeface="+mn-cs"/>
+            </a:endParaRPr>
+          </a:p>
+          <a:p>
+            <a:pPr marL="866775" lvl="2" indent="-469900" eaLnBrk="1" hangingPunct="1">
+              <a:defRPr/>
+            </a:pPr>
+            <a:r>
+              <a:rPr lang="zh-CN" altLang="en-US" sz="2600" b="1" dirty="0" smtClean="0">
+                <a:cs typeface="+mn-cs"/>
+              </a:rPr>
+              <a:t>非结构化的循环</a:t>
+            </a:r>
+            <a:endParaRPr lang="en-US" altLang="zh-CN" sz="2600" b="1" dirty="0" smtClean="0">
+              <a:cs typeface="+mn-cs"/>
+            </a:endParaRPr>
+          </a:p>
+        </p:txBody>
+      </p:sp>
+      <p:sp>
+        <p:nvSpPr>
+          <p:cNvPr id="119813" name="Text Box 4"/>
+          <p:cNvSpPr txBox="1">
+            <a:spLocks noChangeArrowheads="1"/>
+          </p:cNvSpPr>
+          <p:nvPr/>
+        </p:nvSpPr>
+        <p:spPr bwMode="auto">
+          <a:xfrm>
+            <a:off x="0" y="0"/>
+            <a:ext cx="2592388" cy="366713"/>
+          </a:xfrm>
+          <a:prstGeom prst="rect">
+            <a:avLst/>
+          </a:prstGeom>
+          <a:noFill/>
+          <a:ln>
+            <a:noFill/>
+          </a:ln>
+          <a:extLst>
+            <a:ext uri="{909E8E84-426E-40DD-AFC4-6F175D3DCCD1}">
+              <a14:hiddenFill xmlns:a14="http://schemas.microsoft.com/office/drawing/2010/main">
+                <a:solidFill>
+                  <a:srgbClr val="FFFFFF"/>
+                </a:solidFill>
+              </a14:hiddenFill>
+            </a:ext>
+            <a:ext uri="{91240B29-F687-4F45-9708-019B960494DF}">
+              <a14:hiddenLine xmlns:a14="http://schemas.microsoft.com/office/drawing/2010/main" w="9525">
+                <a:solidFill>
+                  <a:srgbClr val="000000"/>
+                </a:solidFill>
+                <a:miter lim="800000"/>
+                <a:headEnd/>
+                <a:tailEnd/>
+              </a14:hiddenLine>
+            </a:ext>
+          </a:extLst>
+        </p:spPr>
+        <p:txBody>
+          <a:bodyPr>
+            <a:spAutoFit/>
+          </a:bodyPr>
+          <a:lstStyle>
+            <a:lvl1pPr eaLnBrk="0" hangingPunct="0">
+              <a:defRPr>
+                <a:solidFill>
+                  <a:schemeClr val="tx1"/>
+                </a:solidFill>
+                <a:latin typeface="Verdana" pitchFamily="34" charset="0"/>
+                <a:ea typeface="宋体" pitchFamily="2" charset="-122"/>
+              </a:defRPr>
+            </a:lvl1pPr>
+            <a:lvl2pPr marL="742950" indent="-285750" eaLnBrk="0" hangingPunct="0">
+              <a:defRPr>
+                <a:solidFill>
+                  <a:schemeClr val="tx1"/>
+                </a:solidFill>
+                <a:latin typeface="Verdana" pitchFamily="34" charset="0"/>
+                <a:ea typeface="宋体" pitchFamily="2" charset="-122"/>
+              </a:defRPr>
+            </a:lvl2pPr>
+            <a:lvl3pPr marL="1143000" indent="-228600" eaLnBrk="0" hangingPunct="0">
+              <a:defRPr>
+                <a:solidFill>
+                  <a:schemeClr val="tx1"/>
+                </a:solidFill>
+                <a:latin typeface="Verdana" pitchFamily="34" charset="0"/>
+                <a:ea typeface="宋体" pitchFamily="2" charset="-122"/>
+              </a:defRPr>
+            </a:lvl3pPr>
+            <a:lvl4pPr marL="1600200" indent="-228600" eaLnBrk="0" hangingPunct="0">
+              <a:defRPr>
+                <a:solidFill>
+                  <a:schemeClr val="tx1"/>
+                </a:solidFill>
+                <a:latin typeface="Verdana" pitchFamily="34" charset="0"/>
+                <a:ea typeface="宋体" pitchFamily="2" charset="-122"/>
+              </a:defRPr>
+            </a:lvl4pPr>
+            <a:lvl5pPr marL="2057400" indent="-228600" eaLnBrk="0" hangingPunct="0">
+              <a:defRPr>
+                <a:solidFill>
+                  <a:schemeClr val="tx1"/>
+                </a:solidFill>
+                <a:latin typeface="Verdana" pitchFamily="34" charset="0"/>
+                <a:ea typeface="宋体" pitchFamily="2" charset="-122"/>
+              </a:defRPr>
+            </a:lvl5pPr>
+            <a:lvl6pPr marL="2514600" indent="-228600" eaLnBrk="0" fontAlgn="base" hangingPunct="0">
+              <a:spcBef>
+                <a:spcPct val="0"/>
+              </a:spcBef>
+              <a:spcAft>
+                <a:spcPct val="0"/>
+              </a:spcAft>
+              <a:defRPr>
+                <a:solidFill>
+                  <a:schemeClr val="tx1"/>
+                </a:solidFill>
+                <a:latin typeface="Verdana" pitchFamily="34" charset="0"/>
+                <a:ea typeface="宋体" pitchFamily="2" charset="-122"/>
+              </a:defRPr>
+            </a:lvl6pPr>
+            <a:lvl7pPr marL="2971800" indent="-228600" eaLnBrk="0" fontAlgn="base" hangingPunct="0">
+              <a:spcBef>
+                <a:spcPct val="0"/>
+              </a:spcBef>
+              <a:spcAft>
+                <a:spcPct val="0"/>
+              </a:spcAft>
+              <a:defRPr>
+                <a:solidFill>
+                  <a:schemeClr val="tx1"/>
+                </a:solidFill>
+                <a:latin typeface="Verdana" pitchFamily="34" charset="0"/>
+                <a:ea typeface="宋体" pitchFamily="2" charset="-122"/>
+              </a:defRPr>
+            </a:lvl7pPr>
+            <a:lvl8pPr marL="3429000" indent="-228600" eaLnBrk="0" fontAlgn="base" hangingPunct="0">
+              <a:spcBef>
+                <a:spcPct val="0"/>
+              </a:spcBef>
+              <a:spcAft>
+                <a:spcPct val="0"/>
+              </a:spcAft>
+              <a:defRPr>
+                <a:solidFill>
+                  <a:schemeClr val="tx1"/>
+                </a:solidFill>
+                <a:latin typeface="Verdana" pitchFamily="34" charset="0"/>
+                <a:ea typeface="宋体" pitchFamily="2" charset="-122"/>
+              </a:defRPr>
+            </a:lvl8pPr>
+            <a:lvl9pPr marL="3886200" indent="-228600" eaLnBrk="0" fontAlgn="base" hangingPunct="0">
+              <a:spcBef>
+                <a:spcPct val="0"/>
+              </a:spcBef>
+              <a:spcAft>
+                <a:spcPct val="0"/>
+              </a:spcAft>
+              <a:defRPr>
+                <a:solidFill>
+                  <a:schemeClr val="tx1"/>
+                </a:solidFill>
+                <a:latin typeface="Verdana" pitchFamily="34" charset="0"/>
+                <a:ea typeface="宋体" pitchFamily="2" charset="-122"/>
+              </a:defRPr>
+            </a:lvl9pPr>
+          </a:lstStyle>
+          <a:p>
+            <a:pPr eaLnBrk="1" hangingPunct="1">
+              <a:spcBef>
+                <a:spcPct val="50000"/>
+              </a:spcBef>
+            </a:pPr>
+            <a:r>
+              <a:rPr lang="zh-CN" altLang="en-US" b="1">
+                <a:latin typeface="Arial" charset="0"/>
+                <a:ea typeface="华文隶书" pitchFamily="2" charset="-122"/>
+              </a:rPr>
+              <a:t>华中科技大学软件学院</a:t>
+            </a:r>
+          </a:p>
+        </p:txBody>
+      </p:sp>
+    </p:spTree>
+    <p:extLst>
+      <p:ext uri="{BB962C8B-B14F-4D97-AF65-F5344CB8AC3E}">
+        <p14:creationId xmlns:p14="http://schemas.microsoft.com/office/powerpoint/2010/main" val="434363770"/>
+      </p:ext>
+    </p:extLst>
+  </p:cSld>
+  <p:clrMapOvr>
+    <a:masterClrMapping/>
+  </p:clrMapOvr>
+  <p:transition/>
+</p:sld>
+</file>
+
+<file path=ppt/slides/slide21.xml><?xml version="1.0" encoding="utf-8"?>
+<p:sld xmlns:a="http://schemas.openxmlformats.org/drawingml/2006/main" xmlns:r="http://schemas.openxmlformats.org/officeDocument/2006/relationships" xmlns:p="http://schemas.openxmlformats.org/presentationml/2006/main">
+  <p:cSld>
+    <p:spTree>
+      <p:nvGrpSpPr>
+        <p:cNvPr id="1" name=""/>
+        <p:cNvGrpSpPr/>
+        <p:nvPr/>
+      </p:nvGrpSpPr>
+      <p:grpSpPr>
+        <a:xfrm>
+          <a:off x="0" y="0"/>
+          <a:ext cx="0" cy="0"/>
+          <a:chOff x="0" y="0"/>
+          <a:chExt cx="0" cy="0"/>
+        </a:xfrm>
+      </p:grpSpPr>
+      <p:sp>
+        <p:nvSpPr>
+          <p:cNvPr id="88066" name="灯片编号占位符 5"/>
+          <p:cNvSpPr>
+            <a:spLocks noGrp="1"/>
+          </p:cNvSpPr>
+          <p:nvPr>
+            <p:ph type="sldNum" sz="quarter" idx="12"/>
+          </p:nvPr>
+        </p:nvSpPr>
+        <p:spPr>
+          <a:noFill/>
+          <a:ln/>
+          <a:extLst>
+            <a:ext uri="{909E8E84-426E-40DD-AFC4-6F175D3DCCD1}">
+              <a14:hiddenFill xmlns:a14="http://schemas.microsoft.com/office/drawing/2010/main">
+                <a:solidFill>
+                  <a:srgbClr val="FFFFFF"/>
+                </a:solidFill>
+              </a14:hiddenFill>
+            </a:ext>
+            <a:ext uri="{91240B29-F687-4F45-9708-019B960494DF}">
+              <a14:hiddenLine xmlns:a14="http://schemas.microsoft.com/office/drawing/2010/main" w="9525">
+                <a:solidFill>
+                  <a:srgbClr val="000000"/>
+                </a:solidFill>
+                <a:miter lim="800000"/>
+                <a:headEnd/>
+                <a:tailEnd/>
+              </a14:hiddenLine>
+            </a:ext>
+          </a:extLst>
+        </p:spPr>
+        <p:txBody>
+          <a:bodyPr/>
+          <a:lstStyle>
+            <a:lvl1pPr eaLnBrk="0" hangingPunct="0">
+              <a:defRPr>
+                <a:solidFill>
+                  <a:schemeClr val="tx1"/>
+                </a:solidFill>
+                <a:latin typeface="Verdana" pitchFamily="34" charset="0"/>
+                <a:ea typeface="宋体" charset="-122"/>
+              </a:defRPr>
+            </a:lvl1pPr>
+            <a:lvl2pPr marL="742950" indent="-285750" eaLnBrk="0" hangingPunct="0">
+              <a:defRPr>
+                <a:solidFill>
+                  <a:schemeClr val="tx1"/>
+                </a:solidFill>
+                <a:latin typeface="Verdana" pitchFamily="34" charset="0"/>
+                <a:ea typeface="宋体" charset="-122"/>
+              </a:defRPr>
+            </a:lvl2pPr>
+            <a:lvl3pPr marL="1143000" indent="-228600" eaLnBrk="0" hangingPunct="0">
+              <a:defRPr>
+                <a:solidFill>
+                  <a:schemeClr val="tx1"/>
+                </a:solidFill>
+                <a:latin typeface="Verdana" pitchFamily="34" charset="0"/>
+                <a:ea typeface="宋体" charset="-122"/>
+              </a:defRPr>
+            </a:lvl3pPr>
+            <a:lvl4pPr marL="1600200" indent="-228600" eaLnBrk="0" hangingPunct="0">
+              <a:defRPr>
+                <a:solidFill>
+                  <a:schemeClr val="tx1"/>
+                </a:solidFill>
+                <a:latin typeface="Verdana" pitchFamily="34" charset="0"/>
+                <a:ea typeface="宋体" charset="-122"/>
+              </a:defRPr>
+            </a:lvl4pPr>
+            <a:lvl5pPr marL="2057400" indent="-228600" eaLnBrk="0" hangingPunct="0">
+              <a:defRPr>
+                <a:solidFill>
+                  <a:schemeClr val="tx1"/>
+                </a:solidFill>
+                <a:latin typeface="Verdana" pitchFamily="34" charset="0"/>
+                <a:ea typeface="宋体" charset="-122"/>
+              </a:defRPr>
+            </a:lvl5pPr>
+            <a:lvl6pPr marL="2514600" indent="-228600" eaLnBrk="0" fontAlgn="base" hangingPunct="0">
+              <a:spcBef>
+                <a:spcPct val="0"/>
+              </a:spcBef>
+              <a:spcAft>
+                <a:spcPct val="0"/>
+              </a:spcAft>
+              <a:defRPr>
+                <a:solidFill>
+                  <a:schemeClr val="tx1"/>
+                </a:solidFill>
+                <a:latin typeface="Verdana" pitchFamily="34" charset="0"/>
+                <a:ea typeface="宋体" charset="-122"/>
+              </a:defRPr>
+            </a:lvl6pPr>
+            <a:lvl7pPr marL="2971800" indent="-228600" eaLnBrk="0" fontAlgn="base" hangingPunct="0">
+              <a:spcBef>
+                <a:spcPct val="0"/>
+              </a:spcBef>
+              <a:spcAft>
+                <a:spcPct val="0"/>
+              </a:spcAft>
+              <a:defRPr>
+                <a:solidFill>
+                  <a:schemeClr val="tx1"/>
+                </a:solidFill>
+                <a:latin typeface="Verdana" pitchFamily="34" charset="0"/>
+                <a:ea typeface="宋体" charset="-122"/>
+              </a:defRPr>
+            </a:lvl7pPr>
+            <a:lvl8pPr marL="3429000" indent="-228600" eaLnBrk="0" fontAlgn="base" hangingPunct="0">
+              <a:spcBef>
+                <a:spcPct val="0"/>
+              </a:spcBef>
+              <a:spcAft>
+                <a:spcPct val="0"/>
+              </a:spcAft>
+              <a:defRPr>
+                <a:solidFill>
+                  <a:schemeClr val="tx1"/>
+                </a:solidFill>
+                <a:latin typeface="Verdana" pitchFamily="34" charset="0"/>
+                <a:ea typeface="宋体" charset="-122"/>
+              </a:defRPr>
+            </a:lvl8pPr>
+            <a:lvl9pPr marL="3886200" indent="-228600" eaLnBrk="0" fontAlgn="base" hangingPunct="0">
+              <a:spcBef>
+                <a:spcPct val="0"/>
+              </a:spcBef>
+              <a:spcAft>
+                <a:spcPct val="0"/>
+              </a:spcAft>
+              <a:defRPr>
+                <a:solidFill>
+                  <a:schemeClr val="tx1"/>
+                </a:solidFill>
+                <a:latin typeface="Verdana" pitchFamily="34" charset="0"/>
+                <a:ea typeface="宋体" charset="-122"/>
+              </a:defRPr>
+            </a:lvl9pPr>
+          </a:lstStyle>
+          <a:p>
+            <a:pPr eaLnBrk="1" hangingPunct="1"/>
+            <a:fld id="{CDAABEC3-E9CE-40D2-B479-EE09F47B572A}" type="slidenum">
+              <a:rPr lang="en-US" altLang="zh-CN" smtClean="0"/>
+              <a:pPr eaLnBrk="1" hangingPunct="1"/>
+              <a:t>21</a:t>
+            </a:fld>
+            <a:endParaRPr lang="en-US" altLang="zh-CN" smtClean="0"/>
+          </a:p>
+        </p:txBody>
+      </p:sp>
+      <p:sp>
+        <p:nvSpPr>
+          <p:cNvPr id="88067" name="Rectangle 2"/>
+          <p:cNvSpPr>
+            <a:spLocks noGrp="1" noChangeArrowheads="1"/>
+          </p:cNvSpPr>
+          <p:nvPr>
+            <p:ph type="title"/>
+          </p:nvPr>
+        </p:nvSpPr>
+        <p:spPr/>
+        <p:txBody>
+          <a:bodyPr/>
+          <a:lstStyle/>
+          <a:p>
+            <a:pPr eaLnBrk="1" hangingPunct="1"/>
+            <a:r>
+              <a:rPr lang="en-US" altLang="zh-CN" b="1" smtClean="0">
+                <a:latin typeface="黑体" pitchFamily="49" charset="-122"/>
+                <a:ea typeface="黑体" pitchFamily="49" charset="-122"/>
+              </a:rPr>
+              <a:t>5.5 </a:t>
+            </a:r>
+            <a:r>
+              <a:rPr lang="zh-CN" altLang="en-US" b="1" smtClean="0">
+                <a:latin typeface="黑体" pitchFamily="49" charset="-122"/>
+                <a:ea typeface="黑体" pitchFamily="49" charset="-122"/>
+              </a:rPr>
+              <a:t>对循环的测试</a:t>
+            </a:r>
+          </a:p>
+        </p:txBody>
+      </p:sp>
+      <p:sp>
+        <p:nvSpPr>
+          <p:cNvPr id="88068" name="Rectangle 3"/>
+          <p:cNvSpPr>
+            <a:spLocks noGrp="1" noChangeArrowheads="1"/>
+          </p:cNvSpPr>
+          <p:nvPr>
+            <p:ph type="body" idx="1"/>
+          </p:nvPr>
+        </p:nvSpPr>
+        <p:spPr/>
+        <p:txBody>
+          <a:bodyPr/>
+          <a:lstStyle/>
+          <a:p>
+            <a:pPr eaLnBrk="1" hangingPunct="1"/>
+            <a:r>
+              <a:rPr lang="zh-CN" altLang="en-US" sz="3400" b="1" smtClean="0"/>
+              <a:t>小结</a:t>
+            </a:r>
+            <a:endParaRPr lang="en-US" altLang="zh-CN" sz="3400" b="1" smtClean="0"/>
+          </a:p>
+          <a:p>
+            <a:pPr lvl="1" eaLnBrk="1" hangingPunct="1"/>
+            <a:r>
+              <a:rPr lang="zh-CN" altLang="en-US" b="1" smtClean="0"/>
+              <a:t>对循环的测试一方面是对测试过程进行静态检查，另一方面是通过控制循环边界来观察执行结果是否与预期输出保持一致</a:t>
+            </a:r>
+            <a:endParaRPr lang="en-US" altLang="zh-CN" b="1" smtClean="0"/>
+          </a:p>
+          <a:p>
+            <a:pPr lvl="1" eaLnBrk="1" hangingPunct="1"/>
+            <a:r>
+              <a:rPr lang="zh-CN" altLang="en-US" b="1" smtClean="0"/>
+              <a:t>对循环的测试重点在于观察循环过程是否符合设计，并不考虑循环体所涉及的相关变量所反映的结果有何实质含义，事实上，这也是所有白盒测试方法的局限所在</a:t>
+            </a:r>
+          </a:p>
+        </p:txBody>
+      </p:sp>
+    </p:spTree>
+  </p:cSld>
+  <p:clrMapOvr>
+    <a:masterClrMapping/>
+  </p:clrMapOvr>
+  <p:transition/>
+</p:sld>
+</file>
+
+<file path=ppt/slides/slide22.xml><?xml version="1.0" encoding="utf-8"?>
+<p:sld xmlns:a="http://schemas.openxmlformats.org/drawingml/2006/main" xmlns:r="http://schemas.openxmlformats.org/officeDocument/2006/relationships" xmlns:p="http://schemas.openxmlformats.org/presentationml/2006/main">
+  <p:cSld>
+    <p:spTree>
+      <p:nvGrpSpPr>
+        <p:cNvPr id="1" name=""/>
+        <p:cNvGrpSpPr/>
+        <p:nvPr/>
+      </p:nvGrpSpPr>
+      <p:grpSpPr>
+        <a:xfrm>
+          <a:off x="0" y="0"/>
+          <a:ext cx="0" cy="0"/>
+          <a:chOff x="0" y="0"/>
+          <a:chExt cx="0" cy="0"/>
+        </a:xfrm>
+      </p:grpSpPr>
+      <p:sp>
+        <p:nvSpPr>
+          <p:cNvPr id="116738" name="标题 1"/>
+          <p:cNvSpPr>
+            <a:spLocks noGrp="1"/>
+          </p:cNvSpPr>
+          <p:nvPr>
+            <p:ph type="title"/>
+          </p:nvPr>
+        </p:nvSpPr>
+        <p:spPr/>
+        <p:txBody>
+          <a:bodyPr/>
+          <a:lstStyle/>
+          <a:p>
+            <a:pPr algn="ctr"/>
+            <a:r>
+              <a:rPr lang="zh-CN" altLang="en-US" b="1" smtClean="0">
+                <a:latin typeface="黑体" pitchFamily="49" charset="-122"/>
+                <a:ea typeface="黑体" pitchFamily="49" charset="-122"/>
+              </a:rPr>
+              <a:t>谢 谢</a:t>
+            </a:r>
+          </a:p>
+        </p:txBody>
+      </p:sp>
+      <p:sp>
+        <p:nvSpPr>
+          <p:cNvPr id="116739" name="内容占位符 2"/>
+          <p:cNvSpPr>
+            <a:spLocks noGrp="1"/>
+          </p:cNvSpPr>
+          <p:nvPr>
+            <p:ph idx="1"/>
+          </p:nvPr>
+        </p:nvSpPr>
+        <p:spPr/>
+        <p:txBody>
+          <a:bodyPr/>
+          <a:lstStyle/>
+          <a:p>
+            <a:endParaRPr lang="zh-CN" altLang="en-US" smtClean="0"/>
+          </a:p>
+        </p:txBody>
+      </p:sp>
+      <p:sp>
+        <p:nvSpPr>
+          <p:cNvPr id="116740" name="灯片编号占位符 3"/>
+          <p:cNvSpPr>
+            <a:spLocks noGrp="1"/>
+          </p:cNvSpPr>
+          <p:nvPr>
+            <p:ph type="sldNum" sz="quarter" idx="12"/>
+          </p:nvPr>
+        </p:nvSpPr>
+        <p:spPr>
+          <a:noFill/>
+          <a:ln/>
+          <a:extLst>
+            <a:ext uri="{909E8E84-426E-40DD-AFC4-6F175D3DCCD1}">
+              <a14:hiddenFill xmlns:a14="http://schemas.microsoft.com/office/drawing/2010/main">
+                <a:solidFill>
+                  <a:srgbClr val="FFFFFF"/>
+                </a:solidFill>
+              </a14:hiddenFill>
+            </a:ext>
+            <a:ext uri="{91240B29-F687-4F45-9708-019B960494DF}">
+              <a14:hiddenLine xmlns:a14="http://schemas.microsoft.com/office/drawing/2010/main" w="9525">
+                <a:solidFill>
+                  <a:srgbClr val="000000"/>
+                </a:solidFill>
+                <a:miter lim="800000"/>
+                <a:headEnd/>
+                <a:tailEnd/>
+              </a14:hiddenLine>
+            </a:ext>
+          </a:extLst>
+        </p:spPr>
+        <p:txBody>
+          <a:bodyPr/>
+          <a:lstStyle>
+            <a:lvl1pPr eaLnBrk="0" hangingPunct="0">
+              <a:defRPr>
+                <a:solidFill>
+                  <a:schemeClr val="tx1"/>
+                </a:solidFill>
+                <a:latin typeface="Verdana" pitchFamily="34" charset="0"/>
                 <a:ea typeface="宋体" charset="-122"/>
               </a:defRPr>
             </a:lvl1pPr>
@@ -8924,7 +11079,7 @@
             <a:fld id="{F0F89058-6E73-47EC-9C9A-5D4E267332A9}" type="slidenum">
               <a:rPr lang="en-US" altLang="zh-CN" smtClean="0"/>
               <a:pPr eaLnBrk="1" hangingPunct="1"/>
-              <a:t>20</a:t>
+              <a:t>22</a:t>
             </a:fld>
             <a:endParaRPr lang="en-US" altLang="zh-CN" smtClean="0"/>
           </a:p>
@@ -9451,11 +11606,7 @@
             </a:r>
             <a:r>
               <a:rPr lang="zh-CN" altLang="en-US" sz="3100" b="1" dirty="0" smtClean="0"/>
-              <a:t>个</a:t>
-            </a:r>
-            <a:r>
-              <a:rPr lang="zh-CN" altLang="en-US" sz="3100" b="1" dirty="0" smtClean="0"/>
-              <a:t>循环节点循环过程的测试</a:t>
+              <a:t>个循环节点循环过程的测试</a:t>
             </a:r>
             <a:endParaRPr lang="en-US" altLang="zh-CN" sz="3100" b="1" dirty="0" smtClean="0"/>
           </a:p>
@@ -9735,7 +11886,7 @@
         </p:blipFill>
         <p:spPr bwMode="auto">
           <a:xfrm>
-            <a:off x="214313" y="2571750"/>
+            <a:off x="212680" y="2571749"/>
             <a:ext cx="8426450" cy="3286125"/>
           </a:xfrm>
           <a:prstGeom prst="rect">
@@ -10036,11 +12187,7 @@
             <a:pPr lvl="1" eaLnBrk="1" hangingPunct="1"/>
             <a:r>
               <a:rPr lang="zh-CN" altLang="en-US" sz="3100" b="1" dirty="0" smtClean="0"/>
-              <a:t>针对单个</a:t>
-            </a:r>
-            <a:r>
-              <a:rPr lang="zh-CN" altLang="en-US" sz="3100" b="1" dirty="0" smtClean="0"/>
-              <a:t>循环节点循环过程的测试</a:t>
+              <a:t>针对单个循环节点循环过程的测试</a:t>
             </a:r>
             <a:endParaRPr lang="en-US" altLang="zh-CN" sz="3100" b="1" dirty="0" smtClean="0"/>
           </a:p>
@@ -10260,21 +12407,7 @@
                 <a:latin typeface="黑体" pitchFamily="49" charset="-122"/>
                 <a:ea typeface="黑体" pitchFamily="49" charset="-122"/>
               </a:rPr>
-              <a:t>对</a:t>
-            </a:r>
-            <a:r>
-              <a:rPr lang="zh-CN" altLang="en-US" b="1" dirty="0" smtClean="0">
-                <a:latin typeface="黑体" pitchFamily="49" charset="-122"/>
-                <a:ea typeface="黑体" pitchFamily="49" charset="-122"/>
-              </a:rPr>
-              <a:t>循环的</a:t>
-            </a:r>
-            <a:r>
-              <a:rPr lang="zh-CN" altLang="en-US" b="1" dirty="0" smtClean="0">
-                <a:latin typeface="黑体" pitchFamily="49" charset="-122"/>
-                <a:ea typeface="黑体" pitchFamily="49" charset="-122"/>
-              </a:rPr>
-              <a:t>测试</a:t>
+              <a:t>对循环的测试</a:t>
             </a:r>
           </a:p>
         </p:txBody>
@@ -10601,11 +12734,7 @@
             <a:pPr lvl="1" eaLnBrk="1" hangingPunct="1"/>
             <a:r>
               <a:rPr lang="zh-CN" altLang="en-US" sz="3100" b="1" dirty="0" smtClean="0"/>
-              <a:t>针对单个</a:t>
-            </a:r>
-            <a:r>
-              <a:rPr lang="zh-CN" altLang="en-US" sz="3100" b="1" dirty="0" smtClean="0"/>
-              <a:t>循环节点循环过程的测试</a:t>
+              <a:t>针对单个循环节点循环过程的测试</a:t>
             </a:r>
             <a:endParaRPr lang="en-US" altLang="zh-CN" sz="3100" b="1" dirty="0" smtClean="0"/>
           </a:p>
@@ -10847,124 +12976,161 @@
           <a:p>
             <a:pPr eaLnBrk="1" hangingPunct="1"/>
             <a:r>
-              <a:rPr lang="zh-CN" altLang="en-US" sz="3400" b="1" smtClean="0"/>
+              <a:rPr lang="zh-CN" altLang="en-US" sz="3400" b="1" dirty="0" smtClean="0"/>
               <a:t>针对单个循环节点循环次数的测试</a:t>
             </a:r>
-            <a:endParaRPr lang="en-US" altLang="zh-CN" sz="3400" b="1" smtClean="0"/>
+            <a:endParaRPr lang="en-US" altLang="zh-CN" sz="3400" b="1" dirty="0" smtClean="0"/>
           </a:p>
           <a:p>
             <a:pPr lvl="1"/>
             <a:r>
-              <a:rPr lang="zh-CN" altLang="en-US" b="1" smtClean="0"/>
+              <a:rPr lang="zh-CN" altLang="en-US" b="1" dirty="0" smtClean="0"/>
               <a:t>循环</a:t>
             </a:r>
             <a:r>
-              <a:rPr lang="en-US" altLang="en-US" b="1" smtClean="0"/>
+              <a:rPr lang="en-US" altLang="en-US" b="1" dirty="0" smtClean="0"/>
               <a:t>0</a:t>
             </a:r>
             <a:r>
-              <a:rPr lang="zh-CN" altLang="en-US" b="1" smtClean="0"/>
+              <a:rPr lang="zh-CN" altLang="en-US" b="1" dirty="0" smtClean="0"/>
               <a:t>次</a:t>
             </a:r>
             <a:r>
-              <a:rPr lang="en-US" altLang="en-US" b="1" smtClean="0"/>
+              <a:rPr lang="en-US" altLang="en-US" b="1" dirty="0" smtClean="0"/>
               <a:t>(</a:t>
             </a:r>
             <a:r>
-              <a:rPr lang="zh-CN" altLang="en-US" b="1" smtClean="0"/>
+              <a:rPr lang="zh-CN" altLang="en-US" b="1" dirty="0" smtClean="0"/>
               <a:t>即不执行循环体</a:t>
             </a:r>
             <a:r>
-              <a:rPr lang="en-US" altLang="en-US" b="1" smtClean="0"/>
+              <a:rPr lang="en-US" altLang="en-US" b="1" dirty="0" smtClean="0"/>
               <a:t>)</a:t>
             </a:r>
             <a:r>
-              <a:rPr lang="zh-CN" altLang="en-US" b="1" smtClean="0"/>
+              <a:rPr lang="zh-CN" altLang="en-US" b="1" dirty="0" smtClean="0"/>
               <a:t>；</a:t>
             </a:r>
           </a:p>
           <a:p>
             <a:pPr lvl="1"/>
             <a:r>
-              <a:rPr lang="zh-CN" altLang="en-US" b="1" smtClean="0"/>
+              <a:rPr lang="zh-CN" altLang="en-US" b="1" dirty="0" smtClean="0"/>
               <a:t>循环</a:t>
             </a:r>
             <a:r>
-              <a:rPr lang="en-US" altLang="en-US" b="1" smtClean="0"/>
+              <a:rPr lang="en-US" altLang="en-US" b="1" dirty="0" smtClean="0"/>
               <a:t>1</a:t>
             </a:r>
             <a:r>
-              <a:rPr lang="zh-CN" altLang="en-US" b="1" smtClean="0"/>
+              <a:rPr lang="zh-CN" altLang="en-US" b="1" dirty="0" smtClean="0"/>
               <a:t>次；</a:t>
             </a:r>
           </a:p>
           <a:p>
             <a:pPr lvl="1"/>
             <a:r>
-              <a:rPr lang="zh-CN" altLang="en-US" b="1" smtClean="0"/>
+              <a:rPr lang="zh-CN" altLang="en-US" b="1" dirty="0" smtClean="0"/>
               <a:t>循环</a:t>
             </a:r>
             <a:r>
-              <a:rPr lang="en-US" altLang="en-US" b="1" smtClean="0"/>
+              <a:rPr lang="en-US" altLang="en-US" b="1" dirty="0" smtClean="0"/>
               <a:t>2</a:t>
             </a:r>
             <a:r>
-              <a:rPr lang="zh-CN" altLang="en-US" b="1" smtClean="0"/>
+              <a:rPr lang="zh-CN" altLang="en-US" b="1" dirty="0" smtClean="0"/>
               <a:t>次；</a:t>
             </a:r>
           </a:p>
           <a:p>
             <a:pPr lvl="1"/>
             <a:r>
-              <a:rPr lang="zh-CN" altLang="en-US" b="1" smtClean="0"/>
-              <a:t>循环正常次数</a:t>
-            </a:r>
-            <a:r>
-              <a:rPr lang="en-US" altLang="en-US" b="1" smtClean="0"/>
+              <a:rPr lang="zh-CN" altLang="en-US" b="1" dirty="0" smtClean="0"/>
+              <a:t>循环</a:t>
+            </a:r>
+            <a:r>
+              <a:rPr lang="en-US" altLang="zh-CN" b="1" dirty="0" smtClean="0"/>
+              <a:t>m</a:t>
+            </a:r>
+            <a:r>
+              <a:rPr lang="zh-CN" altLang="en-US" b="1" dirty="0" smtClean="0"/>
+              <a:t>次</a:t>
+            </a:r>
+            <a:r>
+              <a:rPr lang="en-US" altLang="zh-CN" b="1" dirty="0" smtClean="0"/>
+              <a:t>/</a:t>
+            </a:r>
+            <a:r>
+              <a:rPr lang="zh-CN" altLang="en-US" b="1" dirty="0" smtClean="0"/>
+              <a:t>正常次数</a:t>
+            </a:r>
+            <a:r>
+              <a:rPr lang="en-US" altLang="en-US" b="1" dirty="0" smtClean="0"/>
               <a:t>(</a:t>
             </a:r>
             <a:r>
-              <a:rPr lang="zh-CN" altLang="en-US" b="1" smtClean="0"/>
+              <a:rPr lang="zh-CN" altLang="en-US" b="1" dirty="0" smtClean="0"/>
               <a:t>通常为最大次数的一半</a:t>
             </a:r>
             <a:r>
-              <a:rPr lang="en-US" altLang="en-US" b="1" smtClean="0"/>
+              <a:rPr lang="en-US" altLang="en-US" b="1" dirty="0" smtClean="0"/>
               <a:t>)</a:t>
             </a:r>
             <a:r>
-              <a:rPr lang="zh-CN" altLang="en-US" b="1" smtClean="0"/>
+              <a:rPr lang="zh-CN" altLang="en-US" b="1" dirty="0" smtClean="0"/>
               <a:t>；</a:t>
             </a:r>
           </a:p>
           <a:p>
             <a:pPr lvl="1"/>
             <a:r>
-              <a:rPr lang="zh-CN" altLang="en-US" b="1" smtClean="0"/>
+              <a:rPr lang="zh-CN" altLang="en-US" b="1" dirty="0" smtClean="0"/>
               <a:t>循环</a:t>
             </a:r>
             <a:r>
-              <a:rPr lang="en-US" altLang="en-US" b="1" smtClean="0"/>
+              <a:rPr lang="en-US" altLang="en-US" b="1" dirty="0" smtClean="0"/>
               <a:t>n-1</a:t>
             </a:r>
             <a:r>
-              <a:rPr lang="zh-CN" altLang="en-US" b="1" smtClean="0"/>
+              <a:rPr lang="zh-CN" altLang="en-US" b="1" dirty="0" smtClean="0"/>
               <a:t>次；</a:t>
             </a:r>
           </a:p>
           <a:p>
             <a:pPr lvl="1"/>
             <a:r>
-              <a:rPr lang="zh-CN" altLang="en-US" b="1" smtClean="0"/>
+              <a:rPr lang="zh-CN" altLang="en-US" b="1" dirty="0" smtClean="0"/>
               <a:t>循环</a:t>
             </a:r>
             <a:r>
-              <a:rPr lang="en-US" altLang="en-US" b="1" smtClean="0"/>
+              <a:rPr lang="en-US" altLang="en-US" b="1" dirty="0" smtClean="0"/>
               <a:t>n</a:t>
             </a:r>
             <a:r>
-              <a:rPr lang="zh-CN" altLang="en-US" b="1" smtClean="0"/>
+              <a:rPr lang="zh-CN" altLang="en-US" b="1" dirty="0" smtClean="0"/>
               <a:t>次</a:t>
             </a:r>
+            <a:endParaRPr lang="en-US" altLang="zh-CN" b="1" dirty="0" smtClean="0"/>
+          </a:p>
+          <a:p>
+            <a:pPr lvl="1"/>
+            <a:r>
+              <a:rPr lang="zh-CN" altLang="en-US" b="1" dirty="0"/>
+              <a:t>循环</a:t>
+            </a:r>
+            <a:r>
+              <a:rPr lang="en-US" altLang="en-US" b="1" dirty="0" smtClean="0"/>
+              <a:t>n+1</a:t>
+            </a:r>
+            <a:r>
+              <a:rPr lang="zh-CN" altLang="en-US" b="1" dirty="0" smtClean="0"/>
+              <a:t>次</a:t>
+            </a:r>
+            <a:endParaRPr lang="en-US" altLang="zh-CN" b="1" dirty="0"/>
+          </a:p>
+          <a:p>
+            <a:pPr lvl="1"/>
+            <a:endParaRPr lang="zh-CN" altLang="en-US" b="1" dirty="0" smtClean="0"/>
           </a:p>
         </p:txBody>
       </p:sp>

--- a/PPT/第二部分 软件测试技术/5.5  白盒测试技术-对于循环的测试.pptx
+++ b/PPT/第二部分 软件测试技术/5.5  白盒测试技术-对于循环的测试.pptx
@@ -5,10 +5,10 @@
     <p:sldMasterId id="2147483776" r:id="rId1"/>
   </p:sldMasterIdLst>
   <p:notesMasterIdLst>
-    <p:notesMasterId r:id="rId24"/>
+    <p:notesMasterId r:id="rId23"/>
   </p:notesMasterIdLst>
   <p:handoutMasterIdLst>
-    <p:handoutMasterId r:id="rId25"/>
+    <p:handoutMasterId r:id="rId24"/>
   </p:handoutMasterIdLst>
   <p:sldIdLst>
     <p:sldId id="451" r:id="rId2"/>
@@ -30,9 +30,8 @@
     <p:sldId id="460" r:id="rId18"/>
     <p:sldId id="458" r:id="rId19"/>
     <p:sldId id="457" r:id="rId20"/>
-    <p:sldId id="459" r:id="rId21"/>
-    <p:sldId id="321" r:id="rId22"/>
-    <p:sldId id="316" r:id="rId23"/>
+    <p:sldId id="321" r:id="rId21"/>
+    <p:sldId id="316" r:id="rId22"/>
   </p:sldIdLst>
   <p:sldSz cx="9144000" cy="6858000" type="screen4x3"/>
   <p:notesSz cx="6858000" cy="9144000"/>
@@ -5085,6 +5084,13 @@
     <a:masterClrMapping/>
   </p:clrMapOvr>
   <p:transition/>
+  <p:timing>
+    <p:tnLst>
+      <p:par>
+        <p:cTn id="1" dur="indefinite" restart="never" nodeType="tmRoot"/>
+      </p:par>
+    </p:tnLst>
+  </p:timing>
 </p:sld>
 </file>
 
@@ -5441,6 +5447,13 @@
     <a:masterClrMapping/>
   </p:clrMapOvr>
   <p:transition/>
+  <p:timing>
+    <p:tnLst>
+      <p:par>
+        <p:cTn id="1" dur="indefinite" restart="never" nodeType="tmRoot"/>
+      </p:par>
+    </p:tnLst>
+  </p:timing>
 </p:sld>
 </file>
 
@@ -6213,7 +6226,7 @@
                     <a:bodyPr/>
                     <a:lstStyle/>
                     <a:p>
-                      <a:endParaRPr lang="zh-CN" altLang="en-US">
+                      <a:endParaRPr lang="zh-CN" altLang="en-US" dirty="0">
                         <a:solidFill>
                           <a:schemeClr val="tx1"/>
                         </a:solidFill>
@@ -7369,6 +7382,13 @@
     <a:masterClrMapping/>
   </p:clrMapOvr>
   <p:transition/>
+  <p:timing>
+    <p:tnLst>
+      <p:par>
+        <p:cTn id="1" dur="indefinite" restart="never" nodeType="tmRoot"/>
+      </p:par>
+    </p:tnLst>
+  </p:timing>
 </p:sld>
 </file>
 
@@ -7652,6 +7672,13 @@
     <a:masterClrMapping/>
   </p:clrMapOvr>
   <p:transition/>
+  <p:timing>
+    <p:tnLst>
+      <p:par>
+        <p:cTn id="1" dur="indefinite" restart="never" nodeType="tmRoot"/>
+      </p:par>
+    </p:tnLst>
+  </p:timing>
 </p:sld>
 </file>
 
@@ -7911,6 +7938,13 @@
     <a:masterClrMapping/>
   </p:clrMapOvr>
   <p:transition/>
+  <p:timing>
+    <p:tnLst>
+      <p:par>
+        <p:cTn id="1" dur="indefinite" restart="never" nodeType="tmRoot"/>
+      </p:par>
+    </p:tnLst>
+  </p:timing>
 </p:sld>
 </file>
 
@@ -8190,6 +8224,13 @@
     <a:masterClrMapping/>
   </p:clrMapOvr>
   <p:transition/>
+  <p:timing>
+    <p:tnLst>
+      <p:par>
+        <p:cTn id="1" dur="indefinite" restart="never" nodeType="tmRoot"/>
+      </p:par>
+    </p:tnLst>
+  </p:timing>
 </p:sld>
 </file>
 
@@ -8434,13 +8475,7 @@
               <a:rPr lang="zh-CN" altLang="en-US" sz="2600" b="1" dirty="0" smtClean="0">
                 <a:cs typeface="+mn-cs"/>
               </a:rPr>
-              <a:t>循环节点的</a:t>
-            </a:r>
-            <a:r>
-              <a:rPr lang="zh-CN" altLang="en-US" sz="2600" b="1" dirty="0" smtClean="0">
-                <a:cs typeface="+mn-cs"/>
-              </a:rPr>
-              <a:t>串联</a:t>
+              <a:t>循环节点的串联</a:t>
             </a:r>
             <a:endParaRPr lang="en-US" altLang="zh-CN" sz="2600" b="1" dirty="0" smtClean="0">
               <a:cs typeface="+mn-cs"/>
@@ -8485,6 +8520,13 @@
     <a:masterClrMapping/>
   </p:clrMapOvr>
   <p:transition/>
+  <p:timing>
+    <p:tnLst>
+      <p:par>
+        <p:cTn id="1" dur="indefinite" restart="never" nodeType="tmRoot"/>
+      </p:par>
+    </p:tnLst>
+  </p:timing>
 </p:sld>
 </file>
 
@@ -8729,19 +8771,7 @@
               <a:rPr lang="zh-CN" altLang="en-US" sz="2600" b="1" dirty="0" smtClean="0">
                 <a:cs typeface="+mn-cs"/>
               </a:rPr>
-              <a:t>循环</a:t>
-            </a:r>
-            <a:r>
-              <a:rPr lang="zh-CN" altLang="en-US" sz="2600" b="1" dirty="0" smtClean="0">
-                <a:cs typeface="+mn-cs"/>
-              </a:rPr>
-              <a:t>节点的</a:t>
-            </a:r>
-            <a:r>
-              <a:rPr lang="zh-CN" altLang="en-US" sz="2600" b="1" dirty="0" smtClean="0">
-                <a:cs typeface="+mn-cs"/>
-              </a:rPr>
-              <a:t>嵌套</a:t>
+              <a:t>循环节点的嵌套</a:t>
             </a:r>
             <a:endParaRPr lang="en-US" altLang="zh-CN" sz="2600" b="1" dirty="0" smtClean="0">
               <a:cs typeface="+mn-cs"/>
@@ -8757,7 +8787,19 @@
               <a:rPr lang="zh-CN" altLang="en-US" sz="2600" b="1" dirty="0" smtClean="0">
                 <a:cs typeface="+mn-cs"/>
               </a:rPr>
-              <a:t>对最内层循环按照简单循环的测试方法进行测试，把其他外层循环设置为最小值。</a:t>
+              <a:t>对最内层循环</a:t>
+            </a:r>
+            <a:r>
+              <a:rPr lang="zh-CN" altLang="en-US" sz="2600" b="1" dirty="0" smtClean="0">
+                <a:cs typeface="+mn-cs"/>
+              </a:rPr>
+              <a:t>按照单个循环</a:t>
+            </a:r>
+            <a:r>
+              <a:rPr lang="zh-CN" altLang="en-US" sz="2600" b="1" dirty="0" smtClean="0">
+                <a:cs typeface="+mn-cs"/>
+              </a:rPr>
+              <a:t>的测试方法进行测试，把其他外层循环设置为最小值。</a:t>
             </a:r>
             <a:endParaRPr lang="en-US" altLang="zh-CN" sz="2600" b="1" dirty="0" smtClean="0">
               <a:cs typeface="+mn-cs"/>
@@ -8812,82 +8854,6 @@
               <a:buNone/>
               <a:defRPr/>
             </a:pPr>
-            <a:r>
-              <a:rPr lang="zh-CN" altLang="en-US" sz="2600" b="1" dirty="0" smtClean="0">
-                <a:cs typeface="+mn-cs"/>
-              </a:rPr>
-              <a:t>考虑特殊组合：</a:t>
-            </a:r>
-            <a:endParaRPr lang="en-US" altLang="zh-CN" sz="2600" b="1" dirty="0" smtClean="0">
-              <a:cs typeface="+mn-cs"/>
-            </a:endParaRPr>
-          </a:p>
-          <a:p>
-            <a:pPr marL="1255713" lvl="3" indent="-469900" eaLnBrk="1" hangingPunct="1">
-              <a:defRPr/>
-            </a:pPr>
-            <a:r>
-              <a:rPr lang="zh-CN" altLang="en-US" sz="2200" b="1" dirty="0" smtClean="0">
-                <a:cs typeface="+mn-cs"/>
-              </a:rPr>
-              <a:t>内层最小循环次数，外层最小循环次数，计算的结果</a:t>
-            </a:r>
-            <a:endParaRPr lang="en-US" altLang="zh-CN" sz="2200" b="1" dirty="0" smtClean="0">
-              <a:cs typeface="+mn-cs"/>
-            </a:endParaRPr>
-          </a:p>
-          <a:p>
-            <a:pPr marL="1255713" lvl="3" indent="-469900" eaLnBrk="1" hangingPunct="1">
-              <a:defRPr/>
-            </a:pPr>
-            <a:r>
-              <a:rPr lang="zh-CN" altLang="en-US" sz="2200" b="1" dirty="0" smtClean="0">
-                <a:cs typeface="+mn-cs"/>
-              </a:rPr>
-              <a:t>内层最小循环次数，外层最大循环次数，计算的结果</a:t>
-            </a:r>
-            <a:endParaRPr lang="en-US" altLang="zh-CN" sz="2200" b="1" dirty="0" smtClean="0">
-              <a:cs typeface="+mn-cs"/>
-            </a:endParaRPr>
-          </a:p>
-          <a:p>
-            <a:pPr marL="1255713" lvl="3" indent="-469900" eaLnBrk="1" hangingPunct="1">
-              <a:defRPr/>
-            </a:pPr>
-            <a:r>
-              <a:rPr lang="zh-CN" altLang="en-US" sz="2200" b="1" dirty="0" smtClean="0">
-                <a:cs typeface="+mn-cs"/>
-              </a:rPr>
-              <a:t>内层最大循环次数，外层最小循环次数，计算的结果</a:t>
-            </a:r>
-            <a:endParaRPr lang="en-US" altLang="zh-CN" sz="2200" b="1" dirty="0" smtClean="0">
-              <a:cs typeface="+mn-cs"/>
-            </a:endParaRPr>
-          </a:p>
-          <a:p>
-            <a:pPr marL="1255713" lvl="3" indent="-469900" eaLnBrk="1" hangingPunct="1">
-              <a:defRPr/>
-            </a:pPr>
-            <a:r>
-              <a:rPr lang="zh-CN" altLang="en-US" sz="2200" b="1" dirty="0" smtClean="0">
-                <a:cs typeface="+mn-cs"/>
-              </a:rPr>
-              <a:t>内层最大循环次数，外层最大循环次数，计算的结果</a:t>
-            </a:r>
-            <a:endParaRPr lang="en-US" altLang="zh-CN" sz="2200" b="1" dirty="0" smtClean="0">
-              <a:cs typeface="+mn-cs"/>
-            </a:endParaRPr>
-          </a:p>
-          <a:p>
-            <a:pPr marL="866775" lvl="2" indent="-469900" eaLnBrk="1" hangingPunct="1">
-              <a:defRPr/>
-            </a:pPr>
-            <a:r>
-              <a:rPr lang="zh-CN" altLang="en-US" sz="2600" b="1" dirty="0" smtClean="0">
-                <a:cs typeface="+mn-cs"/>
-              </a:rPr>
-              <a:t>非结构化的循环</a:t>
-            </a:r>
             <a:endParaRPr lang="en-US" altLang="zh-CN" sz="2600" b="1" dirty="0" smtClean="0">
               <a:cs typeface="+mn-cs"/>
             </a:endParaRPr>
@@ -8905,6 +8871,13 @@
     <a:masterClrMapping/>
   </p:clrMapOvr>
   <p:transition/>
+  <p:timing>
+    <p:tnLst>
+      <p:par>
+        <p:cTn id="1" dur="indefinite" restart="never" nodeType="tmRoot"/>
+      </p:par>
+    </p:tnLst>
+  </p:timing>
 </p:sld>
 </file>
 
@@ -9149,19 +9122,7 @@
               <a:rPr lang="zh-CN" altLang="en-US" sz="2600" b="1" dirty="0" smtClean="0">
                 <a:cs typeface="+mn-cs"/>
               </a:rPr>
-              <a:t>循环</a:t>
-            </a:r>
-            <a:r>
-              <a:rPr lang="zh-CN" altLang="en-US" sz="2600" b="1" dirty="0" smtClean="0">
-                <a:cs typeface="+mn-cs"/>
-              </a:rPr>
-              <a:t>节点的</a:t>
-            </a:r>
-            <a:r>
-              <a:rPr lang="zh-CN" altLang="en-US" sz="2600" b="1" dirty="0" smtClean="0">
-                <a:cs typeface="+mn-cs"/>
-              </a:rPr>
-              <a:t>嵌套</a:t>
+              <a:t>循环节点的嵌套</a:t>
             </a:r>
             <a:endParaRPr lang="en-US" altLang="zh-CN" sz="2600" b="1" dirty="0" smtClean="0">
               <a:cs typeface="+mn-cs"/>
@@ -9246,13 +9207,7 @@
               <a:rPr lang="zh-CN" altLang="en-US" sz="2600" b="1" dirty="0" smtClean="0">
                 <a:cs typeface="+mn-cs"/>
               </a:rPr>
-              <a:t>非结构化的</a:t>
-            </a:r>
-            <a:r>
-              <a:rPr lang="zh-CN" altLang="en-US" sz="2600" b="1" dirty="0" smtClean="0">
-                <a:cs typeface="+mn-cs"/>
-              </a:rPr>
-              <a:t>循环</a:t>
+              <a:t>非结构化的循环</a:t>
             </a:r>
             <a:endParaRPr lang="en-US" altLang="zh-CN" sz="2600" b="1" dirty="0" smtClean="0">
               <a:cs typeface="+mn-cs"/>
@@ -9305,6 +9260,13 @@
     <a:masterClrMapping/>
   </p:clrMapOvr>
   <p:transition/>
+  <p:timing>
+    <p:tnLst>
+      <p:par>
+        <p:cTn id="1" dur="indefinite" restart="never" nodeType="tmRoot"/>
+      </p:par>
+    </p:tnLst>
+  </p:timing>
 </p:sld>
 </file>
 
@@ -9589,6 +9551,13 @@
     <a:masterClrMapping/>
   </p:clrMapOvr>
   <p:transition/>
+  <p:timing>
+    <p:tnLst>
+      <p:par>
+        <p:cTn id="1" dur="indefinite" restart="never" nodeType="tmRoot"/>
+      </p:par>
+    </p:tnLst>
+  </p:timing>
 </p:sld>
 </file>
 
@@ -9853,6 +9822,13 @@
     <a:masterClrMapping/>
   </p:clrMapOvr>
   <p:transition/>
+  <p:timing>
+    <p:tnLst>
+      <p:par>
+        <p:cTn id="1" dur="indefinite" restart="never" nodeType="tmRoot"/>
+      </p:par>
+    </p:tnLst>
+  </p:timing>
 </p:sld>
 </file>
 
@@ -10102,6 +10078,13 @@
     <a:masterClrMapping/>
   </p:clrMapOvr>
   <p:transition/>
+  <p:timing>
+    <p:tnLst>
+      <p:par>
+        <p:cTn id="1" dur="indefinite" restart="never" nodeType="tmRoot"/>
+      </p:par>
+    </p:tnLst>
+  </p:timing>
 </p:sld>
 </file>
 
@@ -10124,7 +10107,7 @@
       </p:grpSpPr>
       <p:sp>
         <p:nvSpPr>
-          <p:cNvPr id="119810" name="灯片编号占位符 5"/>
+          <p:cNvPr id="88066" name="灯片编号占位符 5"/>
           <p:cNvSpPr>
             <a:spLocks noGrp="1"/>
           </p:cNvSpPr>
@@ -10164,7 +10147,7 @@
                   <a:schemeClr val="tx1"/>
                 </a:solidFill>
                 <a:latin typeface="Verdana" pitchFamily="34" charset="0"/>
-                <a:ea typeface="宋体" pitchFamily="2" charset="-122"/>
+                <a:ea typeface="宋体" charset="-122"/>
               </a:defRPr>
             </a:lvl1pPr>
             <a:lvl2pPr marL="742950" indent="-285750" eaLnBrk="0" hangingPunct="0">
@@ -10173,7 +10156,7 @@
                   <a:schemeClr val="tx1"/>
                 </a:solidFill>
                 <a:latin typeface="Verdana" pitchFamily="34" charset="0"/>
-                <a:ea typeface="宋体" pitchFamily="2" charset="-122"/>
+                <a:ea typeface="宋体" charset="-122"/>
               </a:defRPr>
             </a:lvl2pPr>
             <a:lvl3pPr marL="1143000" indent="-228600" eaLnBrk="0" hangingPunct="0">
@@ -10182,7 +10165,7 @@
                   <a:schemeClr val="tx1"/>
                 </a:solidFill>
                 <a:latin typeface="Verdana" pitchFamily="34" charset="0"/>
-                <a:ea typeface="宋体" pitchFamily="2" charset="-122"/>
+                <a:ea typeface="宋体" charset="-122"/>
               </a:defRPr>
             </a:lvl3pPr>
             <a:lvl4pPr marL="1600200" indent="-228600" eaLnBrk="0" hangingPunct="0">
@@ -10191,7 +10174,7 @@
                   <a:schemeClr val="tx1"/>
                 </a:solidFill>
                 <a:latin typeface="Verdana" pitchFamily="34" charset="0"/>
-                <a:ea typeface="宋体" pitchFamily="2" charset="-122"/>
+                <a:ea typeface="宋体" charset="-122"/>
               </a:defRPr>
             </a:lvl4pPr>
             <a:lvl5pPr marL="2057400" indent="-228600" eaLnBrk="0" hangingPunct="0">
@@ -10200,7 +10183,7 @@
                   <a:schemeClr val="tx1"/>
                 </a:solidFill>
                 <a:latin typeface="Verdana" pitchFamily="34" charset="0"/>
-                <a:ea typeface="宋体" pitchFamily="2" charset="-122"/>
+                <a:ea typeface="宋体" charset="-122"/>
               </a:defRPr>
             </a:lvl5pPr>
             <a:lvl6pPr marL="2514600" indent="-228600" eaLnBrk="0" fontAlgn="base" hangingPunct="0">
@@ -10215,7 +10198,7 @@
                   <a:schemeClr val="tx1"/>
                 </a:solidFill>
                 <a:latin typeface="Verdana" pitchFamily="34" charset="0"/>
-                <a:ea typeface="宋体" pitchFamily="2" charset="-122"/>
+                <a:ea typeface="宋体" charset="-122"/>
               </a:defRPr>
             </a:lvl6pPr>
             <a:lvl7pPr marL="2971800" indent="-228600" eaLnBrk="0" fontAlgn="base" hangingPunct="0">
@@ -10230,7 +10213,7 @@
                   <a:schemeClr val="tx1"/>
                 </a:solidFill>
                 <a:latin typeface="Verdana" pitchFamily="34" charset="0"/>
-                <a:ea typeface="宋体" pitchFamily="2" charset="-122"/>
+                <a:ea typeface="宋体" charset="-122"/>
               </a:defRPr>
             </a:lvl7pPr>
             <a:lvl8pPr marL="3429000" indent="-228600" eaLnBrk="0" fontAlgn="base" hangingPunct="0">
@@ -10245,7 +10228,7 @@
                   <a:schemeClr val="tx1"/>
                 </a:solidFill>
                 <a:latin typeface="Verdana" pitchFamily="34" charset="0"/>
-                <a:ea typeface="宋体" pitchFamily="2" charset="-122"/>
+                <a:ea typeface="宋体" charset="-122"/>
               </a:defRPr>
             </a:lvl8pPr>
             <a:lvl9pPr marL="3886200" indent="-228600" eaLnBrk="0" fontAlgn="base" hangingPunct="0">
@@ -10260,13 +10243,13 @@
                   <a:schemeClr val="tx1"/>
                 </a:solidFill>
                 <a:latin typeface="Verdana" pitchFamily="34" charset="0"/>
-                <a:ea typeface="宋体" pitchFamily="2" charset="-122"/>
+                <a:ea typeface="宋体" charset="-122"/>
               </a:defRPr>
             </a:lvl9pPr>
           </a:lstStyle>
           <a:p>
             <a:pPr eaLnBrk="1" hangingPunct="1"/>
-            <a:fld id="{3109F4AC-FD7D-43C2-A2A1-FAF0D8B37D1E}" type="slidenum">
+            <a:fld id="{CDAABEC3-E9CE-40D2-B479-EE09F47B572A}" type="slidenum">
               <a:rPr lang="en-US" altLang="zh-CN" smtClean="0"/>
               <a:pPr eaLnBrk="1" hangingPunct="1"/>
               <a:t>20</a:t>
@@ -10277,7 +10260,7 @@
       </p:sp>
       <p:sp>
         <p:nvSpPr>
-          <p:cNvPr id="119811" name="Rectangle 2"/>
+          <p:cNvPr id="88067" name="Rectangle 2"/>
           <p:cNvSpPr>
             <a:spLocks noGrp="1" noChangeArrowheads="1"/>
           </p:cNvSpPr>
@@ -10293,15 +10276,15 @@
             <a:pPr eaLnBrk="1" hangingPunct="1"/>
             <a:r>
               <a:rPr lang="en-US" altLang="zh-CN" b="1" smtClean="0">
-                <a:latin typeface="黑体" pitchFamily="2" charset="-122"/>
-                <a:ea typeface="黑体" pitchFamily="2" charset="-122"/>
+                <a:latin typeface="黑体" pitchFamily="49" charset="-122"/>
+                <a:ea typeface="黑体" pitchFamily="49" charset="-122"/>
               </a:rPr>
               <a:t>5.5 </a:t>
             </a:r>
             <a:r>
               <a:rPr lang="zh-CN" altLang="en-US" b="1" smtClean="0">
-                <a:latin typeface="黑体" pitchFamily="2" charset="-122"/>
-                <a:ea typeface="黑体" pitchFamily="2" charset="-122"/>
+                <a:latin typeface="黑体" pitchFamily="49" charset="-122"/>
+                <a:ea typeface="黑体" pitchFamily="49" charset="-122"/>
               </a:rPr>
               <a:t>对循环的测试</a:t>
             </a:r>
@@ -10310,7 +10293,7 @@
       </p:sp>
       <p:sp>
         <p:nvSpPr>
-          <p:cNvPr id="34820" name="Rectangle 3"/>
+          <p:cNvPr id="88068" name="Rectangle 3"/>
           <p:cNvSpPr>
             <a:spLocks noGrp="1" noChangeArrowheads="1"/>
           </p:cNvSpPr>
@@ -10323,299 +10306,43 @@
           <a:bodyPr/>
           <a:lstStyle/>
           <a:p>
-            <a:pPr marL="469900" lvl="1" indent="-469900" eaLnBrk="1" hangingPunct="1">
-              <a:buFont typeface="Wingdings" pitchFamily="2" charset="2"/>
-              <a:buChar char="o"/>
-              <a:defRPr/>
-            </a:pPr>
-            <a:r>
-              <a:rPr lang="zh-CN" altLang="en-US" sz="3400" b="1" dirty="0" smtClean="0">
-                <a:cs typeface="+mn-cs"/>
-              </a:rPr>
-              <a:t>针对多个循环结构的测试</a:t>
-            </a:r>
-            <a:endParaRPr lang="en-US" altLang="zh-CN" sz="3400" b="1" dirty="0" smtClean="0">
-              <a:cs typeface="+mn-cs"/>
-            </a:endParaRPr>
-          </a:p>
-          <a:p>
-            <a:pPr marL="866775" lvl="2" indent="-469900" eaLnBrk="1" hangingPunct="1">
-              <a:defRPr/>
-            </a:pPr>
-            <a:r>
-              <a:rPr lang="zh-CN" altLang="en-US" sz="2600" b="1" dirty="0" smtClean="0">
-                <a:cs typeface="+mn-cs"/>
-              </a:rPr>
-              <a:t>循环节点的串联</a:t>
-            </a:r>
-            <a:endParaRPr lang="en-US" altLang="zh-CN" sz="2600" b="1" dirty="0" smtClean="0">
-              <a:cs typeface="+mn-cs"/>
-            </a:endParaRPr>
-          </a:p>
-          <a:p>
-            <a:pPr marL="866775" lvl="2" indent="-469900" eaLnBrk="1" hangingPunct="1">
-              <a:defRPr/>
-            </a:pPr>
-            <a:r>
-              <a:rPr lang="zh-CN" altLang="en-US" sz="2600" b="1" dirty="0" smtClean="0">
-                <a:cs typeface="+mn-cs"/>
-              </a:rPr>
-              <a:t>循环节点的嵌套</a:t>
-            </a:r>
-            <a:endParaRPr lang="en-US" altLang="zh-CN" sz="2600" b="1" dirty="0" smtClean="0">
-              <a:cs typeface="+mn-cs"/>
-            </a:endParaRPr>
-          </a:p>
-          <a:p>
-            <a:pPr marL="1255713" lvl="3" indent="-469900" eaLnBrk="1" hangingPunct="1">
-              <a:defRPr/>
-            </a:pPr>
-            <a:r>
-              <a:rPr lang="zh-CN" altLang="en-US" sz="2200" b="1" dirty="0" smtClean="0">
-                <a:cs typeface="+mn-cs"/>
-              </a:rPr>
-              <a:t>内层最小循环次数，外层最小循环次数，计算的结果</a:t>
-            </a:r>
-            <a:endParaRPr lang="en-US" altLang="zh-CN" sz="2200" b="1" dirty="0" smtClean="0">
-              <a:cs typeface="+mn-cs"/>
-            </a:endParaRPr>
-          </a:p>
-          <a:p>
-            <a:pPr marL="1255713" lvl="3" indent="-469900" eaLnBrk="1" hangingPunct="1">
-              <a:defRPr/>
-            </a:pPr>
-            <a:r>
-              <a:rPr lang="zh-CN" altLang="en-US" sz="2200" b="1" dirty="0" smtClean="0">
-                <a:cs typeface="+mn-cs"/>
-              </a:rPr>
-              <a:t>内层最小循环次数，外层最大循环次数，计算的结果</a:t>
-            </a:r>
-            <a:endParaRPr lang="en-US" altLang="zh-CN" sz="2200" b="1" dirty="0" smtClean="0">
-              <a:cs typeface="+mn-cs"/>
-            </a:endParaRPr>
-          </a:p>
-          <a:p>
-            <a:pPr marL="1255713" lvl="3" indent="-469900" eaLnBrk="1" hangingPunct="1">
-              <a:defRPr/>
-            </a:pPr>
-            <a:r>
-              <a:rPr lang="zh-CN" altLang="en-US" sz="2200" b="1" dirty="0" smtClean="0">
-                <a:cs typeface="+mn-cs"/>
-              </a:rPr>
-              <a:t>内层最大循环次数，外层最小循环次数，计算的结果</a:t>
-            </a:r>
-            <a:endParaRPr lang="en-US" altLang="zh-CN" sz="2200" b="1" dirty="0" smtClean="0">
-              <a:cs typeface="+mn-cs"/>
-            </a:endParaRPr>
-          </a:p>
-          <a:p>
-            <a:pPr marL="1255713" lvl="3" indent="-469900" eaLnBrk="1" hangingPunct="1">
-              <a:defRPr/>
-            </a:pPr>
-            <a:r>
-              <a:rPr lang="zh-CN" altLang="en-US" sz="2200" b="1" dirty="0" smtClean="0">
-                <a:cs typeface="+mn-cs"/>
-              </a:rPr>
-              <a:t>内层最大循环次数，外层最大循环次数，计算的结果</a:t>
-            </a:r>
-            <a:endParaRPr lang="en-US" altLang="zh-CN" sz="2200" b="1" dirty="0" smtClean="0">
-              <a:cs typeface="+mn-cs"/>
-            </a:endParaRPr>
-          </a:p>
-          <a:p>
-            <a:pPr marL="866775" lvl="2" indent="-469900" eaLnBrk="1" hangingPunct="1">
-              <a:defRPr/>
-            </a:pPr>
-            <a:r>
-              <a:rPr lang="zh-CN" altLang="en-US" sz="2600" b="1" dirty="0" smtClean="0">
-                <a:cs typeface="+mn-cs"/>
-              </a:rPr>
-              <a:t>非结构化的循环</a:t>
-            </a:r>
-            <a:endParaRPr lang="en-US" altLang="zh-CN" sz="2600" b="1" dirty="0" smtClean="0">
-              <a:cs typeface="+mn-cs"/>
-            </a:endParaRPr>
-          </a:p>
-        </p:txBody>
-      </p:sp>
-      <p:sp>
-        <p:nvSpPr>
-          <p:cNvPr id="119813" name="Text Box 4"/>
-          <p:cNvSpPr txBox="1">
-            <a:spLocks noChangeArrowheads="1"/>
-          </p:cNvSpPr>
-          <p:nvPr/>
-        </p:nvSpPr>
-        <p:spPr bwMode="auto">
-          <a:xfrm>
-            <a:off x="0" y="0"/>
-            <a:ext cx="2592388" cy="366713"/>
-          </a:xfrm>
-          <a:prstGeom prst="rect">
-            <a:avLst/>
-          </a:prstGeom>
-          <a:noFill/>
-          <a:ln>
-            <a:noFill/>
-          </a:ln>
-          <a:extLst>
-            <a:ext uri="{909E8E84-426E-40DD-AFC4-6F175D3DCCD1}">
-              <a14:hiddenFill xmlns:a14="http://schemas.microsoft.com/office/drawing/2010/main">
-                <a:solidFill>
-                  <a:srgbClr val="FFFFFF"/>
-                </a:solidFill>
-              </a14:hiddenFill>
-            </a:ext>
-            <a:ext uri="{91240B29-F687-4F45-9708-019B960494DF}">
-              <a14:hiddenLine xmlns:a14="http://schemas.microsoft.com/office/drawing/2010/main" w="9525">
-                <a:solidFill>
-                  <a:srgbClr val="000000"/>
-                </a:solidFill>
-                <a:miter lim="800000"/>
-                <a:headEnd/>
-                <a:tailEnd/>
-              </a14:hiddenLine>
-            </a:ext>
-          </a:extLst>
-        </p:spPr>
-        <p:txBody>
-          <a:bodyPr>
-            <a:spAutoFit/>
-          </a:bodyPr>
-          <a:lstStyle>
-            <a:lvl1pPr eaLnBrk="0" hangingPunct="0">
-              <a:defRPr>
-                <a:solidFill>
-                  <a:schemeClr val="tx1"/>
-                </a:solidFill>
-                <a:latin typeface="Verdana" pitchFamily="34" charset="0"/>
-                <a:ea typeface="宋体" pitchFamily="2" charset="-122"/>
-              </a:defRPr>
-            </a:lvl1pPr>
-            <a:lvl2pPr marL="742950" indent="-285750" eaLnBrk="0" hangingPunct="0">
-              <a:defRPr>
-                <a:solidFill>
-                  <a:schemeClr val="tx1"/>
-                </a:solidFill>
-                <a:latin typeface="Verdana" pitchFamily="34" charset="0"/>
-                <a:ea typeface="宋体" pitchFamily="2" charset="-122"/>
-              </a:defRPr>
-            </a:lvl2pPr>
-            <a:lvl3pPr marL="1143000" indent="-228600" eaLnBrk="0" hangingPunct="0">
-              <a:defRPr>
-                <a:solidFill>
-                  <a:schemeClr val="tx1"/>
-                </a:solidFill>
-                <a:latin typeface="Verdana" pitchFamily="34" charset="0"/>
-                <a:ea typeface="宋体" pitchFamily="2" charset="-122"/>
-              </a:defRPr>
-            </a:lvl3pPr>
-            <a:lvl4pPr marL="1600200" indent="-228600" eaLnBrk="0" hangingPunct="0">
-              <a:defRPr>
-                <a:solidFill>
-                  <a:schemeClr val="tx1"/>
-                </a:solidFill>
-                <a:latin typeface="Verdana" pitchFamily="34" charset="0"/>
-                <a:ea typeface="宋体" pitchFamily="2" charset="-122"/>
-              </a:defRPr>
-            </a:lvl4pPr>
-            <a:lvl5pPr marL="2057400" indent="-228600" eaLnBrk="0" hangingPunct="0">
-              <a:defRPr>
-                <a:solidFill>
-                  <a:schemeClr val="tx1"/>
-                </a:solidFill>
-                <a:latin typeface="Verdana" pitchFamily="34" charset="0"/>
-                <a:ea typeface="宋体" pitchFamily="2" charset="-122"/>
-              </a:defRPr>
-            </a:lvl5pPr>
-            <a:lvl6pPr marL="2514600" indent="-228600" eaLnBrk="0" fontAlgn="base" hangingPunct="0">
-              <a:spcBef>
-                <a:spcPct val="0"/>
-              </a:spcBef>
-              <a:spcAft>
-                <a:spcPct val="0"/>
-              </a:spcAft>
-              <a:defRPr>
-                <a:solidFill>
-                  <a:schemeClr val="tx1"/>
-                </a:solidFill>
-                <a:latin typeface="Verdana" pitchFamily="34" charset="0"/>
-                <a:ea typeface="宋体" pitchFamily="2" charset="-122"/>
-              </a:defRPr>
-            </a:lvl6pPr>
-            <a:lvl7pPr marL="2971800" indent="-228600" eaLnBrk="0" fontAlgn="base" hangingPunct="0">
-              <a:spcBef>
-                <a:spcPct val="0"/>
-              </a:spcBef>
-              <a:spcAft>
-                <a:spcPct val="0"/>
-              </a:spcAft>
-              <a:defRPr>
-                <a:solidFill>
-                  <a:schemeClr val="tx1"/>
-                </a:solidFill>
-                <a:latin typeface="Verdana" pitchFamily="34" charset="0"/>
-                <a:ea typeface="宋体" pitchFamily="2" charset="-122"/>
-              </a:defRPr>
-            </a:lvl7pPr>
-            <a:lvl8pPr marL="3429000" indent="-228600" eaLnBrk="0" fontAlgn="base" hangingPunct="0">
-              <a:spcBef>
-                <a:spcPct val="0"/>
-              </a:spcBef>
-              <a:spcAft>
-                <a:spcPct val="0"/>
-              </a:spcAft>
-              <a:defRPr>
-                <a:solidFill>
-                  <a:schemeClr val="tx1"/>
-                </a:solidFill>
-                <a:latin typeface="Verdana" pitchFamily="34" charset="0"/>
-                <a:ea typeface="宋体" pitchFamily="2" charset="-122"/>
-              </a:defRPr>
-            </a:lvl8pPr>
-            <a:lvl9pPr marL="3886200" indent="-228600" eaLnBrk="0" fontAlgn="base" hangingPunct="0">
-              <a:spcBef>
-                <a:spcPct val="0"/>
-              </a:spcBef>
-              <a:spcAft>
-                <a:spcPct val="0"/>
-              </a:spcAft>
-              <a:defRPr>
-                <a:solidFill>
-                  <a:schemeClr val="tx1"/>
-                </a:solidFill>
-                <a:latin typeface="Verdana" pitchFamily="34" charset="0"/>
-                <a:ea typeface="宋体" pitchFamily="2" charset="-122"/>
-              </a:defRPr>
-            </a:lvl9pPr>
-          </a:lstStyle>
-          <a:p>
-            <a:pPr eaLnBrk="1" hangingPunct="1">
-              <a:spcBef>
-                <a:spcPct val="50000"/>
-              </a:spcBef>
-            </a:pPr>
-            <a:r>
-              <a:rPr lang="zh-CN" altLang="en-US" b="1">
-                <a:latin typeface="Arial" charset="0"/>
-                <a:ea typeface="华文隶书" pitchFamily="2" charset="-122"/>
-              </a:rPr>
-              <a:t>华中科技大学软件学院</a:t>
+            <a:pPr eaLnBrk="1" hangingPunct="1"/>
+            <a:r>
+              <a:rPr lang="zh-CN" altLang="en-US" sz="3400" b="1" smtClean="0"/>
+              <a:t>小结</a:t>
+            </a:r>
+            <a:endParaRPr lang="en-US" altLang="zh-CN" sz="3400" b="1" smtClean="0"/>
+          </a:p>
+          <a:p>
+            <a:pPr lvl="1" eaLnBrk="1" hangingPunct="1"/>
+            <a:r>
+              <a:rPr lang="zh-CN" altLang="en-US" b="1" smtClean="0"/>
+              <a:t>对循环的测试一方面是对测试过程进行静态检查，另一方面是通过控制循环边界来观察执行结果是否与预期输出保持一致</a:t>
+            </a:r>
+            <a:endParaRPr lang="en-US" altLang="zh-CN" b="1" smtClean="0"/>
+          </a:p>
+          <a:p>
+            <a:pPr lvl="1" eaLnBrk="1" hangingPunct="1"/>
+            <a:r>
+              <a:rPr lang="zh-CN" altLang="en-US" b="1" smtClean="0"/>
+              <a:t>对循环的测试重点在于观察循环过程是否符合设计，并不考虑循环体所涉及的相关变量所反映的结果有何实质含义，事实上，这也是所有白盒测试方法的局限所在</a:t>
             </a:r>
           </a:p>
         </p:txBody>
       </p:sp>
     </p:spTree>
-    <p:extLst>
-      <p:ext uri="{BB962C8B-B14F-4D97-AF65-F5344CB8AC3E}">
-        <p14:creationId xmlns:p14="http://schemas.microsoft.com/office/powerpoint/2010/main" val="434363770"/>
-      </p:ext>
-    </p:extLst>
   </p:cSld>
   <p:clrMapOvr>
     <a:masterClrMapping/>
   </p:clrMapOvr>
   <p:transition/>
+  <p:timing>
+    <p:tnLst>
+      <p:par>
+        <p:cTn id="1" dur="indefinite" restart="never" nodeType="tmRoot"/>
+      </p:par>
+    </p:tnLst>
+  </p:timing>
 </p:sld>
 </file>
 
@@ -10638,7 +10365,52 @@
       </p:grpSpPr>
       <p:sp>
         <p:nvSpPr>
-          <p:cNvPr id="88066" name="灯片编号占位符 5"/>
+          <p:cNvPr id="116738" name="标题 1"/>
+          <p:cNvSpPr>
+            <a:spLocks noGrp="1"/>
+          </p:cNvSpPr>
+          <p:nvPr>
+            <p:ph type="title"/>
+          </p:nvPr>
+        </p:nvSpPr>
+        <p:spPr/>
+        <p:txBody>
+          <a:bodyPr/>
+          <a:lstStyle/>
+          <a:p>
+            <a:pPr algn="ctr"/>
+            <a:r>
+              <a:rPr lang="zh-CN" altLang="en-US" b="1" smtClean="0">
+                <a:latin typeface="黑体" pitchFamily="49" charset="-122"/>
+                <a:ea typeface="黑体" pitchFamily="49" charset="-122"/>
+              </a:rPr>
+              <a:t>谢 谢</a:t>
+            </a:r>
+          </a:p>
+        </p:txBody>
+      </p:sp>
+      <p:sp>
+        <p:nvSpPr>
+          <p:cNvPr id="116739" name="内容占位符 2"/>
+          <p:cNvSpPr>
+            <a:spLocks noGrp="1"/>
+          </p:cNvSpPr>
+          <p:nvPr>
+            <p:ph idx="1"/>
+          </p:nvPr>
+        </p:nvSpPr>
+        <p:spPr/>
+        <p:txBody>
+          <a:bodyPr/>
+          <a:lstStyle/>
+          <a:p>
+            <a:endParaRPr lang="zh-CN" altLang="en-US" smtClean="0"/>
+          </a:p>
+        </p:txBody>
+      </p:sp>
+      <p:sp>
+        <p:nvSpPr>
+          <p:cNvPr id="116740" name="灯片编号占位符 3"/>
           <p:cNvSpPr>
             <a:spLocks noGrp="1"/>
           </p:cNvSpPr>
@@ -10780,84 +10552,12 @@
           </a:lstStyle>
           <a:p>
             <a:pPr eaLnBrk="1" hangingPunct="1"/>
-            <a:fld id="{CDAABEC3-E9CE-40D2-B479-EE09F47B572A}" type="slidenum">
+            <a:fld id="{F0F89058-6E73-47EC-9C9A-5D4E267332A9}" type="slidenum">
               <a:rPr lang="en-US" altLang="zh-CN" smtClean="0"/>
               <a:pPr eaLnBrk="1" hangingPunct="1"/>
               <a:t>21</a:t>
             </a:fld>
             <a:endParaRPr lang="en-US" altLang="zh-CN" smtClean="0"/>
-          </a:p>
-        </p:txBody>
-      </p:sp>
-      <p:sp>
-        <p:nvSpPr>
-          <p:cNvPr id="88067" name="Rectangle 2"/>
-          <p:cNvSpPr>
-            <a:spLocks noGrp="1" noChangeArrowheads="1"/>
-          </p:cNvSpPr>
-          <p:nvPr>
-            <p:ph type="title"/>
-          </p:nvPr>
-        </p:nvSpPr>
-        <p:spPr/>
-        <p:txBody>
-          <a:bodyPr/>
-          <a:lstStyle/>
-          <a:p>
-            <a:pPr eaLnBrk="1" hangingPunct="1"/>
-            <a:r>
-              <a:rPr lang="en-US" altLang="zh-CN" b="1" smtClean="0">
-                <a:latin typeface="黑体" pitchFamily="49" charset="-122"/>
-                <a:ea typeface="黑体" pitchFamily="49" charset="-122"/>
-              </a:rPr>
-              <a:t>5.5 </a:t>
-            </a:r>
-            <a:r>
-              <a:rPr lang="zh-CN" altLang="en-US" b="1" smtClean="0">
-                <a:latin typeface="黑体" pitchFamily="49" charset="-122"/>
-                <a:ea typeface="黑体" pitchFamily="49" charset="-122"/>
-              </a:rPr>
-              <a:t>对循环的测试</a:t>
-            </a:r>
-          </a:p>
-        </p:txBody>
-      </p:sp>
-      <p:sp>
-        <p:nvSpPr>
-          <p:cNvPr id="88068" name="Rectangle 3"/>
-          <p:cNvSpPr>
-            <a:spLocks noGrp="1" noChangeArrowheads="1"/>
-          </p:cNvSpPr>
-          <p:nvPr>
-            <p:ph type="body" idx="1"/>
-          </p:nvPr>
-        </p:nvSpPr>
-        <p:spPr/>
-        <p:txBody>
-          <a:bodyPr/>
-          <a:lstStyle/>
-          <a:p>
-            <a:pPr eaLnBrk="1" hangingPunct="1"/>
-            <a:r>
-              <a:rPr lang="zh-CN" altLang="en-US" sz="3400" b="1" smtClean="0"/>
-              <a:t>小结</a:t>
-            </a:r>
-            <a:endParaRPr lang="en-US" altLang="zh-CN" sz="3400" b="1" smtClean="0"/>
-          </a:p>
-          <a:p>
-            <a:pPr lvl="1" eaLnBrk="1" hangingPunct="1"/>
-            <a:r>
-              <a:rPr lang="zh-CN" altLang="en-US" b="1" smtClean="0"/>
-              <a:t>对循环的测试一方面是对测试过程进行静态检查，另一方面是通过控制循环边界来观察执行结果是否与预期输出保持一致</a:t>
-            </a:r>
-            <a:endParaRPr lang="en-US" altLang="zh-CN" b="1" smtClean="0"/>
-          </a:p>
-          <a:p>
-            <a:pPr lvl="1" eaLnBrk="1" hangingPunct="1"/>
-            <a:r>
-              <a:rPr lang="zh-CN" altLang="en-US" b="1" smtClean="0"/>
-              <a:t>对循环的测试重点在于观察循环过程是否符合设计，并不考虑循环体所涉及的相关变量所反映的结果有何实质含义，事实上，这也是所有白盒测试方法的局限所在</a:t>
-            </a:r>
           </a:p>
         </p:txBody>
       </p:sp>
@@ -10867,230 +10567,13 @@
     <a:masterClrMapping/>
   </p:clrMapOvr>
   <p:transition/>
-</p:sld>
-</file>
-
-<file path=ppt/slides/slide22.xml><?xml version="1.0" encoding="utf-8"?>
-<p:sld xmlns:a="http://schemas.openxmlformats.org/drawingml/2006/main" xmlns:r="http://schemas.openxmlformats.org/officeDocument/2006/relationships" xmlns:p="http://schemas.openxmlformats.org/presentationml/2006/main">
-  <p:cSld>
-    <p:spTree>
-      <p:nvGrpSpPr>
-        <p:cNvPr id="1" name=""/>
-        <p:cNvGrpSpPr/>
-        <p:nvPr/>
-      </p:nvGrpSpPr>
-      <p:grpSpPr>
-        <a:xfrm>
-          <a:off x="0" y="0"/>
-          <a:ext cx="0" cy="0"/>
-          <a:chOff x="0" y="0"/>
-          <a:chExt cx="0" cy="0"/>
-        </a:xfrm>
-      </p:grpSpPr>
-      <p:sp>
-        <p:nvSpPr>
-          <p:cNvPr id="116738" name="标题 1"/>
-          <p:cNvSpPr>
-            <a:spLocks noGrp="1"/>
-          </p:cNvSpPr>
-          <p:nvPr>
-            <p:ph type="title"/>
-          </p:nvPr>
-        </p:nvSpPr>
-        <p:spPr/>
-        <p:txBody>
-          <a:bodyPr/>
-          <a:lstStyle/>
-          <a:p>
-            <a:pPr algn="ctr"/>
-            <a:r>
-              <a:rPr lang="zh-CN" altLang="en-US" b="1" smtClean="0">
-                <a:latin typeface="黑体" pitchFamily="49" charset="-122"/>
-                <a:ea typeface="黑体" pitchFamily="49" charset="-122"/>
-              </a:rPr>
-              <a:t>谢 谢</a:t>
-            </a:r>
-          </a:p>
-        </p:txBody>
-      </p:sp>
-      <p:sp>
-        <p:nvSpPr>
-          <p:cNvPr id="116739" name="内容占位符 2"/>
-          <p:cNvSpPr>
-            <a:spLocks noGrp="1"/>
-          </p:cNvSpPr>
-          <p:nvPr>
-            <p:ph idx="1"/>
-          </p:nvPr>
-        </p:nvSpPr>
-        <p:spPr/>
-        <p:txBody>
-          <a:bodyPr/>
-          <a:lstStyle/>
-          <a:p>
-            <a:endParaRPr lang="zh-CN" altLang="en-US" smtClean="0"/>
-          </a:p>
-        </p:txBody>
-      </p:sp>
-      <p:sp>
-        <p:nvSpPr>
-          <p:cNvPr id="116740" name="灯片编号占位符 3"/>
-          <p:cNvSpPr>
-            <a:spLocks noGrp="1"/>
-          </p:cNvSpPr>
-          <p:nvPr>
-            <p:ph type="sldNum" sz="quarter" idx="12"/>
-          </p:nvPr>
-        </p:nvSpPr>
-        <p:spPr>
-          <a:noFill/>
-          <a:ln/>
-          <a:extLst>
-            <a:ext uri="{909E8E84-426E-40DD-AFC4-6F175D3DCCD1}">
-              <a14:hiddenFill xmlns:a14="http://schemas.microsoft.com/office/drawing/2010/main">
-                <a:solidFill>
-                  <a:srgbClr val="FFFFFF"/>
-                </a:solidFill>
-              </a14:hiddenFill>
-            </a:ext>
-            <a:ext uri="{91240B29-F687-4F45-9708-019B960494DF}">
-              <a14:hiddenLine xmlns:a14="http://schemas.microsoft.com/office/drawing/2010/main" w="9525">
-                <a:solidFill>
-                  <a:srgbClr val="000000"/>
-                </a:solidFill>
-                <a:miter lim="800000"/>
-                <a:headEnd/>
-                <a:tailEnd/>
-              </a14:hiddenLine>
-            </a:ext>
-          </a:extLst>
-        </p:spPr>
-        <p:txBody>
-          <a:bodyPr/>
-          <a:lstStyle>
-            <a:lvl1pPr eaLnBrk="0" hangingPunct="0">
-              <a:defRPr>
-                <a:solidFill>
-                  <a:schemeClr val="tx1"/>
-                </a:solidFill>
-                <a:latin typeface="Verdana" pitchFamily="34" charset="0"/>
-                <a:ea typeface="宋体" charset="-122"/>
-              </a:defRPr>
-            </a:lvl1pPr>
-            <a:lvl2pPr marL="742950" indent="-285750" eaLnBrk="0" hangingPunct="0">
-              <a:defRPr>
-                <a:solidFill>
-                  <a:schemeClr val="tx1"/>
-                </a:solidFill>
-                <a:latin typeface="Verdana" pitchFamily="34" charset="0"/>
-                <a:ea typeface="宋体" charset="-122"/>
-              </a:defRPr>
-            </a:lvl2pPr>
-            <a:lvl3pPr marL="1143000" indent="-228600" eaLnBrk="0" hangingPunct="0">
-              <a:defRPr>
-                <a:solidFill>
-                  <a:schemeClr val="tx1"/>
-                </a:solidFill>
-                <a:latin typeface="Verdana" pitchFamily="34" charset="0"/>
-                <a:ea typeface="宋体" charset="-122"/>
-              </a:defRPr>
-            </a:lvl3pPr>
-            <a:lvl4pPr marL="1600200" indent="-228600" eaLnBrk="0" hangingPunct="0">
-              <a:defRPr>
-                <a:solidFill>
-                  <a:schemeClr val="tx1"/>
-                </a:solidFill>
-                <a:latin typeface="Verdana" pitchFamily="34" charset="0"/>
-                <a:ea typeface="宋体" charset="-122"/>
-              </a:defRPr>
-            </a:lvl4pPr>
-            <a:lvl5pPr marL="2057400" indent="-228600" eaLnBrk="0" hangingPunct="0">
-              <a:defRPr>
-                <a:solidFill>
-                  <a:schemeClr val="tx1"/>
-                </a:solidFill>
-                <a:latin typeface="Verdana" pitchFamily="34" charset="0"/>
-                <a:ea typeface="宋体" charset="-122"/>
-              </a:defRPr>
-            </a:lvl5pPr>
-            <a:lvl6pPr marL="2514600" indent="-228600" eaLnBrk="0" fontAlgn="base" hangingPunct="0">
-              <a:spcBef>
-                <a:spcPct val="0"/>
-              </a:spcBef>
-              <a:spcAft>
-                <a:spcPct val="0"/>
-              </a:spcAft>
-              <a:defRPr>
-                <a:solidFill>
-                  <a:schemeClr val="tx1"/>
-                </a:solidFill>
-                <a:latin typeface="Verdana" pitchFamily="34" charset="0"/>
-                <a:ea typeface="宋体" charset="-122"/>
-              </a:defRPr>
-            </a:lvl6pPr>
-            <a:lvl7pPr marL="2971800" indent="-228600" eaLnBrk="0" fontAlgn="base" hangingPunct="0">
-              <a:spcBef>
-                <a:spcPct val="0"/>
-              </a:spcBef>
-              <a:spcAft>
-                <a:spcPct val="0"/>
-              </a:spcAft>
-              <a:defRPr>
-                <a:solidFill>
-                  <a:schemeClr val="tx1"/>
-                </a:solidFill>
-                <a:latin typeface="Verdana" pitchFamily="34" charset="0"/>
-                <a:ea typeface="宋体" charset="-122"/>
-              </a:defRPr>
-            </a:lvl7pPr>
-            <a:lvl8pPr marL="3429000" indent="-228600" eaLnBrk="0" fontAlgn="base" hangingPunct="0">
-              <a:spcBef>
-                <a:spcPct val="0"/>
-              </a:spcBef>
-              <a:spcAft>
-                <a:spcPct val="0"/>
-              </a:spcAft>
-              <a:defRPr>
-                <a:solidFill>
-                  <a:schemeClr val="tx1"/>
-                </a:solidFill>
-                <a:latin typeface="Verdana" pitchFamily="34" charset="0"/>
-                <a:ea typeface="宋体" charset="-122"/>
-              </a:defRPr>
-            </a:lvl8pPr>
-            <a:lvl9pPr marL="3886200" indent="-228600" eaLnBrk="0" fontAlgn="base" hangingPunct="0">
-              <a:spcBef>
-                <a:spcPct val="0"/>
-              </a:spcBef>
-              <a:spcAft>
-                <a:spcPct val="0"/>
-              </a:spcAft>
-              <a:defRPr>
-                <a:solidFill>
-                  <a:schemeClr val="tx1"/>
-                </a:solidFill>
-                <a:latin typeface="Verdana" pitchFamily="34" charset="0"/>
-                <a:ea typeface="宋体" charset="-122"/>
-              </a:defRPr>
-            </a:lvl9pPr>
-          </a:lstStyle>
-          <a:p>
-            <a:pPr eaLnBrk="1" hangingPunct="1"/>
-            <a:fld id="{F0F89058-6E73-47EC-9C9A-5D4E267332A9}" type="slidenum">
-              <a:rPr lang="en-US" altLang="zh-CN" smtClean="0"/>
-              <a:pPr eaLnBrk="1" hangingPunct="1"/>
-              <a:t>22</a:t>
-            </a:fld>
-            <a:endParaRPr lang="en-US" altLang="zh-CN" smtClean="0"/>
-          </a:p>
-        </p:txBody>
-      </p:sp>
-    </p:spTree>
-  </p:cSld>
-  <p:clrMapOvr>
-    <a:masterClrMapping/>
-  </p:clrMapOvr>
-  <p:transition/>
+  <p:timing>
+    <p:tnLst>
+      <p:par>
+        <p:cTn id="1" dur="indefinite" restart="never" nodeType="tmRoot"/>
+      </p:par>
+    </p:tnLst>
+  </p:timing>
 </p:sld>
 </file>
 
@@ -11334,6 +10817,13 @@
     <a:masterClrMapping/>
   </p:clrMapOvr>
   <p:transition/>
+  <p:timing>
+    <p:tnLst>
+      <p:par>
+        <p:cTn id="1" dur="indefinite" restart="never" nodeType="tmRoot"/>
+      </p:par>
+    </p:tnLst>
+  </p:timing>
 </p:sld>
 </file>
 
@@ -11625,6 +11115,13 @@
     <a:masterClrMapping/>
   </p:clrMapOvr>
   <p:transition/>
+  <p:timing>
+    <p:tnLst>
+      <p:par>
+        <p:cTn id="1" dur="indefinite" restart="never" nodeType="tmRoot"/>
+      </p:par>
+    </p:tnLst>
+  </p:timing>
 </p:sld>
 </file>
 
@@ -11923,6 +11420,13 @@
     <a:masterClrMapping/>
   </p:clrMapOvr>
   <p:transition/>
+  <p:timing>
+    <p:tnLst>
+      <p:par>
+        <p:cTn id="1" dur="indefinite" restart="never" nodeType="tmRoot"/>
+      </p:par>
+    </p:tnLst>
+  </p:timing>
 </p:sld>
 </file>
 
@@ -12206,6 +11710,13 @@
     <a:masterClrMapping/>
   </p:clrMapOvr>
   <p:transition/>
+  <p:timing>
+    <p:tnLst>
+      <p:par>
+        <p:cTn id="1" dur="indefinite" restart="never" nodeType="tmRoot"/>
+      </p:par>
+    </p:tnLst>
+  </p:timing>
 </p:sld>
 </file>
 
@@ -12470,6 +11981,13 @@
     <a:masterClrMapping/>
   </p:clrMapOvr>
   <p:transition/>
+  <p:timing>
+    <p:tnLst>
+      <p:par>
+        <p:cTn id="1" dur="indefinite" restart="never" nodeType="tmRoot"/>
+      </p:par>
+    </p:tnLst>
+  </p:timing>
 </p:sld>
 </file>
 
@@ -12753,6 +12271,13 @@
     <a:masterClrMapping/>
   </p:clrMapOvr>
   <p:transition/>
+  <p:timing>
+    <p:tnLst>
+      <p:par>
+        <p:cTn id="1" dur="indefinite" restart="never" nodeType="tmRoot"/>
+      </p:par>
+    </p:tnLst>
+  </p:timing>
 </p:sld>
 </file>
 
@@ -13140,6 +12665,13 @@
     <a:masterClrMapping/>
   </p:clrMapOvr>
   <p:transition/>
+  <p:timing>
+    <p:tnLst>
+      <p:par>
+        <p:cTn id="1" dur="indefinite" restart="never" nodeType="tmRoot"/>
+      </p:par>
+    </p:tnLst>
+  </p:timing>
 </p:sld>
 </file>
 
